--- a/pppp.pptx
+++ b/pppp.pptx
@@ -266,7 +266,7 @@
           <a:p>
             <a:fld id="{F83871E5-2C05-488A-9C65-E9D4BD119326}" type="datetimeFigureOut">
               <a:rPr lang="da-DK" smtClean="0"/>
-              <a:t>18-05-2021</a:t>
+              <a:t>25-05-2021</a:t>
             </a:fld>
             <a:endParaRPr lang="da-DK"/>
           </a:p>
@@ -464,7 +464,7 @@
           <a:p>
             <a:fld id="{F83871E5-2C05-488A-9C65-E9D4BD119326}" type="datetimeFigureOut">
               <a:rPr lang="da-DK" smtClean="0"/>
-              <a:t>18-05-2021</a:t>
+              <a:t>25-05-2021</a:t>
             </a:fld>
             <a:endParaRPr lang="da-DK"/>
           </a:p>
@@ -672,7 +672,7 @@
           <a:p>
             <a:fld id="{F83871E5-2C05-488A-9C65-E9D4BD119326}" type="datetimeFigureOut">
               <a:rPr lang="da-DK" smtClean="0"/>
-              <a:t>18-05-2021</a:t>
+              <a:t>25-05-2021</a:t>
             </a:fld>
             <a:endParaRPr lang="da-DK"/>
           </a:p>
@@ -870,7 +870,7 @@
           <a:p>
             <a:fld id="{F83871E5-2C05-488A-9C65-E9D4BD119326}" type="datetimeFigureOut">
               <a:rPr lang="da-DK" smtClean="0"/>
-              <a:t>18-05-2021</a:t>
+              <a:t>25-05-2021</a:t>
             </a:fld>
             <a:endParaRPr lang="da-DK"/>
           </a:p>
@@ -1145,7 +1145,7 @@
           <a:p>
             <a:fld id="{F83871E5-2C05-488A-9C65-E9D4BD119326}" type="datetimeFigureOut">
               <a:rPr lang="da-DK" smtClean="0"/>
-              <a:t>18-05-2021</a:t>
+              <a:t>25-05-2021</a:t>
             </a:fld>
             <a:endParaRPr lang="da-DK"/>
           </a:p>
@@ -1410,7 +1410,7 @@
           <a:p>
             <a:fld id="{F83871E5-2C05-488A-9C65-E9D4BD119326}" type="datetimeFigureOut">
               <a:rPr lang="da-DK" smtClean="0"/>
-              <a:t>18-05-2021</a:t>
+              <a:t>25-05-2021</a:t>
             </a:fld>
             <a:endParaRPr lang="da-DK"/>
           </a:p>
@@ -1822,7 +1822,7 @@
           <a:p>
             <a:fld id="{F83871E5-2C05-488A-9C65-E9D4BD119326}" type="datetimeFigureOut">
               <a:rPr lang="da-DK" smtClean="0"/>
-              <a:t>18-05-2021</a:t>
+              <a:t>25-05-2021</a:t>
             </a:fld>
             <a:endParaRPr lang="da-DK"/>
           </a:p>
@@ -1963,7 +1963,7 @@
           <a:p>
             <a:fld id="{F83871E5-2C05-488A-9C65-E9D4BD119326}" type="datetimeFigureOut">
               <a:rPr lang="da-DK" smtClean="0"/>
-              <a:t>18-05-2021</a:t>
+              <a:t>25-05-2021</a:t>
             </a:fld>
             <a:endParaRPr lang="da-DK"/>
           </a:p>
@@ -2076,7 +2076,7 @@
           <a:p>
             <a:fld id="{F83871E5-2C05-488A-9C65-E9D4BD119326}" type="datetimeFigureOut">
               <a:rPr lang="da-DK" smtClean="0"/>
-              <a:t>18-05-2021</a:t>
+              <a:t>25-05-2021</a:t>
             </a:fld>
             <a:endParaRPr lang="da-DK"/>
           </a:p>
@@ -2387,7 +2387,7 @@
           <a:p>
             <a:fld id="{F83871E5-2C05-488A-9C65-E9D4BD119326}" type="datetimeFigureOut">
               <a:rPr lang="da-DK" smtClean="0"/>
-              <a:t>18-05-2021</a:t>
+              <a:t>25-05-2021</a:t>
             </a:fld>
             <a:endParaRPr lang="da-DK"/>
           </a:p>
@@ -2675,7 +2675,7 @@
           <a:p>
             <a:fld id="{F83871E5-2C05-488A-9C65-E9D4BD119326}" type="datetimeFigureOut">
               <a:rPr lang="da-DK" smtClean="0"/>
-              <a:t>18-05-2021</a:t>
+              <a:t>25-05-2021</a:t>
             </a:fld>
             <a:endParaRPr lang="da-DK"/>
           </a:p>
@@ -2916,7 +2916,7 @@
           <a:p>
             <a:fld id="{F83871E5-2C05-488A-9C65-E9D4BD119326}" type="datetimeFigureOut">
               <a:rPr lang="da-DK" smtClean="0"/>
-              <a:t>18-05-2021</a:t>
+              <a:t>25-05-2021</a:t>
             </a:fld>
             <a:endParaRPr lang="da-DK"/>
           </a:p>
@@ -3343,10 +3343,10 @@
       </p:grpSpPr>
       <p:sp>
         <p:nvSpPr>
-          <p:cNvPr id="8" name="Rectangle 7">
-            <a:extLst>
-              <a:ext uri="{FF2B5EF4-FFF2-40B4-BE49-F238E27FC236}">
-                <a16:creationId xmlns:a16="http://schemas.microsoft.com/office/drawing/2014/main" id="{3A397E3E-B90C-4D82-BAAA-36F7AC6A4565}"/>
+          <p:cNvPr id="46" name="Rectangle 45">
+            <a:extLst>
+              <a:ext uri="{FF2B5EF4-FFF2-40B4-BE49-F238E27FC236}">
+                <a16:creationId xmlns:a16="http://schemas.microsoft.com/office/drawing/2014/main" id="{D8386171-E87D-46AB-8718-4CE2A88748BD}"/>
               </a:ext>
               <a:ext uri="{C183D7F6-B498-43B3-948B-1728B52AA6E4}">
                 <adec:decorative xmlns:adec="http://schemas.microsoft.com/office/drawing/2017/decorative" val="1"/>
@@ -3373,7 +3373,7 @@
             <a:avLst/>
           </a:prstGeom>
           <a:solidFill>
-            <a:schemeClr val="tx1"/>
+            <a:srgbClr val="C8CACA"/>
           </a:solidFill>
           <a:ln>
             <a:noFill/>
@@ -3400,16 +3400,16 @@
           <a:lstStyle/>
           <a:p>
             <a:pPr algn="ctr"/>
-            <a:endParaRPr lang="en-US" dirty="0"/>
-          </a:p>
-        </p:txBody>
-      </p:sp>
-      <p:sp>
-        <p:nvSpPr>
-          <p:cNvPr id="10" name="Freeform: Shape 9">
-            <a:extLst>
-              <a:ext uri="{FF2B5EF4-FFF2-40B4-BE49-F238E27FC236}">
-                <a16:creationId xmlns:a16="http://schemas.microsoft.com/office/drawing/2014/main" id="{8CF5E676-CA04-4CED-9F1E-5026ED66E66D}"/>
+            <a:endParaRPr lang="en-US"/>
+          </a:p>
+        </p:txBody>
+      </p:sp>
+      <p:sp>
+        <p:nvSpPr>
+          <p:cNvPr id="48" name="Rounded Rectangle 26">
+            <a:extLst>
+              <a:ext uri="{FF2B5EF4-FFF2-40B4-BE49-F238E27FC236}">
+                <a16:creationId xmlns:a16="http://schemas.microsoft.com/office/drawing/2014/main" id="{207CB456-8849-413C-8210-B663779A32E0}"/>
               </a:ext>
               <a:ext uri="{C183D7F6-B498-43B3-948B-1728B52AA6E4}">
                 <adec:decorative xmlns:adec="http://schemas.microsoft.com/office/drawing/2017/decorative" val="1"/>
@@ -3429,135 +3429,90 @@
         </p:nvSpPr>
         <p:spPr>
           <a:xfrm>
-            <a:off x="1" y="1"/>
-            <a:ext cx="2833068" cy="2997599"/>
+            <a:off x="646745" y="640080"/>
+            <a:ext cx="10920415" cy="5577818"/>
           </a:xfrm>
-          <a:custGeom>
-            <a:avLst/>
-            <a:gdLst>
-              <a:gd name="connsiteX0" fmla="*/ 2292284 w 3871489"/>
-              <a:gd name="connsiteY0" fmla="*/ 0 h 4096327"/>
-              <a:gd name="connsiteX1" fmla="*/ 3500914 w 3871489"/>
-              <a:gd name="connsiteY1" fmla="*/ 0 h 4096327"/>
-              <a:gd name="connsiteX2" fmla="*/ 3542229 w 3871489"/>
-              <a:gd name="connsiteY2" fmla="*/ 68006 h 4096327"/>
-              <a:gd name="connsiteX3" fmla="*/ 3871489 w 3871489"/>
-              <a:gd name="connsiteY3" fmla="*/ 1368323 h 4096327"/>
-              <a:gd name="connsiteX4" fmla="*/ 1143485 w 3871489"/>
-              <a:gd name="connsiteY4" fmla="*/ 4096327 h 4096327"/>
-              <a:gd name="connsiteX5" fmla="*/ 81633 w 3871489"/>
-              <a:gd name="connsiteY5" fmla="*/ 3881944 h 4096327"/>
-              <a:gd name="connsiteX6" fmla="*/ 0 w 3871489"/>
-              <a:gd name="connsiteY6" fmla="*/ 3842618 h 4096327"/>
-              <a:gd name="connsiteX7" fmla="*/ 0 w 3871489"/>
-              <a:gd name="connsiteY7" fmla="*/ 2741475 h 4096327"/>
-              <a:gd name="connsiteX8" fmla="*/ 6615 w 3871489"/>
-              <a:gd name="connsiteY8" fmla="*/ 2747487 h 4096327"/>
-              <a:gd name="connsiteX9" fmla="*/ 1143485 w 3871489"/>
-              <a:gd name="connsiteY9" fmla="*/ 3155655 h 4096327"/>
-              <a:gd name="connsiteX10" fmla="*/ 2930817 w 3871489"/>
-              <a:gd name="connsiteY10" fmla="*/ 1368323 h 4096327"/>
-              <a:gd name="connsiteX11" fmla="*/ 2407287 w 3871489"/>
-              <a:gd name="connsiteY11" fmla="*/ 104524 h 4096327"/>
-            </a:gdLst>
-            <a:ahLst/>
-            <a:cxnLst>
-              <a:cxn ang="0">
-                <a:pos x="connsiteX0" y="connsiteY0"/>
-              </a:cxn>
-              <a:cxn ang="0">
-                <a:pos x="connsiteX1" y="connsiteY1"/>
-              </a:cxn>
-              <a:cxn ang="0">
-                <a:pos x="connsiteX2" y="connsiteY2"/>
-              </a:cxn>
-              <a:cxn ang="0">
-                <a:pos x="connsiteX3" y="connsiteY3"/>
-              </a:cxn>
-              <a:cxn ang="0">
-                <a:pos x="connsiteX4" y="connsiteY4"/>
-              </a:cxn>
-              <a:cxn ang="0">
-                <a:pos x="connsiteX5" y="connsiteY5"/>
-              </a:cxn>
-              <a:cxn ang="0">
-                <a:pos x="connsiteX6" y="connsiteY6"/>
-              </a:cxn>
-              <a:cxn ang="0">
-                <a:pos x="connsiteX7" y="connsiteY7"/>
-              </a:cxn>
-              <a:cxn ang="0">
-                <a:pos x="connsiteX8" y="connsiteY8"/>
-              </a:cxn>
-              <a:cxn ang="0">
-                <a:pos x="connsiteX9" y="connsiteY9"/>
-              </a:cxn>
-              <a:cxn ang="0">
-                <a:pos x="connsiteX10" y="connsiteY10"/>
-              </a:cxn>
-              <a:cxn ang="0">
-                <a:pos x="connsiteX11" y="connsiteY11"/>
-              </a:cxn>
-            </a:cxnLst>
-            <a:rect l="l" t="t" r="r" b="b"/>
-            <a:pathLst>
-              <a:path w="3871489" h="4096327">
-                <a:moveTo>
-                  <a:pt x="2292284" y="0"/>
-                </a:moveTo>
-                <a:lnTo>
-                  <a:pt x="3500914" y="0"/>
-                </a:lnTo>
-                <a:lnTo>
-                  <a:pt x="3542229" y="68006"/>
-                </a:lnTo>
-                <a:cubicBezTo>
-                  <a:pt x="3752213" y="454545"/>
-                  <a:pt x="3871489" y="897507"/>
-                  <a:pt x="3871489" y="1368323"/>
-                </a:cubicBezTo>
-                <a:cubicBezTo>
-                  <a:pt x="3871489" y="2874936"/>
-                  <a:pt x="2650098" y="4096327"/>
-                  <a:pt x="1143485" y="4096327"/>
-                </a:cubicBezTo>
-                <a:cubicBezTo>
-                  <a:pt x="766832" y="4096327"/>
-                  <a:pt x="408006" y="4019990"/>
-                  <a:pt x="81633" y="3881944"/>
-                </a:cubicBezTo>
-                <a:lnTo>
-                  <a:pt x="0" y="3842618"/>
-                </a:lnTo>
-                <a:lnTo>
-                  <a:pt x="0" y="2741475"/>
-                </a:lnTo>
-                <a:lnTo>
-                  <a:pt x="6615" y="2747487"/>
-                </a:lnTo>
-                <a:cubicBezTo>
-                  <a:pt x="315579" y="3002472"/>
-                  <a:pt x="711663" y="3155655"/>
-                  <a:pt x="1143485" y="3155655"/>
-                </a:cubicBezTo>
-                <a:cubicBezTo>
-                  <a:pt x="2130515" y="3155655"/>
-                  <a:pt x="2930817" y="2355353"/>
-                  <a:pt x="2930817" y="1368323"/>
-                </a:cubicBezTo>
-                <a:cubicBezTo>
-                  <a:pt x="2930817" y="874812"/>
-                  <a:pt x="2730741" y="427979"/>
-                  <a:pt x="2407287" y="104524"/>
-                </a:cubicBezTo>
-                <a:close/>
-              </a:path>
-            </a:pathLst>
-          </a:custGeom>
+          <a:prstGeom prst="roundRect">
+            <a:avLst>
+              <a:gd name="adj" fmla="val 0"/>
+            </a:avLst>
+          </a:prstGeom>
           <a:solidFill>
             <a:srgbClr val="FFFFFF"/>
           </a:solidFill>
-          <a:ln w="28575">
+          <a:ln w="9525">
+            <a:solidFill>
+              <a:srgbClr val="C8CACA"/>
+            </a:solidFill>
+          </a:ln>
+          <a:effectLst>
+            <a:outerShdw blurRad="57150" dist="19050" dir="5400000" algn="t" rotWithShape="0">
+              <a:prstClr val="black">
+                <a:alpha val="63000"/>
+              </a:prstClr>
+            </a:outerShdw>
+          </a:effectLst>
+        </p:spPr>
+        <p:style>
+          <a:lnRef idx="2">
+            <a:schemeClr val="accent1">
+              <a:shade val="50000"/>
+            </a:schemeClr>
+          </a:lnRef>
+          <a:fillRef idx="1">
+            <a:schemeClr val="accent1"/>
+          </a:fillRef>
+          <a:effectRef idx="0">
+            <a:schemeClr val="accent1"/>
+          </a:effectRef>
+          <a:fontRef idx="minor">
+            <a:schemeClr val="lt1"/>
+          </a:fontRef>
+        </p:style>
+        <p:txBody>
+          <a:bodyPr rtlCol="0" anchor="ctr"/>
+          <a:lstStyle/>
+          <a:p>
+            <a:pPr algn="ctr"/>
+            <a:endParaRPr lang="en-US"/>
+          </a:p>
+        </p:txBody>
+      </p:sp>
+      <p:sp>
+        <p:nvSpPr>
+          <p:cNvPr id="50" name="Rectangle 49">
+            <a:extLst>
+              <a:ext uri="{FF2B5EF4-FFF2-40B4-BE49-F238E27FC236}">
+                <a16:creationId xmlns:a16="http://schemas.microsoft.com/office/drawing/2014/main" id="{E513936D-D1EB-4E42-A97F-942BA1F3DFA7}"/>
+              </a:ext>
+              <a:ext uri="{C183D7F6-B498-43B3-948B-1728B52AA6E4}">
+                <adec:decorative xmlns:adec="http://schemas.microsoft.com/office/drawing/2017/decorative" val="1"/>
+              </a:ext>
+            </a:extLst>
+          </p:cNvPr>
+          <p:cNvSpPr>
+            <a:spLocks noGrp="1" noRot="1" noChangeAspect="1" noMove="1" noResize="1" noEditPoints="1" noAdjustHandles="1" noChangeArrowheads="1" noChangeShapeType="1" noTextEdit="1"/>
+          </p:cNvSpPr>
+          <p:nvPr>
+            <p:extLst>
+              <p:ext uri="{386F3935-93C4-4BCD-93E2-E3B085C9AB24}">
+                <p16:designElem xmlns:p16="http://schemas.microsoft.com/office/powerpoint/2015/main" val="1"/>
+              </p:ext>
+            </p:extLst>
+          </p:nvPr>
+        </p:nvSpPr>
+        <p:spPr>
+          <a:xfrm>
+            <a:off x="968024" y="960109"/>
+            <a:ext cx="10277856" cy="4937760"/>
+          </a:xfrm>
+          <a:prstGeom prst="rect">
+            <a:avLst/>
+          </a:prstGeom>
+          <a:solidFill>
+            <a:schemeClr val="bg2"/>
+          </a:solidFill>
+          <a:ln>
             <a:noFill/>
           </a:ln>
         </p:spPr>
@@ -3578,38 +3533,105 @@
           </a:fontRef>
         </p:style>
         <p:txBody>
-          <a:bodyPr rot="0" spcFirstLastPara="0" vertOverflow="overflow" horzOverflow="overflow" vert="horz" wrap="square" lIns="91440" tIns="45720" rIns="91440" bIns="45720" numCol="1" spcCol="0" rtlCol="0" fromWordArt="0" anchor="ctr" anchorCtr="0" forceAA="0" compatLnSpc="1">
-            <a:prstTxWarp prst="textNoShape">
-              <a:avLst/>
-            </a:prstTxWarp>
-            <a:noAutofit/>
+          <a:bodyPr rtlCol="0" anchor="ctr"/>
+          <a:lstStyle/>
+          <a:p>
+            <a:pPr algn="ctr"/>
+            <a:endParaRPr lang="en-US"/>
+          </a:p>
+        </p:txBody>
+      </p:sp>
+      <p:sp>
+        <p:nvSpPr>
+          <p:cNvPr id="2" name="Titel 1">
+            <a:extLst>
+              <a:ext uri="{FF2B5EF4-FFF2-40B4-BE49-F238E27FC236}">
+                <a16:creationId xmlns:a16="http://schemas.microsoft.com/office/drawing/2014/main" id="{B69C3475-05B5-47F6-B00B-7ECD6A3BA152}"/>
+              </a:ext>
+            </a:extLst>
+          </p:cNvPr>
+          <p:cNvSpPr>
+            <a:spLocks noGrp="1"/>
+          </p:cNvSpPr>
+          <p:nvPr>
+            <p:ph type="ctrTitle"/>
+          </p:nvPr>
+        </p:nvSpPr>
+        <p:spPr>
+          <a:xfrm>
+            <a:off x="1524000" y="1337641"/>
+            <a:ext cx="9144000" cy="2330002"/>
+          </a:xfrm>
+        </p:spPr>
+        <p:txBody>
+          <a:bodyPr>
+            <a:normAutofit/>
           </a:bodyPr>
           <a:lstStyle/>
           <a:p>
-            <a:pPr algn="ctr"/>
-            <a:endParaRPr lang="en-US" dirty="0">
-              <a:solidFill>
-                <a:schemeClr val="accent1"/>
-              </a:solidFill>
-            </a:endParaRPr>
-          </a:p>
-        </p:txBody>
-      </p:sp>
-      <p:sp>
-        <p:nvSpPr>
-          <p:cNvPr id="12" name="Freeform: Shape 11">
-            <a:extLst>
-              <a:ext uri="{FF2B5EF4-FFF2-40B4-BE49-F238E27FC236}">
-                <a16:creationId xmlns:a16="http://schemas.microsoft.com/office/drawing/2014/main" id="{AFD1189F-9598-4281-8056-2845388D4D05}"/>
+            <a:r>
+              <a:rPr lang="da-DK" sz="5400"/>
+              <a:t>Delfinen</a:t>
+            </a:r>
+          </a:p>
+        </p:txBody>
+      </p:sp>
+      <p:sp>
+        <p:nvSpPr>
+          <p:cNvPr id="3" name="Undertitel 2">
+            <a:extLst>
+              <a:ext uri="{FF2B5EF4-FFF2-40B4-BE49-F238E27FC236}">
+                <a16:creationId xmlns:a16="http://schemas.microsoft.com/office/drawing/2014/main" id="{BAFF9876-34A8-4DED-877D-B05C2ED53353}"/>
+              </a:ext>
+            </a:extLst>
+          </p:cNvPr>
+          <p:cNvSpPr>
+            <a:spLocks noGrp="1"/>
+          </p:cNvSpPr>
+          <p:nvPr>
+            <p:ph type="subTitle" idx="1"/>
+          </p:nvPr>
+        </p:nvSpPr>
+        <p:spPr>
+          <a:xfrm>
+            <a:off x="1524000" y="3990165"/>
+            <a:ext cx="9144000" cy="1279432"/>
+          </a:xfrm>
+        </p:spPr>
+        <p:txBody>
+          <a:bodyPr>
+            <a:normAutofit/>
+          </a:bodyPr>
+          <a:lstStyle/>
+          <a:p>
+            <a:r>
+              <a:rPr lang="da-DK" dirty="0"/>
+              <a:t>Gruppe 3</a:t>
+            </a:r>
+          </a:p>
+          <a:p>
+            <a:r>
+              <a:rPr lang="da-DK" dirty="0"/>
+              <a:t>Alexander Kaare, Jakob, Martin og Silke</a:t>
+            </a:r>
+          </a:p>
+        </p:txBody>
+      </p:sp>
+      <p:cxnSp>
+        <p:nvCxnSpPr>
+          <p:cNvPr id="52" name="Straight Connector 51">
+            <a:extLst>
+              <a:ext uri="{FF2B5EF4-FFF2-40B4-BE49-F238E27FC236}">
+                <a16:creationId xmlns:a16="http://schemas.microsoft.com/office/drawing/2014/main" id="{AFA75EE9-0DE4-4982-A870-290AD61EAAD7}"/>
               </a:ext>
               <a:ext uri="{C183D7F6-B498-43B3-948B-1728B52AA6E4}">
                 <adec:decorative xmlns:adec="http://schemas.microsoft.com/office/drawing/2017/decorative" val="1"/>
               </a:ext>
             </a:extLst>
           </p:cNvPr>
-          <p:cNvSpPr>
-            <a:spLocks noGrp="1" noRot="1" noChangeAspect="1" noMove="1" noResize="1" noEditPoints="1" noAdjustHandles="1" noChangeArrowheads="1" noChangeShapeType="1" noTextEdit="1"/>
-          </p:cNvSpPr>
+          <p:cNvCxnSpPr>
+            <a:cxnSpLocks noGrp="1" noRot="1" noChangeAspect="1" noMove="1" noResize="1" noEditPoints="1" noAdjustHandles="1" noChangeArrowheads="1" noChangeShapeType="1"/>
+          </p:cNvCxnSpPr>
           <p:nvPr>
             <p:extLst>
               <p:ext uri="{386F3935-93C4-4BCD-93E2-E3B085C9AB24}">
@@ -3617,140 +3639,1056 @@
               </p:ext>
             </p:extLst>
           </p:nvPr>
-        </p:nvSpPr>
+        </p:nvCxnSpPr>
         <p:spPr>
           <a:xfrm>
-            <a:off x="0" y="0"/>
-            <a:ext cx="2833068" cy="2997599"/>
+            <a:off x="3352800" y="3806097"/>
+            <a:ext cx="5486400" cy="0"/>
           </a:xfrm>
-          <a:custGeom>
+          <a:prstGeom prst="line">
             <a:avLst/>
-            <a:gdLst>
-              <a:gd name="connsiteX0" fmla="*/ 2292284 w 3871489"/>
-              <a:gd name="connsiteY0" fmla="*/ 0 h 4096327"/>
-              <a:gd name="connsiteX1" fmla="*/ 3500914 w 3871489"/>
-              <a:gd name="connsiteY1" fmla="*/ 0 h 4096327"/>
-              <a:gd name="connsiteX2" fmla="*/ 3542229 w 3871489"/>
-              <a:gd name="connsiteY2" fmla="*/ 68006 h 4096327"/>
-              <a:gd name="connsiteX3" fmla="*/ 3871489 w 3871489"/>
-              <a:gd name="connsiteY3" fmla="*/ 1368323 h 4096327"/>
-              <a:gd name="connsiteX4" fmla="*/ 1143485 w 3871489"/>
-              <a:gd name="connsiteY4" fmla="*/ 4096327 h 4096327"/>
-              <a:gd name="connsiteX5" fmla="*/ 81633 w 3871489"/>
-              <a:gd name="connsiteY5" fmla="*/ 3881944 h 4096327"/>
-              <a:gd name="connsiteX6" fmla="*/ 0 w 3871489"/>
-              <a:gd name="connsiteY6" fmla="*/ 3842618 h 4096327"/>
-              <a:gd name="connsiteX7" fmla="*/ 0 w 3871489"/>
-              <a:gd name="connsiteY7" fmla="*/ 2741475 h 4096327"/>
-              <a:gd name="connsiteX8" fmla="*/ 6615 w 3871489"/>
-              <a:gd name="connsiteY8" fmla="*/ 2747487 h 4096327"/>
-              <a:gd name="connsiteX9" fmla="*/ 1143485 w 3871489"/>
-              <a:gd name="connsiteY9" fmla="*/ 3155655 h 4096327"/>
-              <a:gd name="connsiteX10" fmla="*/ 2930817 w 3871489"/>
-              <a:gd name="connsiteY10" fmla="*/ 1368323 h 4096327"/>
-              <a:gd name="connsiteX11" fmla="*/ 2407287 w 3871489"/>
-              <a:gd name="connsiteY11" fmla="*/ 104524 h 4096327"/>
-            </a:gdLst>
-            <a:ahLst/>
-            <a:cxnLst>
-              <a:cxn ang="0">
-                <a:pos x="connsiteX0" y="connsiteY0"/>
-              </a:cxn>
-              <a:cxn ang="0">
-                <a:pos x="connsiteX1" y="connsiteY1"/>
-              </a:cxn>
-              <a:cxn ang="0">
-                <a:pos x="connsiteX2" y="connsiteY2"/>
-              </a:cxn>
-              <a:cxn ang="0">
-                <a:pos x="connsiteX3" y="connsiteY3"/>
-              </a:cxn>
-              <a:cxn ang="0">
-                <a:pos x="connsiteX4" y="connsiteY4"/>
-              </a:cxn>
-              <a:cxn ang="0">
-                <a:pos x="connsiteX5" y="connsiteY5"/>
-              </a:cxn>
-              <a:cxn ang="0">
-                <a:pos x="connsiteX6" y="connsiteY6"/>
-              </a:cxn>
-              <a:cxn ang="0">
-                <a:pos x="connsiteX7" y="connsiteY7"/>
-              </a:cxn>
-              <a:cxn ang="0">
-                <a:pos x="connsiteX8" y="connsiteY8"/>
-              </a:cxn>
-              <a:cxn ang="0">
-                <a:pos x="connsiteX9" y="connsiteY9"/>
-              </a:cxn>
-              <a:cxn ang="0">
-                <a:pos x="connsiteX10" y="connsiteY10"/>
-              </a:cxn>
-              <a:cxn ang="0">
-                <a:pos x="connsiteX11" y="connsiteY11"/>
-              </a:cxn>
-            </a:cxnLst>
-            <a:rect l="l" t="t" r="r" b="b"/>
-            <a:pathLst>
-              <a:path w="3871489" h="4096327">
-                <a:moveTo>
-                  <a:pt x="2292284" y="0"/>
-                </a:moveTo>
-                <a:lnTo>
-                  <a:pt x="3500914" y="0"/>
-                </a:lnTo>
-                <a:lnTo>
-                  <a:pt x="3542229" y="68006"/>
-                </a:lnTo>
-                <a:cubicBezTo>
-                  <a:pt x="3752213" y="454545"/>
-                  <a:pt x="3871489" y="897507"/>
-                  <a:pt x="3871489" y="1368323"/>
-                </a:cubicBezTo>
-                <a:cubicBezTo>
-                  <a:pt x="3871489" y="2874936"/>
-                  <a:pt x="2650098" y="4096327"/>
-                  <a:pt x="1143485" y="4096327"/>
-                </a:cubicBezTo>
-                <a:cubicBezTo>
-                  <a:pt x="766832" y="4096327"/>
-                  <a:pt x="408006" y="4019990"/>
-                  <a:pt x="81633" y="3881944"/>
-                </a:cubicBezTo>
-                <a:lnTo>
-                  <a:pt x="0" y="3842618"/>
-                </a:lnTo>
-                <a:lnTo>
-                  <a:pt x="0" y="2741475"/>
-                </a:lnTo>
-                <a:lnTo>
-                  <a:pt x="6615" y="2747487"/>
-                </a:lnTo>
-                <a:cubicBezTo>
-                  <a:pt x="315579" y="3002472"/>
-                  <a:pt x="711663" y="3155655"/>
-                  <a:pt x="1143485" y="3155655"/>
-                </a:cubicBezTo>
-                <a:cubicBezTo>
-                  <a:pt x="2130515" y="3155655"/>
-                  <a:pt x="2930817" y="2355353"/>
-                  <a:pt x="2930817" y="1368323"/>
-                </a:cubicBezTo>
-                <a:cubicBezTo>
-                  <a:pt x="2930817" y="874812"/>
-                  <a:pt x="2730741" y="427979"/>
-                  <a:pt x="2407287" y="104524"/>
-                </a:cubicBezTo>
-                <a:close/>
-              </a:path>
-            </a:pathLst>
-          </a:custGeom>
+          </a:prstGeom>
+          <a:ln w="19050">
+            <a:solidFill>
+              <a:schemeClr val="tx1">
+                <a:lumMod val="50000"/>
+                <a:lumOff val="50000"/>
+              </a:schemeClr>
+            </a:solidFill>
+          </a:ln>
+        </p:spPr>
+        <p:style>
+          <a:lnRef idx="1">
+            <a:schemeClr val="accent1"/>
+          </a:lnRef>
+          <a:fillRef idx="0">
+            <a:schemeClr val="accent1"/>
+          </a:fillRef>
+          <a:effectRef idx="0">
+            <a:schemeClr val="accent1"/>
+          </a:effectRef>
+          <a:fontRef idx="minor">
+            <a:schemeClr val="tx1"/>
+          </a:fontRef>
+        </p:style>
+      </p:cxnSp>
+    </p:spTree>
+    <p:extLst>
+      <p:ext uri="{BB962C8B-B14F-4D97-AF65-F5344CB8AC3E}">
+        <p14:creationId xmlns:p14="http://schemas.microsoft.com/office/powerpoint/2010/main" val="172283335"/>
+      </p:ext>
+    </p:extLst>
+  </p:cSld>
+  <p:clrMapOvr>
+    <a:masterClrMapping/>
+  </p:clrMapOvr>
+  <p:timing>
+    <p:tnLst>
+      <p:par>
+        <p:cTn id="1" dur="indefinite" restart="never" nodeType="tmRoot">
+          <p:childTnLst>
+            <p:seq concurrent="1" nextAc="seek">
+              <p:cTn id="2" dur="indefinite" nodeType="mainSeq">
+                <p:childTnLst>
+                  <p:par>
+                    <p:cTn id="3" fill="hold">
+                      <p:stCondLst>
+                        <p:cond delay="indefinite"/>
+                        <p:cond evt="onBegin" delay="0">
+                          <p:tn val="2"/>
+                        </p:cond>
+                      </p:stCondLst>
+                      <p:childTnLst>
+                        <p:par>
+                          <p:cTn id="4" fill="hold">
+                            <p:stCondLst>
+                              <p:cond delay="0"/>
+                            </p:stCondLst>
+                            <p:childTnLst>
+                              <p:par>
+                                <p:cTn id="5" presetID="10" presetClass="entr" presetSubtype="0" fill="hold" grpId="0" nodeType="withEffect">
+                                  <p:stCondLst>
+                                    <p:cond delay="1000"/>
+                                  </p:stCondLst>
+                                  <p:iterate>
+                                    <p:tmPct val="10000"/>
+                                  </p:iterate>
+                                  <p:childTnLst>
+                                    <p:set>
+                                      <p:cBhvr>
+                                        <p:cTn id="6" dur="1" fill="hold">
+                                          <p:stCondLst>
+                                            <p:cond delay="0"/>
+                                          </p:stCondLst>
+                                        </p:cTn>
+                                        <p:tgtEl>
+                                          <p:spTgt spid="3">
+                                            <p:txEl>
+                                              <p:pRg st="0" end="0"/>
+                                            </p:txEl>
+                                          </p:spTgt>
+                                        </p:tgtEl>
+                                        <p:attrNameLst>
+                                          <p:attrName>style.visibility</p:attrName>
+                                        </p:attrNameLst>
+                                      </p:cBhvr>
+                                      <p:to>
+                                        <p:strVal val="visible"/>
+                                      </p:to>
+                                    </p:set>
+                                    <p:animEffect transition="in" filter="fade">
+                                      <p:cBhvr>
+                                        <p:cTn id="7" dur="700"/>
+                                        <p:tgtEl>
+                                          <p:spTgt spid="3">
+                                            <p:txEl>
+                                              <p:pRg st="0" end="0"/>
+                                            </p:txEl>
+                                          </p:spTgt>
+                                        </p:tgtEl>
+                                      </p:cBhvr>
+                                    </p:animEffect>
+                                  </p:childTnLst>
+                                </p:cTn>
+                              </p:par>
+                              <p:par>
+                                <p:cTn id="8" presetID="10" presetClass="entr" presetSubtype="0" fill="hold" grpId="0" nodeType="withEffect">
+                                  <p:stCondLst>
+                                    <p:cond delay="500"/>
+                                  </p:stCondLst>
+                                  <p:iterate>
+                                    <p:tmPct val="10000"/>
+                                  </p:iterate>
+                                  <p:childTnLst>
+                                    <p:set>
+                                      <p:cBhvr>
+                                        <p:cTn id="9" dur="1" fill="hold">
+                                          <p:stCondLst>
+                                            <p:cond delay="0"/>
+                                          </p:stCondLst>
+                                        </p:cTn>
+                                        <p:tgtEl>
+                                          <p:spTgt spid="2"/>
+                                        </p:tgtEl>
+                                        <p:attrNameLst>
+                                          <p:attrName>style.visibility</p:attrName>
+                                        </p:attrNameLst>
+                                      </p:cBhvr>
+                                      <p:to>
+                                        <p:strVal val="visible"/>
+                                      </p:to>
+                                    </p:set>
+                                    <p:animEffect transition="in" filter="fade">
+                                      <p:cBhvr>
+                                        <p:cTn id="10" dur="700"/>
+                                        <p:tgtEl>
+                                          <p:spTgt spid="2"/>
+                                        </p:tgtEl>
+                                      </p:cBhvr>
+                                    </p:animEffect>
+                                  </p:childTnLst>
+                                </p:cTn>
+                              </p:par>
+                            </p:childTnLst>
+                          </p:cTn>
+                        </p:par>
+                      </p:childTnLst>
+                    </p:cTn>
+                  </p:par>
+                </p:childTnLst>
+              </p:cTn>
+              <p:prevCondLst>
+                <p:cond evt="onPrev" delay="0">
+                  <p:tgtEl>
+                    <p:sldTgt/>
+                  </p:tgtEl>
+                </p:cond>
+              </p:prevCondLst>
+              <p:nextCondLst>
+                <p:cond evt="onNext" delay="0">
+                  <p:tgtEl>
+                    <p:sldTgt/>
+                  </p:tgtEl>
+                </p:cond>
+              </p:nextCondLst>
+            </p:seq>
+          </p:childTnLst>
+        </p:cTn>
+      </p:par>
+    </p:tnLst>
+    <p:bldLst>
+      <p:bldP spid="2" grpId="0" uiExpand="1"/>
+      <p:bldP spid="3" grpId="0" uiExpand="1" build="p"/>
+    </p:bldLst>
+  </p:timing>
+</p:sld>
+</file>
+
+<file path=ppt/slides/slide2.xml><?xml version="1.0" encoding="utf-8"?>
+<p:sld xmlns:a="http://schemas.openxmlformats.org/drawingml/2006/main" xmlns:r="http://schemas.openxmlformats.org/officeDocument/2006/relationships" xmlns:p="http://schemas.openxmlformats.org/presentationml/2006/main">
+  <p:cSld>
+    <p:bg>
+      <p:bgPr>
+        <a:solidFill>
+          <a:schemeClr val="bg1"/>
+        </a:solidFill>
+        <a:effectLst/>
+      </p:bgPr>
+    </p:bg>
+    <p:spTree>
+      <p:nvGrpSpPr>
+        <p:cNvPr id="1" name=""/>
+        <p:cNvGrpSpPr/>
+        <p:nvPr/>
+      </p:nvGrpSpPr>
+      <p:grpSpPr>
+        <a:xfrm>
+          <a:off x="0" y="0"/>
+          <a:ext cx="0" cy="0"/>
+          <a:chOff x="0" y="0"/>
+          <a:chExt cx="0" cy="0"/>
+        </a:xfrm>
+      </p:grpSpPr>
+      <p:sp>
+        <p:nvSpPr>
+          <p:cNvPr id="34" name="Rectangle 33">
+            <a:extLst>
+              <a:ext uri="{FF2B5EF4-FFF2-40B4-BE49-F238E27FC236}">
+                <a16:creationId xmlns:a16="http://schemas.microsoft.com/office/drawing/2014/main" id="{B36F400F-DF28-43BC-8D8E-4929793B392A}"/>
+              </a:ext>
+              <a:ext uri="{C183D7F6-B498-43B3-948B-1728B52AA6E4}">
+                <adec:decorative xmlns:adec="http://schemas.microsoft.com/office/drawing/2017/decorative" val="1"/>
+              </a:ext>
+            </a:extLst>
+          </p:cNvPr>
+          <p:cNvSpPr>
+            <a:spLocks noGrp="1" noRot="1" noChangeAspect="1" noMove="1" noResize="1" noEditPoints="1" noAdjustHandles="1" noChangeArrowheads="1" noChangeShapeType="1" noTextEdit="1"/>
+          </p:cNvSpPr>
+          <p:nvPr>
+            <p:extLst>
+              <p:ext uri="{386F3935-93C4-4BCD-93E2-E3B085C9AB24}">
+                <p16:designElem xmlns:p16="http://schemas.microsoft.com/office/powerpoint/2015/main" val="1"/>
+              </p:ext>
+            </p:extLst>
+          </p:nvPr>
+        </p:nvSpPr>
+        <p:spPr bwMode="ltGray">
+          <a:xfrm>
+            <a:off x="321564" y="320040"/>
+            <a:ext cx="11548872" cy="6217920"/>
+          </a:xfrm>
+          <a:prstGeom prst="rect">
+            <a:avLst/>
+          </a:prstGeom>
           <a:solidFill>
-            <a:schemeClr val="accent6">
-              <a:alpha val="30000"/>
+            <a:schemeClr val="tx1">
+              <a:alpha val="15000"/>
             </a:schemeClr>
           </a:solidFill>
-          <a:ln w="28575">
+          <a:ln w="127000" cap="sq" cmpd="thinThick">
+            <a:solidFill>
+              <a:schemeClr val="tx1">
+                <a:alpha val="10000"/>
+              </a:schemeClr>
+            </a:solidFill>
+          </a:ln>
+        </p:spPr>
+        <p:style>
+          <a:lnRef idx="2">
+            <a:schemeClr val="accent1">
+              <a:shade val="50000"/>
+            </a:schemeClr>
+          </a:lnRef>
+          <a:fillRef idx="1">
+            <a:schemeClr val="accent1"/>
+          </a:fillRef>
+          <a:effectRef idx="0">
+            <a:schemeClr val="accent1"/>
+          </a:effectRef>
+          <a:fontRef idx="minor">
+            <a:schemeClr val="lt1"/>
+          </a:fontRef>
+        </p:style>
+        <p:txBody>
+          <a:bodyPr rtlCol="0" anchor="ctr"/>
+          <a:lstStyle/>
+          <a:p>
+            <a:pPr algn="ctr"/>
+            <a:endParaRPr lang="en-US"/>
+          </a:p>
+        </p:txBody>
+      </p:sp>
+      <p:sp>
+        <p:nvSpPr>
+          <p:cNvPr id="2" name="Titel 1">
+            <a:extLst>
+              <a:ext uri="{FF2B5EF4-FFF2-40B4-BE49-F238E27FC236}">
+                <a16:creationId xmlns:a16="http://schemas.microsoft.com/office/drawing/2014/main" id="{1908FCA5-CC67-4EE9-8469-66DE46B6E855}"/>
+              </a:ext>
+            </a:extLst>
+          </p:cNvPr>
+          <p:cNvSpPr>
+            <a:spLocks noGrp="1"/>
+          </p:cNvSpPr>
+          <p:nvPr>
+            <p:ph type="title"/>
+          </p:nvPr>
+        </p:nvSpPr>
+        <p:spPr>
+          <a:xfrm>
+            <a:off x="838200" y="668377"/>
+            <a:ext cx="10515600" cy="1325563"/>
+          </a:xfrm>
+        </p:spPr>
+        <p:txBody>
+          <a:bodyPr>
+            <a:normAutofit/>
+          </a:bodyPr>
+          <a:lstStyle/>
+          <a:p>
+            <a:r>
+              <a:rPr lang="da-DK" dirty="0">
+                <a:latin typeface="Times New Roman" panose="02020603050405020304" pitchFamily="18" charset="0"/>
+                <a:cs typeface="Times New Roman" panose="02020603050405020304" pitchFamily="18" charset="0"/>
+              </a:rPr>
+              <a:t>Interessentanalyse</a:t>
+            </a:r>
+          </a:p>
+        </p:txBody>
+      </p:sp>
+      <p:sp>
+        <p:nvSpPr>
+          <p:cNvPr id="3" name="Pladsholder til indhold 2">
+            <a:extLst>
+              <a:ext uri="{FF2B5EF4-FFF2-40B4-BE49-F238E27FC236}">
+                <a16:creationId xmlns:a16="http://schemas.microsoft.com/office/drawing/2014/main" id="{CE66176D-71F1-4DCB-90EE-BFFC9969D0B7}"/>
+              </a:ext>
+            </a:extLst>
+          </p:cNvPr>
+          <p:cNvSpPr>
+            <a:spLocks noGrp="1"/>
+          </p:cNvSpPr>
+          <p:nvPr>
+            <p:ph sz="half" idx="1"/>
+          </p:nvPr>
+        </p:nvSpPr>
+        <p:spPr>
+          <a:xfrm>
+            <a:off x="838200" y="2177456"/>
+            <a:ext cx="5097780" cy="3795748"/>
+          </a:xfrm>
+        </p:spPr>
+        <p:txBody>
+          <a:bodyPr>
+            <a:normAutofit/>
+          </a:bodyPr>
+          <a:lstStyle/>
+          <a:p>
+            <a:pPr marL="0" indent="0" algn="ctr">
+              <a:buNone/>
+            </a:pPr>
+            <a:r>
+              <a:rPr lang="da-DK" sz="1800" b="1" dirty="0">
+                <a:latin typeface="Times New Roman" panose="02020603050405020304" pitchFamily="18" charset="0"/>
+                <a:cs typeface="Times New Roman" panose="02020603050405020304" pitchFamily="18" charset="0"/>
+              </a:rPr>
+              <a:t>Hvem er interessenterne?</a:t>
+            </a:r>
+          </a:p>
+          <a:p>
+            <a:pPr>
+              <a:spcAft>
+                <a:spcPts val="800"/>
+              </a:spcAft>
+            </a:pPr>
+            <a:r>
+              <a:rPr lang="da-DK" sz="1600" dirty="0">
+                <a:effectLst/>
+                <a:latin typeface="Times New Roman" panose="02020603050405020304" pitchFamily="18" charset="0"/>
+                <a:ea typeface="Yu Mincho" panose="02020400000000000000" pitchFamily="18" charset="-128"/>
+                <a:cs typeface="Times New Roman" panose="02020603050405020304" pitchFamily="18" charset="0"/>
+              </a:rPr>
+              <a:t>Hvem har fordel af projektet? Svømmeklubben, inkl. medlemmer</a:t>
+            </a:r>
+          </a:p>
+          <a:p>
+            <a:pPr>
+              <a:spcAft>
+                <a:spcPts val="800"/>
+              </a:spcAft>
+            </a:pPr>
+            <a:r>
+              <a:rPr lang="da-DK" sz="1600" dirty="0">
+                <a:effectLst/>
+                <a:latin typeface="Times New Roman" panose="02020603050405020304" pitchFamily="18" charset="0"/>
+                <a:ea typeface="Yu Mincho" panose="02020400000000000000" pitchFamily="18" charset="-128"/>
+                <a:cs typeface="Times New Roman" panose="02020603050405020304" pitchFamily="18" charset="0"/>
+              </a:rPr>
+              <a:t>Hvem kan anvende resultatet? Formand, træner, kasser</a:t>
+            </a:r>
+          </a:p>
+          <a:p>
+            <a:pPr>
+              <a:spcAft>
+                <a:spcPts val="800"/>
+              </a:spcAft>
+            </a:pPr>
+            <a:r>
+              <a:rPr lang="da-DK" sz="1600" dirty="0">
+                <a:effectLst/>
+                <a:latin typeface="Times New Roman" panose="02020603050405020304" pitchFamily="18" charset="0"/>
+                <a:ea typeface="Yu Mincho" panose="02020400000000000000" pitchFamily="18" charset="-128"/>
+                <a:cs typeface="Times New Roman" panose="02020603050405020304" pitchFamily="18" charset="0"/>
+              </a:rPr>
+              <a:t>Hvem betaler? Svømmeklubben</a:t>
+            </a:r>
+          </a:p>
+          <a:p>
+            <a:pPr>
+              <a:spcAft>
+                <a:spcPts val="800"/>
+              </a:spcAft>
+            </a:pPr>
+            <a:r>
+              <a:rPr lang="da-DK" sz="1600" dirty="0">
+                <a:effectLst/>
+                <a:latin typeface="Times New Roman" panose="02020603050405020304" pitchFamily="18" charset="0"/>
+                <a:ea typeface="Yu Mincho" panose="02020400000000000000" pitchFamily="18" charset="-128"/>
+                <a:cs typeface="Times New Roman" panose="02020603050405020304" pitchFamily="18" charset="0"/>
+              </a:rPr>
+              <a:t>Hvem skal give accept? Bestyrelsen</a:t>
+            </a:r>
+          </a:p>
+          <a:p>
+            <a:pPr>
+              <a:spcAft>
+                <a:spcPts val="800"/>
+              </a:spcAft>
+            </a:pPr>
+            <a:r>
+              <a:rPr lang="da-DK" sz="1600" dirty="0">
+                <a:effectLst/>
+                <a:latin typeface="Times New Roman" panose="02020603050405020304" pitchFamily="18" charset="0"/>
+                <a:ea typeface="Yu Mincho" panose="02020400000000000000" pitchFamily="18" charset="-128"/>
+                <a:cs typeface="Times New Roman" panose="02020603050405020304" pitchFamily="18" charset="0"/>
+              </a:rPr>
+              <a:t>Hvem skal levere en indsats? Os + bestyrelsen/brugerne</a:t>
+            </a:r>
+            <a:endParaRPr lang="da-DK" sz="1600" dirty="0">
+              <a:latin typeface="Times New Roman" panose="02020603050405020304" pitchFamily="18" charset="0"/>
+              <a:cs typeface="Times New Roman" panose="02020603050405020304" pitchFamily="18" charset="0"/>
+            </a:endParaRPr>
+          </a:p>
+          <a:p>
+            <a:endParaRPr lang="da-DK" sz="2000" dirty="0">
+              <a:latin typeface="Times New Roman" panose="02020603050405020304" pitchFamily="18" charset="0"/>
+              <a:cs typeface="Times New Roman" panose="02020603050405020304" pitchFamily="18" charset="0"/>
+            </a:endParaRPr>
+          </a:p>
+        </p:txBody>
+      </p:sp>
+      <p:sp>
+        <p:nvSpPr>
+          <p:cNvPr id="4" name="Pladsholder til indhold 3">
+            <a:extLst>
+              <a:ext uri="{FF2B5EF4-FFF2-40B4-BE49-F238E27FC236}">
+                <a16:creationId xmlns:a16="http://schemas.microsoft.com/office/drawing/2014/main" id="{5EE1B886-C90A-4C46-A321-099EC5A84B67}"/>
+              </a:ext>
+            </a:extLst>
+          </p:cNvPr>
+          <p:cNvSpPr>
+            <a:spLocks noGrp="1"/>
+          </p:cNvSpPr>
+          <p:nvPr>
+            <p:ph sz="half" idx="2"/>
+          </p:nvPr>
+        </p:nvSpPr>
+        <p:spPr>
+          <a:xfrm>
+            <a:off x="6256020" y="2177456"/>
+            <a:ext cx="5097780" cy="3795748"/>
+          </a:xfrm>
+        </p:spPr>
+        <p:txBody>
+          <a:bodyPr>
+            <a:normAutofit/>
+          </a:bodyPr>
+          <a:lstStyle/>
+          <a:p>
+            <a:pPr marL="0" indent="0" algn="ctr">
+              <a:buNone/>
+            </a:pPr>
+            <a:r>
+              <a:rPr lang="da-DK" sz="1800" b="1" dirty="0">
+                <a:effectLst/>
+                <a:latin typeface="Times New Roman" panose="02020603050405020304" pitchFamily="18" charset="0"/>
+                <a:ea typeface="Yu Mincho" panose="02020400000000000000" pitchFamily="18" charset="-128"/>
+                <a:cs typeface="Times New Roman" panose="02020603050405020304" pitchFamily="18" charset="0"/>
+              </a:rPr>
+              <a:t>Hvilken indstilling har de?</a:t>
+            </a:r>
+            <a:endParaRPr lang="da-DK" sz="1800" dirty="0">
+              <a:effectLst/>
+              <a:latin typeface="Times New Roman" panose="02020603050405020304" pitchFamily="18" charset="0"/>
+              <a:ea typeface="Yu Mincho" panose="02020400000000000000" pitchFamily="18" charset="-128"/>
+              <a:cs typeface="Times New Roman" panose="02020603050405020304" pitchFamily="18" charset="0"/>
+            </a:endParaRPr>
+          </a:p>
+          <a:p>
+            <a:pPr>
+              <a:spcAft>
+                <a:spcPts val="800"/>
+              </a:spcAft>
+            </a:pPr>
+            <a:r>
+              <a:rPr lang="da-DK" sz="1600" dirty="0">
+                <a:effectLst/>
+                <a:latin typeface="Times New Roman" panose="02020603050405020304" pitchFamily="18" charset="0"/>
+                <a:ea typeface="Yu Mincho" panose="02020400000000000000" pitchFamily="18" charset="-128"/>
+                <a:cs typeface="Times New Roman" panose="02020603050405020304" pitchFamily="18" charset="0"/>
+              </a:rPr>
+              <a:t>Interesseområder: Beskrevet i opgaveformuleringen</a:t>
+            </a:r>
+          </a:p>
+          <a:p>
+            <a:pPr>
+              <a:spcAft>
+                <a:spcPts val="800"/>
+              </a:spcAft>
+            </a:pPr>
+            <a:r>
+              <a:rPr lang="da-DK" sz="1600" dirty="0">
+                <a:effectLst/>
+                <a:latin typeface="Times New Roman" panose="02020603050405020304" pitchFamily="18" charset="0"/>
+                <a:ea typeface="Yu Mincho" panose="02020400000000000000" pitchFamily="18" charset="-128"/>
+                <a:cs typeface="Times New Roman" panose="02020603050405020304" pitchFamily="18" charset="0"/>
+              </a:rPr>
+              <a:t>Mulige bidrag: Kommunen</a:t>
+            </a:r>
+          </a:p>
+          <a:p>
+            <a:pPr>
+              <a:spcAft>
+                <a:spcPts val="800"/>
+              </a:spcAft>
+            </a:pPr>
+            <a:r>
+              <a:rPr lang="da-DK" sz="1600" dirty="0">
+                <a:effectLst/>
+                <a:latin typeface="Times New Roman" panose="02020603050405020304" pitchFamily="18" charset="0"/>
+                <a:ea typeface="Yu Mincho" panose="02020400000000000000" pitchFamily="18" charset="-128"/>
+                <a:cs typeface="Times New Roman" panose="02020603050405020304" pitchFamily="18" charset="0"/>
+              </a:rPr>
+              <a:t>Motiver: effektivisering af deres infrastruktur, nemmere at have et større antal af medlemmer </a:t>
+            </a:r>
+          </a:p>
+          <a:p>
+            <a:pPr>
+              <a:spcAft>
+                <a:spcPts val="800"/>
+              </a:spcAft>
+            </a:pPr>
+            <a:r>
+              <a:rPr lang="da-DK" sz="1600" dirty="0">
+                <a:effectLst/>
+                <a:latin typeface="Times New Roman" panose="02020603050405020304" pitchFamily="18" charset="0"/>
+                <a:ea typeface="Yu Mincho" panose="02020400000000000000" pitchFamily="18" charset="-128"/>
+                <a:cs typeface="Times New Roman" panose="02020603050405020304" pitchFamily="18" charset="0"/>
+              </a:rPr>
+              <a:t>Magt: Bestyrelsen</a:t>
+            </a:r>
+          </a:p>
+          <a:p>
+            <a:pPr>
+              <a:spcAft>
+                <a:spcPts val="800"/>
+              </a:spcAft>
+            </a:pPr>
+            <a:r>
+              <a:rPr lang="da-DK" sz="1600" dirty="0">
+                <a:effectLst/>
+                <a:latin typeface="Times New Roman" panose="02020603050405020304" pitchFamily="18" charset="0"/>
+                <a:ea typeface="Yu Mincho" panose="02020400000000000000" pitchFamily="18" charset="-128"/>
+                <a:cs typeface="Times New Roman" panose="02020603050405020304" pitchFamily="18" charset="0"/>
+              </a:rPr>
+              <a:t>Forhold til andre interessenter: Kommunen, lokalsamfundet, kunden, medlemmerne </a:t>
+            </a:r>
+          </a:p>
+          <a:p>
+            <a:pPr>
+              <a:spcAft>
+                <a:spcPts val="800"/>
+              </a:spcAft>
+            </a:pPr>
+            <a:r>
+              <a:rPr lang="da-DK" sz="1600" dirty="0">
+                <a:effectLst/>
+                <a:latin typeface="Times New Roman" panose="02020603050405020304" pitchFamily="18" charset="0"/>
+                <a:ea typeface="Yu Mincho" panose="02020400000000000000" pitchFamily="18" charset="-128"/>
+                <a:cs typeface="Times New Roman" panose="02020603050405020304" pitchFamily="18" charset="0"/>
+              </a:rPr>
+              <a:t>Aktivitetsniveau: 1-5 gange om ugen</a:t>
+            </a:r>
+          </a:p>
+        </p:txBody>
+      </p:sp>
+    </p:spTree>
+    <p:extLst>
+      <p:ext uri="{BB962C8B-B14F-4D97-AF65-F5344CB8AC3E}">
+        <p14:creationId xmlns:p14="http://schemas.microsoft.com/office/powerpoint/2010/main" val="2201665429"/>
+      </p:ext>
+    </p:extLst>
+  </p:cSld>
+  <p:clrMapOvr>
+    <a:masterClrMapping/>
+  </p:clrMapOvr>
+</p:sld>
+</file>
+
+<file path=ppt/slides/slide3.xml><?xml version="1.0" encoding="utf-8"?>
+<p:sld xmlns:a="http://schemas.openxmlformats.org/drawingml/2006/main" xmlns:r="http://schemas.openxmlformats.org/officeDocument/2006/relationships" xmlns:p="http://schemas.openxmlformats.org/presentationml/2006/main">
+  <p:cSld>
+    <p:bg>
+      <p:bgPr>
+        <a:solidFill>
+          <a:schemeClr val="bg1"/>
+        </a:solidFill>
+        <a:effectLst/>
+      </p:bgPr>
+    </p:bg>
+    <p:spTree>
+      <p:nvGrpSpPr>
+        <p:cNvPr id="1" name=""/>
+        <p:cNvGrpSpPr/>
+        <p:nvPr/>
+      </p:nvGrpSpPr>
+      <p:grpSpPr>
+        <a:xfrm>
+          <a:off x="0" y="0"/>
+          <a:ext cx="0" cy="0"/>
+          <a:chOff x="0" y="0"/>
+          <a:chExt cx="0" cy="0"/>
+        </a:xfrm>
+      </p:grpSpPr>
+      <p:sp>
+        <p:nvSpPr>
+          <p:cNvPr id="9" name="Rectangle 8">
+            <a:extLst>
+              <a:ext uri="{FF2B5EF4-FFF2-40B4-BE49-F238E27FC236}">
+                <a16:creationId xmlns:a16="http://schemas.microsoft.com/office/drawing/2014/main" id="{B36F400F-DF28-43BC-8D8E-4929793B392A}"/>
+              </a:ext>
+              <a:ext uri="{C183D7F6-B498-43B3-948B-1728B52AA6E4}">
+                <adec:decorative xmlns:adec="http://schemas.microsoft.com/office/drawing/2017/decorative" val="1"/>
+              </a:ext>
+            </a:extLst>
+          </p:cNvPr>
+          <p:cNvSpPr>
+            <a:spLocks noGrp="1" noRot="1" noChangeAspect="1" noMove="1" noResize="1" noEditPoints="1" noAdjustHandles="1" noChangeArrowheads="1" noChangeShapeType="1" noTextEdit="1"/>
+          </p:cNvSpPr>
+          <p:nvPr>
+            <p:extLst>
+              <p:ext uri="{386F3935-93C4-4BCD-93E2-E3B085C9AB24}">
+                <p16:designElem xmlns:p16="http://schemas.microsoft.com/office/powerpoint/2015/main" val="1"/>
+              </p:ext>
+            </p:extLst>
+          </p:nvPr>
+        </p:nvSpPr>
+        <p:spPr bwMode="ltGray">
+          <a:xfrm>
+            <a:off x="321564" y="320040"/>
+            <a:ext cx="11548872" cy="6217920"/>
+          </a:xfrm>
+          <a:prstGeom prst="rect">
+            <a:avLst/>
+          </a:prstGeom>
+          <a:solidFill>
+            <a:schemeClr val="tx1">
+              <a:alpha val="15000"/>
+            </a:schemeClr>
+          </a:solidFill>
+          <a:ln w="127000" cap="sq" cmpd="thinThick">
+            <a:solidFill>
+              <a:schemeClr val="tx1">
+                <a:alpha val="10000"/>
+              </a:schemeClr>
+            </a:solidFill>
+          </a:ln>
+        </p:spPr>
+        <p:style>
+          <a:lnRef idx="2">
+            <a:schemeClr val="accent1">
+              <a:shade val="50000"/>
+            </a:schemeClr>
+          </a:lnRef>
+          <a:fillRef idx="1">
+            <a:schemeClr val="accent1"/>
+          </a:fillRef>
+          <a:effectRef idx="0">
+            <a:schemeClr val="accent1"/>
+          </a:effectRef>
+          <a:fontRef idx="minor">
+            <a:schemeClr val="lt1"/>
+          </a:fontRef>
+        </p:style>
+        <p:txBody>
+          <a:bodyPr rtlCol="0" anchor="ctr"/>
+          <a:lstStyle/>
+          <a:p>
+            <a:pPr algn="ctr"/>
+            <a:endParaRPr lang="en-US"/>
+          </a:p>
+        </p:txBody>
+      </p:sp>
+      <p:sp>
+        <p:nvSpPr>
+          <p:cNvPr id="2" name="Titel 1">
+            <a:extLst>
+              <a:ext uri="{FF2B5EF4-FFF2-40B4-BE49-F238E27FC236}">
+                <a16:creationId xmlns:a16="http://schemas.microsoft.com/office/drawing/2014/main" id="{F03FD7BD-9C37-461D-B6BF-4FCF6D80E5B0}"/>
+              </a:ext>
+            </a:extLst>
+          </p:cNvPr>
+          <p:cNvSpPr>
+            <a:spLocks noGrp="1"/>
+          </p:cNvSpPr>
+          <p:nvPr>
+            <p:ph type="title"/>
+          </p:nvPr>
+        </p:nvSpPr>
+        <p:spPr>
+          <a:xfrm>
+            <a:off x="838200" y="668377"/>
+            <a:ext cx="10515600" cy="1325563"/>
+          </a:xfrm>
+        </p:spPr>
+        <p:txBody>
+          <a:bodyPr>
+            <a:normAutofit/>
+          </a:bodyPr>
+          <a:lstStyle/>
+          <a:p>
+            <a:r>
+              <a:rPr lang="da-DK" dirty="0">
+                <a:latin typeface="Times New Roman" panose="02020603050405020304" pitchFamily="18" charset="0"/>
+                <a:cs typeface="Times New Roman" panose="02020603050405020304" pitchFamily="18" charset="0"/>
+              </a:rPr>
+              <a:t>Interessentanalyse</a:t>
+            </a:r>
+          </a:p>
+        </p:txBody>
+      </p:sp>
+      <p:sp>
+        <p:nvSpPr>
+          <p:cNvPr id="3" name="Pladsholder til indhold 2">
+            <a:extLst>
+              <a:ext uri="{FF2B5EF4-FFF2-40B4-BE49-F238E27FC236}">
+                <a16:creationId xmlns:a16="http://schemas.microsoft.com/office/drawing/2014/main" id="{29BC11A9-B662-4FE5-84B4-956371C491FE}"/>
+              </a:ext>
+            </a:extLst>
+          </p:cNvPr>
+          <p:cNvSpPr>
+            <a:spLocks noGrp="1"/>
+          </p:cNvSpPr>
+          <p:nvPr>
+            <p:ph sz="half" idx="1"/>
+          </p:nvPr>
+        </p:nvSpPr>
+        <p:spPr>
+          <a:xfrm>
+            <a:off x="838200" y="2177456"/>
+            <a:ext cx="5097780" cy="3795748"/>
+          </a:xfrm>
+        </p:spPr>
+        <p:txBody>
+          <a:bodyPr>
+            <a:normAutofit/>
+          </a:bodyPr>
+          <a:lstStyle/>
+          <a:p>
+            <a:pPr marL="0" indent="0" algn="ctr">
+              <a:buNone/>
+            </a:pPr>
+            <a:r>
+              <a:rPr lang="da-DK" sz="1800" b="1" dirty="0">
+                <a:effectLst/>
+                <a:latin typeface="Times New Roman" panose="02020603050405020304" pitchFamily="18" charset="0"/>
+                <a:ea typeface="Yu Mincho" panose="02020400000000000000" pitchFamily="18" charset="-128"/>
+                <a:cs typeface="Times New Roman" panose="02020603050405020304" pitchFamily="18" charset="0"/>
+              </a:rPr>
+              <a:t>Målkonflikter hos de forskellige grupper:</a:t>
+            </a:r>
+            <a:endParaRPr lang="da-DK" sz="1800" dirty="0">
+              <a:effectLst/>
+              <a:latin typeface="Times New Roman" panose="02020603050405020304" pitchFamily="18" charset="0"/>
+              <a:ea typeface="Yu Mincho" panose="02020400000000000000" pitchFamily="18" charset="-128"/>
+              <a:cs typeface="Times New Roman" panose="02020603050405020304" pitchFamily="18" charset="0"/>
+            </a:endParaRPr>
+          </a:p>
+          <a:p>
+            <a:pPr>
+              <a:spcAft>
+                <a:spcPts val="800"/>
+              </a:spcAft>
+            </a:pPr>
+            <a:r>
+              <a:rPr lang="da-DK" sz="1600" dirty="0">
+                <a:effectLst/>
+                <a:latin typeface="Times New Roman" panose="02020603050405020304" pitchFamily="18" charset="0"/>
+                <a:ea typeface="Yu Mincho" panose="02020400000000000000" pitchFamily="18" charset="-128"/>
+                <a:cs typeface="Times New Roman" panose="02020603050405020304" pitchFamily="18" charset="0"/>
+              </a:rPr>
+              <a:t>Konfliktområder: De tre medlemmer af bestyrelsen, som vil have hver deres funktioner. Konflikt mellem kunde og udvikler (hvis kunden kommer med noget i 11. time eller </a:t>
+            </a:r>
+            <a:r>
+              <a:rPr lang="da-DK" sz="1600" dirty="0">
+                <a:latin typeface="Times New Roman" panose="02020603050405020304" pitchFamily="18" charset="0"/>
+                <a:ea typeface="Yu Mincho" panose="02020400000000000000" pitchFamily="18" charset="-128"/>
+                <a:cs typeface="Times New Roman" panose="02020603050405020304" pitchFamily="18" charset="0"/>
+              </a:rPr>
+              <a:t>der er </a:t>
+            </a:r>
+            <a:r>
+              <a:rPr lang="da-DK" sz="1600" dirty="0">
+                <a:effectLst/>
+                <a:latin typeface="Times New Roman" panose="02020603050405020304" pitchFamily="18" charset="0"/>
+                <a:ea typeface="Yu Mincho" panose="02020400000000000000" pitchFamily="18" charset="-128"/>
+                <a:cs typeface="Times New Roman" panose="02020603050405020304" pitchFamily="18" charset="0"/>
+              </a:rPr>
+              <a:t>dårlig kommunikation)</a:t>
+            </a:r>
+          </a:p>
+          <a:p>
+            <a:pPr>
+              <a:spcAft>
+                <a:spcPts val="800"/>
+              </a:spcAft>
+            </a:pPr>
+            <a:r>
+              <a:rPr lang="da-DK" sz="1600" dirty="0">
+                <a:effectLst/>
+                <a:latin typeface="Times New Roman" panose="02020603050405020304" pitchFamily="18" charset="0"/>
+                <a:ea typeface="Yu Mincho" panose="02020400000000000000" pitchFamily="18" charset="-128"/>
+                <a:cs typeface="Times New Roman" panose="02020603050405020304" pitchFamily="18" charset="0"/>
+              </a:rPr>
+              <a:t>Muligheder for konflikthåndtering: Kommunikation og aftaler på skrift, sidste mulighed er advokat </a:t>
+            </a:r>
+          </a:p>
+          <a:p>
+            <a:pPr>
+              <a:spcAft>
+                <a:spcPts val="800"/>
+              </a:spcAft>
+            </a:pPr>
+            <a:r>
+              <a:rPr lang="da-DK" sz="1600" dirty="0">
+                <a:effectLst/>
+                <a:latin typeface="Times New Roman" panose="02020603050405020304" pitchFamily="18" charset="0"/>
+                <a:ea typeface="Yu Mincho" panose="02020400000000000000" pitchFamily="18" charset="-128"/>
+                <a:cs typeface="Times New Roman" panose="02020603050405020304" pitchFamily="18" charset="0"/>
+              </a:rPr>
+              <a:t>Konfliktforebyggelse: Kommunikation, bl.a. via UML og ved at præsentere projektet undervejs, for at sikre os at der bliver lavet det kunden ønsker </a:t>
+            </a:r>
+          </a:p>
+        </p:txBody>
+      </p:sp>
+      <p:sp>
+        <p:nvSpPr>
+          <p:cNvPr id="4" name="Pladsholder til indhold 3">
+            <a:extLst>
+              <a:ext uri="{FF2B5EF4-FFF2-40B4-BE49-F238E27FC236}">
+                <a16:creationId xmlns:a16="http://schemas.microsoft.com/office/drawing/2014/main" id="{1896C2F1-5D74-4640-83DC-6BAC43793D4F}"/>
+              </a:ext>
+            </a:extLst>
+          </p:cNvPr>
+          <p:cNvSpPr>
+            <a:spLocks noGrp="1"/>
+          </p:cNvSpPr>
+          <p:nvPr>
+            <p:ph sz="half" idx="2"/>
+          </p:nvPr>
+        </p:nvSpPr>
+        <p:spPr>
+          <a:xfrm>
+            <a:off x="6256020" y="2177456"/>
+            <a:ext cx="5097780" cy="3795748"/>
+          </a:xfrm>
+        </p:spPr>
+        <p:txBody>
+          <a:bodyPr>
+            <a:normAutofit/>
+          </a:bodyPr>
+          <a:lstStyle/>
+          <a:p>
+            <a:pPr marL="0" indent="0" algn="ctr">
+              <a:buNone/>
+            </a:pPr>
+            <a:r>
+              <a:rPr lang="da-DK" sz="1600" b="1" dirty="0">
+                <a:latin typeface="Times New Roman" panose="02020603050405020304" pitchFamily="18" charset="0"/>
+                <a:ea typeface="Yu Mincho" panose="02020400000000000000" pitchFamily="18" charset="-128"/>
+                <a:cs typeface="Times New Roman" panose="02020603050405020304" pitchFamily="18" charset="0"/>
+              </a:rPr>
+              <a:t>R</a:t>
+            </a:r>
+            <a:r>
+              <a:rPr lang="da-DK" sz="1600" b="1" dirty="0">
+                <a:effectLst/>
+                <a:latin typeface="Times New Roman" panose="02020603050405020304" pitchFamily="18" charset="0"/>
+                <a:ea typeface="Yu Mincho" panose="02020400000000000000" pitchFamily="18" charset="-128"/>
+                <a:cs typeface="Times New Roman" panose="02020603050405020304" pitchFamily="18" charset="0"/>
+              </a:rPr>
+              <a:t>essourcer</a:t>
+            </a:r>
+          </a:p>
+          <a:p>
+            <a:pPr>
+              <a:spcAft>
+                <a:spcPts val="800"/>
+              </a:spcAft>
+            </a:pPr>
+            <a:r>
+              <a:rPr lang="da-DK" sz="1600" dirty="0">
+                <a:latin typeface="Times New Roman" panose="02020603050405020304" pitchFamily="18" charset="0"/>
+                <a:ea typeface="Yu Mincho" panose="02020400000000000000" pitchFamily="18" charset="-128"/>
+                <a:cs typeface="Times New Roman" panose="02020603050405020304" pitchFamily="18" charset="0"/>
+              </a:rPr>
+              <a:t>B</a:t>
+            </a:r>
+            <a:r>
+              <a:rPr lang="da-DK" sz="1600" dirty="0">
+                <a:effectLst/>
+                <a:latin typeface="Times New Roman" panose="02020603050405020304" pitchFamily="18" charset="0"/>
+                <a:ea typeface="Yu Mincho" panose="02020400000000000000" pitchFamily="18" charset="-128"/>
+                <a:cs typeface="Times New Roman" panose="02020603050405020304" pitchFamily="18" charset="0"/>
+              </a:rPr>
+              <a:t>idrag til finansiering: tilskud fra kommunen</a:t>
+            </a:r>
+          </a:p>
+          <a:p>
+            <a:pPr>
+              <a:spcAft>
+                <a:spcPts val="800"/>
+              </a:spcAft>
+            </a:pPr>
+            <a:r>
+              <a:rPr lang="da-DK" sz="1600" dirty="0">
+                <a:latin typeface="Times New Roman" panose="02020603050405020304" pitchFamily="18" charset="0"/>
+                <a:ea typeface="Yu Mincho" panose="02020400000000000000" pitchFamily="18" charset="-128"/>
+                <a:cs typeface="Times New Roman" panose="02020603050405020304" pitchFamily="18" charset="0"/>
+              </a:rPr>
+              <a:t>A</a:t>
+            </a:r>
+            <a:r>
+              <a:rPr lang="da-DK" sz="1600" dirty="0">
+                <a:effectLst/>
+                <a:latin typeface="Times New Roman" panose="02020603050405020304" pitchFamily="18" charset="0"/>
+                <a:ea typeface="Yu Mincho" panose="02020400000000000000" pitchFamily="18" charset="-128"/>
+                <a:cs typeface="Times New Roman" panose="02020603050405020304" pitchFamily="18" charset="0"/>
+              </a:rPr>
+              <a:t>fsætning</a:t>
+            </a:r>
+          </a:p>
+          <a:p>
+            <a:pPr>
+              <a:spcAft>
+                <a:spcPts val="800"/>
+              </a:spcAft>
+            </a:pPr>
+            <a:r>
+              <a:rPr lang="da-DK" sz="1600" dirty="0">
+                <a:latin typeface="Times New Roman" panose="02020603050405020304" pitchFamily="18" charset="0"/>
+                <a:ea typeface="Yu Mincho" panose="02020400000000000000" pitchFamily="18" charset="-128"/>
+                <a:cs typeface="Times New Roman" panose="02020603050405020304" pitchFamily="18" charset="0"/>
+              </a:rPr>
+              <a:t>U</a:t>
+            </a:r>
+            <a:r>
+              <a:rPr lang="da-DK" sz="1600" dirty="0">
+                <a:effectLst/>
+                <a:latin typeface="Times New Roman" panose="02020603050405020304" pitchFamily="18" charset="0"/>
+                <a:ea typeface="Yu Mincho" panose="02020400000000000000" pitchFamily="18" charset="-128"/>
+                <a:cs typeface="Times New Roman" panose="02020603050405020304" pitchFamily="18" charset="0"/>
+              </a:rPr>
+              <a:t>dvikling: Fremtidig mulighed for at lave statistik, brugerne kan have hver deres profil, log-in fase</a:t>
+            </a:r>
+          </a:p>
+        </p:txBody>
+      </p:sp>
+    </p:spTree>
+    <p:extLst>
+      <p:ext uri="{BB962C8B-B14F-4D97-AF65-F5344CB8AC3E}">
+        <p14:creationId xmlns:p14="http://schemas.microsoft.com/office/powerpoint/2010/main" val="3621914154"/>
+      </p:ext>
+    </p:extLst>
+  </p:cSld>
+  <p:clrMapOvr>
+    <a:masterClrMapping/>
+  </p:clrMapOvr>
+</p:sld>
+</file>
+
+<file path=ppt/slides/slide4.xml><?xml version="1.0" encoding="utf-8"?>
+<p:sld xmlns:a="http://schemas.openxmlformats.org/drawingml/2006/main" xmlns:r="http://schemas.openxmlformats.org/officeDocument/2006/relationships" xmlns:p="http://schemas.openxmlformats.org/presentationml/2006/main">
+  <p:cSld>
+    <p:bg>
+      <p:bgPr>
+        <a:solidFill>
+          <a:schemeClr val="bg1"/>
+        </a:solidFill>
+        <a:effectLst/>
+      </p:bgPr>
+    </p:bg>
+    <p:spTree>
+      <p:nvGrpSpPr>
+        <p:cNvPr id="1" name=""/>
+        <p:cNvGrpSpPr/>
+        <p:nvPr/>
+      </p:nvGrpSpPr>
+      <p:grpSpPr>
+        <a:xfrm>
+          <a:off x="0" y="0"/>
+          <a:ext cx="0" cy="0"/>
+          <a:chOff x="0" y="0"/>
+          <a:chExt cx="0" cy="0"/>
+        </a:xfrm>
+      </p:grpSpPr>
+      <p:sp>
+        <p:nvSpPr>
+          <p:cNvPr id="8" name="Rectangle 7">
+            <a:extLst>
+              <a:ext uri="{FF2B5EF4-FFF2-40B4-BE49-F238E27FC236}">
+                <a16:creationId xmlns:a16="http://schemas.microsoft.com/office/drawing/2014/main" id="{6D6CDB20-394C-4D51-9C5B-8751E21338DC}"/>
+              </a:ext>
+              <a:ext uri="{C183D7F6-B498-43B3-948B-1728B52AA6E4}">
+                <adec:decorative xmlns:adec="http://schemas.microsoft.com/office/drawing/2017/decorative" val="1"/>
+              </a:ext>
+            </a:extLst>
+          </p:cNvPr>
+          <p:cNvSpPr>
+            <a:spLocks noGrp="1" noRot="1" noChangeAspect="1" noMove="1" noResize="1" noEditPoints="1" noAdjustHandles="1" noChangeArrowheads="1" noChangeShapeType="1" noTextEdit="1"/>
+          </p:cNvSpPr>
+          <p:nvPr>
+            <p:extLst>
+              <p:ext uri="{386F3935-93C4-4BCD-93E2-E3B085C9AB24}">
+                <p16:designElem xmlns:p16="http://schemas.microsoft.com/office/powerpoint/2015/main" val="1"/>
+              </p:ext>
+            </p:extLst>
+          </p:nvPr>
+        </p:nvSpPr>
+        <p:spPr>
+          <a:xfrm>
+            <a:off x="0" y="-3324"/>
+            <a:ext cx="12192000" cy="6861324"/>
+          </a:xfrm>
+          <a:prstGeom prst="rect">
+            <a:avLst/>
+          </a:prstGeom>
+          <a:solidFill>
+            <a:schemeClr val="tx1">
+              <a:alpha val="15000"/>
+            </a:schemeClr>
+          </a:solidFill>
+          <a:ln>
             <a:noFill/>
           </a:ln>
         </p:spPr>
@@ -3780,20 +4718,16 @@
           <a:lstStyle/>
           <a:p>
             <a:pPr algn="ctr"/>
-            <a:endParaRPr lang="en-US" dirty="0">
-              <a:solidFill>
-                <a:schemeClr val="accent1"/>
-              </a:solidFill>
-            </a:endParaRPr>
-          </a:p>
-        </p:txBody>
-      </p:sp>
-      <p:sp>
-        <p:nvSpPr>
-          <p:cNvPr id="14" name="Freeform: Shape 13">
-            <a:extLst>
-              <a:ext uri="{FF2B5EF4-FFF2-40B4-BE49-F238E27FC236}">
-                <a16:creationId xmlns:a16="http://schemas.microsoft.com/office/drawing/2014/main" id="{583E04E1-D74F-4ED6-972C-035F4FEC4B88}"/>
+            <a:endParaRPr lang="en-US"/>
+          </a:p>
+        </p:txBody>
+      </p:sp>
+      <p:sp>
+        <p:nvSpPr>
+          <p:cNvPr id="10" name="Rounded Rectangle 3">
+            <a:extLst>
+              <a:ext uri="{FF2B5EF4-FFF2-40B4-BE49-F238E27FC236}">
+                <a16:creationId xmlns:a16="http://schemas.microsoft.com/office/drawing/2014/main" id="{46DFD1E0-DCA7-47E6-B78B-6ECDDF873DD6}"/>
               </a:ext>
               <a:ext uri="{C183D7F6-B498-43B3-948B-1728B52AA6E4}">
                 <adec:decorative xmlns:adec="http://schemas.microsoft.com/office/drawing/2017/decorative" val="1"/>
@@ -3813,97 +4747,93 @@
         </p:nvSpPr>
         <p:spPr>
           <a:xfrm>
-            <a:off x="8759419" y="3564607"/>
-            <a:ext cx="3432581" cy="3293393"/>
+            <a:off x="646745" y="640080"/>
+            <a:ext cx="10920415" cy="5577818"/>
           </a:xfrm>
-          <a:custGeom>
-            <a:avLst/>
-            <a:gdLst>
-              <a:gd name="connsiteX0" fmla="*/ 2473947 w 3432581"/>
-              <a:gd name="connsiteY0" fmla="*/ 0 h 3293393"/>
-              <a:gd name="connsiteX1" fmla="*/ 3209623 w 3432581"/>
-              <a:gd name="connsiteY1" fmla="*/ 111224 h 3293393"/>
-              <a:gd name="connsiteX2" fmla="*/ 3432581 w 3432581"/>
-              <a:gd name="connsiteY2" fmla="*/ 192828 h 3293393"/>
-              <a:gd name="connsiteX3" fmla="*/ 3432581 w 3432581"/>
-              <a:gd name="connsiteY3" fmla="*/ 3293393 h 3293393"/>
-              <a:gd name="connsiteX4" fmla="*/ 141884 w 3432581"/>
-              <a:gd name="connsiteY4" fmla="*/ 3293393 h 3293393"/>
-              <a:gd name="connsiteX5" fmla="*/ 111224 w 3432581"/>
-              <a:gd name="connsiteY5" fmla="*/ 3209623 h 3293393"/>
-              <a:gd name="connsiteX6" fmla="*/ 0 w 3432581"/>
-              <a:gd name="connsiteY6" fmla="*/ 2473947 h 3293393"/>
-              <a:gd name="connsiteX7" fmla="*/ 2473947 w 3432581"/>
-              <a:gd name="connsiteY7" fmla="*/ 0 h 3293393"/>
-            </a:gdLst>
-            <a:ahLst/>
-            <a:cxnLst>
-              <a:cxn ang="0">
-                <a:pos x="connsiteX0" y="connsiteY0"/>
-              </a:cxn>
-              <a:cxn ang="0">
-                <a:pos x="connsiteX1" y="connsiteY1"/>
-              </a:cxn>
-              <a:cxn ang="0">
-                <a:pos x="connsiteX2" y="connsiteY2"/>
-              </a:cxn>
-              <a:cxn ang="0">
-                <a:pos x="connsiteX3" y="connsiteY3"/>
-              </a:cxn>
-              <a:cxn ang="0">
-                <a:pos x="connsiteX4" y="connsiteY4"/>
-              </a:cxn>
-              <a:cxn ang="0">
-                <a:pos x="connsiteX5" y="connsiteY5"/>
-              </a:cxn>
-              <a:cxn ang="0">
-                <a:pos x="connsiteX6" y="connsiteY6"/>
-              </a:cxn>
-              <a:cxn ang="0">
-                <a:pos x="connsiteX7" y="connsiteY7"/>
-              </a:cxn>
-            </a:cxnLst>
-            <a:rect l="l" t="t" r="r" b="b"/>
-            <a:pathLst>
-              <a:path w="3432581" h="3293393">
-                <a:moveTo>
-                  <a:pt x="2473947" y="0"/>
-                </a:moveTo>
-                <a:cubicBezTo>
-                  <a:pt x="2730133" y="0"/>
-                  <a:pt x="2977223" y="38940"/>
-                  <a:pt x="3209623" y="111224"/>
-                </a:cubicBezTo>
-                <a:lnTo>
-                  <a:pt x="3432581" y="192828"/>
-                </a:lnTo>
-                <a:lnTo>
-                  <a:pt x="3432581" y="3293393"/>
-                </a:lnTo>
-                <a:lnTo>
-                  <a:pt x="141884" y="3293393"/>
-                </a:lnTo>
-                <a:lnTo>
-                  <a:pt x="111224" y="3209623"/>
-                </a:lnTo>
-                <a:cubicBezTo>
-                  <a:pt x="38940" y="2977224"/>
-                  <a:pt x="0" y="2730133"/>
-                  <a:pt x="0" y="2473947"/>
-                </a:cubicBezTo>
-                <a:cubicBezTo>
-                  <a:pt x="0" y="1107624"/>
-                  <a:pt x="1107624" y="0"/>
-                  <a:pt x="2473947" y="0"/>
-                </a:cubicBezTo>
-                <a:close/>
-              </a:path>
-            </a:pathLst>
-          </a:custGeom>
+          <a:prstGeom prst="roundRect">
+            <a:avLst>
+              <a:gd name="adj" fmla="val 0"/>
+            </a:avLst>
+          </a:prstGeom>
           <a:solidFill>
             <a:srgbClr val="FFFFFF"/>
           </a:solidFill>
-          <a:ln w="28575">
+          <a:ln w="9525">
+            <a:solidFill>
+              <a:schemeClr val="tx1">
+                <a:lumMod val="50000"/>
+                <a:lumOff val="50000"/>
+              </a:schemeClr>
+            </a:solidFill>
+          </a:ln>
+          <a:effectLst>
+            <a:outerShdw blurRad="57150" dist="19050" dir="5400000" algn="t" rotWithShape="0">
+              <a:prstClr val="black">
+                <a:alpha val="63000"/>
+              </a:prstClr>
+            </a:outerShdw>
+          </a:effectLst>
+        </p:spPr>
+        <p:style>
+          <a:lnRef idx="2">
+            <a:schemeClr val="accent1">
+              <a:shade val="50000"/>
+            </a:schemeClr>
+          </a:lnRef>
+          <a:fillRef idx="1">
+            <a:schemeClr val="accent1"/>
+          </a:fillRef>
+          <a:effectRef idx="0">
+            <a:schemeClr val="accent1"/>
+          </a:effectRef>
+          <a:fontRef idx="minor">
+            <a:schemeClr val="lt1"/>
+          </a:fontRef>
+        </p:style>
+        <p:txBody>
+          <a:bodyPr rtlCol="0" anchor="ctr"/>
+          <a:lstStyle/>
+          <a:p>
+            <a:pPr algn="ctr"/>
+            <a:endParaRPr lang="en-US"/>
+          </a:p>
+        </p:txBody>
+      </p:sp>
+      <p:sp>
+        <p:nvSpPr>
+          <p:cNvPr id="12" name="Rectangle 11">
+            <a:extLst>
+              <a:ext uri="{FF2B5EF4-FFF2-40B4-BE49-F238E27FC236}">
+                <a16:creationId xmlns:a16="http://schemas.microsoft.com/office/drawing/2014/main" id="{8AAB0B1E-BB97-40E0-8DCD-D1197A0E1D6A}"/>
+              </a:ext>
+              <a:ext uri="{C183D7F6-B498-43B3-948B-1728B52AA6E4}">
+                <adec:decorative xmlns:adec="http://schemas.microsoft.com/office/drawing/2017/decorative" val="1"/>
+              </a:ext>
+            </a:extLst>
+          </p:cNvPr>
+          <p:cNvSpPr>
+            <a:spLocks noGrp="1" noRot="1" noChangeAspect="1" noMove="1" noResize="1" noEditPoints="1" noAdjustHandles="1" noChangeArrowheads="1" noChangeShapeType="1" noTextEdit="1"/>
+          </p:cNvSpPr>
+          <p:nvPr>
+            <p:extLst>
+              <p:ext uri="{386F3935-93C4-4BCD-93E2-E3B085C9AB24}">
+                <p16:designElem xmlns:p16="http://schemas.microsoft.com/office/powerpoint/2015/main" val="1"/>
+              </p:ext>
+            </p:extLst>
+          </p:nvPr>
+        </p:nvSpPr>
+        <p:spPr>
+          <a:xfrm>
+            <a:off x="968024" y="960109"/>
+            <a:ext cx="10277856" cy="4937760"/>
+          </a:xfrm>
+          <a:prstGeom prst="rect">
+            <a:avLst/>
+          </a:prstGeom>
+          <a:solidFill>
+            <a:schemeClr val="bg2"/>
+          </a:solidFill>
+          <a:ln>
             <a:noFill/>
           </a:ln>
         </p:spPr>
@@ -3924,25 +4854,206 @@
           </a:fontRef>
         </p:style>
         <p:txBody>
-          <a:bodyPr rot="0" spcFirstLastPara="0" vertOverflow="overflow" horzOverflow="overflow" vert="horz" wrap="square" lIns="91440" tIns="45720" rIns="91440" bIns="45720" numCol="1" spcCol="0" rtlCol="0" fromWordArt="0" anchor="ctr" anchorCtr="0" forceAA="0" compatLnSpc="1">
-            <a:prstTxWarp prst="textNoShape">
-              <a:avLst/>
-            </a:prstTxWarp>
-            <a:noAutofit/>
+          <a:bodyPr rtlCol="0" anchor="ctr"/>
+          <a:lstStyle/>
+          <a:p>
+            <a:pPr algn="ctr"/>
+            <a:endParaRPr lang="en-US"/>
+          </a:p>
+        </p:txBody>
+      </p:sp>
+      <p:sp>
+        <p:nvSpPr>
+          <p:cNvPr id="2" name="Titel 1">
+            <a:extLst>
+              <a:ext uri="{FF2B5EF4-FFF2-40B4-BE49-F238E27FC236}">
+                <a16:creationId xmlns:a16="http://schemas.microsoft.com/office/drawing/2014/main" id="{A55AFBAC-0D77-4022-A6B5-B6EE64D56EE5}"/>
+              </a:ext>
+            </a:extLst>
+          </p:cNvPr>
+          <p:cNvSpPr>
+            <a:spLocks noGrp="1"/>
+          </p:cNvSpPr>
+          <p:nvPr>
+            <p:ph type="title"/>
+          </p:nvPr>
+        </p:nvSpPr>
+        <p:spPr>
+          <a:xfrm>
+            <a:off x="1288064" y="1284731"/>
+            <a:ext cx="9637776" cy="1430696"/>
+          </a:xfrm>
+        </p:spPr>
+        <p:txBody>
+          <a:bodyPr>
+            <a:normAutofit/>
           </a:bodyPr>
           <a:lstStyle/>
           <a:p>
-            <a:pPr algn="ctr"/>
-            <a:endParaRPr lang="en-US" dirty="0"/>
-          </a:p>
-        </p:txBody>
-      </p:sp>
-      <p:sp>
-        <p:nvSpPr>
-          <p:cNvPr id="16" name="Freeform: Shape 15">
-            <a:extLst>
-              <a:ext uri="{FF2B5EF4-FFF2-40B4-BE49-F238E27FC236}">
-                <a16:creationId xmlns:a16="http://schemas.microsoft.com/office/drawing/2014/main" id="{A2B5CBEA-F125-49B6-8335-227C325B112B}"/>
+            <a:r>
+              <a:rPr lang="da-DK" dirty="0">
+                <a:latin typeface="Times New Roman" panose="02020603050405020304" pitchFamily="18" charset="0"/>
+                <a:cs typeface="Times New Roman" panose="02020603050405020304" pitchFamily="18" charset="0"/>
+              </a:rPr>
+              <a:t>Risikoanalyse</a:t>
+            </a:r>
+          </a:p>
+        </p:txBody>
+      </p:sp>
+      <p:sp>
+        <p:nvSpPr>
+          <p:cNvPr id="3" name="Pladsholder til indhold 2">
+            <a:extLst>
+              <a:ext uri="{FF2B5EF4-FFF2-40B4-BE49-F238E27FC236}">
+                <a16:creationId xmlns:a16="http://schemas.microsoft.com/office/drawing/2014/main" id="{1712F29A-1D3F-46D6-B552-35883A51C36E}"/>
+              </a:ext>
+            </a:extLst>
+          </p:cNvPr>
+          <p:cNvSpPr>
+            <a:spLocks noGrp="1"/>
+          </p:cNvSpPr>
+          <p:nvPr>
+            <p:ph idx="1"/>
+          </p:nvPr>
+        </p:nvSpPr>
+        <p:spPr>
+          <a:xfrm>
+            <a:off x="1288064" y="2853879"/>
+            <a:ext cx="9637776" cy="2714771"/>
+          </a:xfrm>
+        </p:spPr>
+        <p:txBody>
+          <a:bodyPr>
+            <a:normAutofit/>
+          </a:bodyPr>
+          <a:lstStyle/>
+          <a:p>
+            <a:r>
+              <a:rPr lang="da-DK" sz="1900" dirty="0">
+                <a:latin typeface="Times New Roman" panose="02020603050405020304" pitchFamily="18" charset="0"/>
+                <a:cs typeface="Times New Roman" panose="02020603050405020304" pitchFamily="18" charset="0"/>
+              </a:rPr>
+              <a:t>Længerevarende- og kortvarende sygdom</a:t>
+            </a:r>
+          </a:p>
+          <a:p>
+            <a:r>
+              <a:rPr lang="da-DK" sz="1900" dirty="0">
+                <a:latin typeface="Times New Roman" panose="02020603050405020304" pitchFamily="18" charset="0"/>
+                <a:cs typeface="Times New Roman" panose="02020603050405020304" pitchFamily="18" charset="0"/>
+              </a:rPr>
+              <a:t>Samarbejdsproblemer i gruppen</a:t>
+            </a:r>
+          </a:p>
+          <a:p>
+            <a:r>
+              <a:rPr lang="da-DK" sz="1900" dirty="0">
+                <a:latin typeface="Times New Roman" panose="02020603050405020304" pitchFamily="18" charset="0"/>
+                <a:cs typeface="Times New Roman" panose="02020603050405020304" pitchFamily="18" charset="0"/>
+              </a:rPr>
+              <a:t>Laver et for indviklet program, der er halvfærdigt i stedet for ét der virker</a:t>
+            </a:r>
+          </a:p>
+          <a:p>
+            <a:r>
+              <a:rPr lang="da-DK" sz="1900" dirty="0">
+                <a:latin typeface="Times New Roman" panose="02020603050405020304" pitchFamily="18" charset="0"/>
+                <a:cs typeface="Times New Roman" panose="02020603050405020304" pitchFamily="18" charset="0"/>
+              </a:rPr>
+              <a:t>Mangelfuld </a:t>
+            </a:r>
+            <a:r>
+              <a:rPr lang="da-DK" sz="1900" dirty="0" err="1">
+                <a:latin typeface="Times New Roman" panose="02020603050405020304" pitchFamily="18" charset="0"/>
+                <a:cs typeface="Times New Roman" panose="02020603050405020304" pitchFamily="18" charset="0"/>
+              </a:rPr>
+              <a:t>testing</a:t>
+            </a:r>
+            <a:endParaRPr lang="da-DK" sz="1900" dirty="0">
+              <a:latin typeface="Times New Roman" panose="02020603050405020304" pitchFamily="18" charset="0"/>
+              <a:cs typeface="Times New Roman" panose="02020603050405020304" pitchFamily="18" charset="0"/>
+            </a:endParaRPr>
+          </a:p>
+          <a:p>
+            <a:r>
+              <a:rPr lang="da-DK" sz="1900" dirty="0">
+                <a:latin typeface="Times New Roman" panose="02020603050405020304" pitchFamily="18" charset="0"/>
+                <a:cs typeface="Times New Roman" panose="02020603050405020304" pitchFamily="18" charset="0"/>
+              </a:rPr>
+              <a:t>Ændringer i kravene til projektet</a:t>
+            </a:r>
+          </a:p>
+          <a:p>
+            <a:r>
+              <a:rPr lang="da-DK" sz="1900" dirty="0">
+                <a:latin typeface="Times New Roman" panose="02020603050405020304" pitchFamily="18" charset="0"/>
+                <a:cs typeface="Times New Roman" panose="02020603050405020304" pitchFamily="18" charset="0"/>
+              </a:rPr>
+              <a:t>Fritidsjob</a:t>
+            </a:r>
+          </a:p>
+          <a:p>
+            <a:r>
+              <a:rPr lang="da-DK" sz="1900" dirty="0" err="1">
+                <a:latin typeface="Times New Roman" panose="02020603050405020304" pitchFamily="18" charset="0"/>
+                <a:cs typeface="Times New Roman" panose="02020603050405020304" pitchFamily="18" charset="0"/>
+              </a:rPr>
+              <a:t>Github</a:t>
+            </a:r>
+            <a:r>
+              <a:rPr lang="da-DK" sz="1900" dirty="0">
+                <a:latin typeface="Times New Roman" panose="02020603050405020304" pitchFamily="18" charset="0"/>
+                <a:cs typeface="Times New Roman" panose="02020603050405020304" pitchFamily="18" charset="0"/>
+              </a:rPr>
+              <a:t> problemer</a:t>
+            </a:r>
+          </a:p>
+        </p:txBody>
+      </p:sp>
+    </p:spTree>
+    <p:extLst>
+      <p:ext uri="{BB962C8B-B14F-4D97-AF65-F5344CB8AC3E}">
+        <p14:creationId xmlns:p14="http://schemas.microsoft.com/office/powerpoint/2010/main" val="1891951225"/>
+      </p:ext>
+    </p:extLst>
+  </p:cSld>
+  <p:clrMapOvr>
+    <a:masterClrMapping/>
+  </p:clrMapOvr>
+</p:sld>
+</file>
+
+<file path=ppt/slides/slide5.xml><?xml version="1.0" encoding="utf-8"?>
+<p:sld xmlns:a="http://schemas.openxmlformats.org/drawingml/2006/main" xmlns:r="http://schemas.openxmlformats.org/officeDocument/2006/relationships" xmlns:p="http://schemas.openxmlformats.org/presentationml/2006/main">
+  <p:cSld>
+    <p:bg>
+      <p:bgPr>
+        <a:solidFill>
+          <a:schemeClr val="bg1"/>
+        </a:solidFill>
+        <a:effectLst/>
+      </p:bgPr>
+    </p:bg>
+    <p:spTree>
+      <p:nvGrpSpPr>
+        <p:cNvPr id="1" name=""/>
+        <p:cNvGrpSpPr/>
+        <p:nvPr/>
+      </p:nvGrpSpPr>
+      <p:grpSpPr>
+        <a:xfrm>
+          <a:off x="0" y="0"/>
+          <a:ext cx="0" cy="0"/>
+          <a:chOff x="0" y="0"/>
+          <a:chExt cx="0" cy="0"/>
+        </a:xfrm>
+      </p:grpSpPr>
+      <p:sp>
+        <p:nvSpPr>
+          <p:cNvPr id="71" name="Rectangle 70">
+            <a:extLst>
+              <a:ext uri="{FF2B5EF4-FFF2-40B4-BE49-F238E27FC236}">
+                <a16:creationId xmlns:a16="http://schemas.microsoft.com/office/drawing/2014/main" id="{01D0AF59-99C3-4251-AB9A-C966C6AD4400}"/>
               </a:ext>
               <a:ext uri="{C183D7F6-B498-43B3-948B-1728B52AA6E4}">
                 <adec:decorative xmlns:adec="http://schemas.microsoft.com/office/drawing/2017/decorative" val="1"/>
@@ -3962,99 +5073,16 @@
         </p:nvSpPr>
         <p:spPr>
           <a:xfrm>
-            <a:off x="8759419" y="3564607"/>
-            <a:ext cx="3432581" cy="3293393"/>
+            <a:off x="0" y="0"/>
+            <a:ext cx="12192000" cy="6858000"/>
           </a:xfrm>
-          <a:custGeom>
+          <a:prstGeom prst="rect">
             <a:avLst/>
-            <a:gdLst>
-              <a:gd name="connsiteX0" fmla="*/ 2473947 w 3432581"/>
-              <a:gd name="connsiteY0" fmla="*/ 0 h 3293393"/>
-              <a:gd name="connsiteX1" fmla="*/ 3209623 w 3432581"/>
-              <a:gd name="connsiteY1" fmla="*/ 111224 h 3293393"/>
-              <a:gd name="connsiteX2" fmla="*/ 3432581 w 3432581"/>
-              <a:gd name="connsiteY2" fmla="*/ 192828 h 3293393"/>
-              <a:gd name="connsiteX3" fmla="*/ 3432581 w 3432581"/>
-              <a:gd name="connsiteY3" fmla="*/ 3293393 h 3293393"/>
-              <a:gd name="connsiteX4" fmla="*/ 141884 w 3432581"/>
-              <a:gd name="connsiteY4" fmla="*/ 3293393 h 3293393"/>
-              <a:gd name="connsiteX5" fmla="*/ 111224 w 3432581"/>
-              <a:gd name="connsiteY5" fmla="*/ 3209623 h 3293393"/>
-              <a:gd name="connsiteX6" fmla="*/ 0 w 3432581"/>
-              <a:gd name="connsiteY6" fmla="*/ 2473947 h 3293393"/>
-              <a:gd name="connsiteX7" fmla="*/ 2473947 w 3432581"/>
-              <a:gd name="connsiteY7" fmla="*/ 0 h 3293393"/>
-            </a:gdLst>
-            <a:ahLst/>
-            <a:cxnLst>
-              <a:cxn ang="0">
-                <a:pos x="connsiteX0" y="connsiteY0"/>
-              </a:cxn>
-              <a:cxn ang="0">
-                <a:pos x="connsiteX1" y="connsiteY1"/>
-              </a:cxn>
-              <a:cxn ang="0">
-                <a:pos x="connsiteX2" y="connsiteY2"/>
-              </a:cxn>
-              <a:cxn ang="0">
-                <a:pos x="connsiteX3" y="connsiteY3"/>
-              </a:cxn>
-              <a:cxn ang="0">
-                <a:pos x="connsiteX4" y="connsiteY4"/>
-              </a:cxn>
-              <a:cxn ang="0">
-                <a:pos x="connsiteX5" y="connsiteY5"/>
-              </a:cxn>
-              <a:cxn ang="0">
-                <a:pos x="connsiteX6" y="connsiteY6"/>
-              </a:cxn>
-              <a:cxn ang="0">
-                <a:pos x="connsiteX7" y="connsiteY7"/>
-              </a:cxn>
-            </a:cxnLst>
-            <a:rect l="l" t="t" r="r" b="b"/>
-            <a:pathLst>
-              <a:path w="3432581" h="3293393">
-                <a:moveTo>
-                  <a:pt x="2473947" y="0"/>
-                </a:moveTo>
-                <a:cubicBezTo>
-                  <a:pt x="2730133" y="0"/>
-                  <a:pt x="2977223" y="38940"/>
-                  <a:pt x="3209623" y="111224"/>
-                </a:cubicBezTo>
-                <a:lnTo>
-                  <a:pt x="3432581" y="192828"/>
-                </a:lnTo>
-                <a:lnTo>
-                  <a:pt x="3432581" y="3293393"/>
-                </a:lnTo>
-                <a:lnTo>
-                  <a:pt x="141884" y="3293393"/>
-                </a:lnTo>
-                <a:lnTo>
-                  <a:pt x="111224" y="3209623"/>
-                </a:lnTo>
-                <a:cubicBezTo>
-                  <a:pt x="38940" y="2977224"/>
-                  <a:pt x="0" y="2730133"/>
-                  <a:pt x="0" y="2473947"/>
-                </a:cubicBezTo>
-                <a:cubicBezTo>
-                  <a:pt x="0" y="1107624"/>
-                  <a:pt x="1107624" y="0"/>
-                  <a:pt x="2473947" y="0"/>
-                </a:cubicBezTo>
-                <a:close/>
-              </a:path>
-            </a:pathLst>
-          </a:custGeom>
+          </a:prstGeom>
           <a:solidFill>
-            <a:schemeClr val="accent2">
-              <a:alpha val="30000"/>
-            </a:schemeClr>
+            <a:schemeClr val="bg2"/>
           </a:solidFill>
-          <a:ln w="28575">
+          <a:ln>
             <a:noFill/>
           </a:ln>
         </p:spPr>
@@ -4075,25 +5103,20 @@
           </a:fontRef>
         </p:style>
         <p:txBody>
-          <a:bodyPr rot="0" spcFirstLastPara="0" vertOverflow="overflow" horzOverflow="overflow" vert="horz" wrap="square" lIns="91440" tIns="45720" rIns="91440" bIns="45720" numCol="1" spcCol="0" rtlCol="0" fromWordArt="0" anchor="ctr" anchorCtr="0" forceAA="0" compatLnSpc="1">
-            <a:prstTxWarp prst="textNoShape">
-              <a:avLst/>
-            </a:prstTxWarp>
-            <a:noAutofit/>
-          </a:bodyPr>
+          <a:bodyPr rtlCol="0" anchor="ctr"/>
           <a:lstStyle/>
           <a:p>
             <a:pPr algn="ctr"/>
-            <a:endParaRPr lang="en-US" dirty="0"/>
-          </a:p>
-        </p:txBody>
-      </p:sp>
-      <p:sp>
-        <p:nvSpPr>
-          <p:cNvPr id="18" name="Rectangle 17">
-            <a:extLst>
-              <a:ext uri="{FF2B5EF4-FFF2-40B4-BE49-F238E27FC236}">
-                <a16:creationId xmlns:a16="http://schemas.microsoft.com/office/drawing/2014/main" id="{E51A97D9-C694-4307-818B-0C5BBF413609}"/>
+            <a:endParaRPr lang="en-US"/>
+          </a:p>
+        </p:txBody>
+      </p:sp>
+      <p:sp>
+        <p:nvSpPr>
+          <p:cNvPr id="73" name="Rectangle 72">
+            <a:extLst>
+              <a:ext uri="{FF2B5EF4-FFF2-40B4-BE49-F238E27FC236}">
+                <a16:creationId xmlns:a16="http://schemas.microsoft.com/office/drawing/2014/main" id="{1855405F-37A2-4869-9154-F8BE3BECE6C3}"/>
               </a:ext>
               <a:ext uri="{C183D7F6-B498-43B3-948B-1728B52AA6E4}">
                 <adec:decorative xmlns:adec="http://schemas.microsoft.com/office/drawing/2017/decorative" val="1"/>
@@ -4113,8 +5136,8 @@
         </p:nvSpPr>
         <p:spPr>
           <a:xfrm>
-            <a:off x="2721053" y="819446"/>
-            <a:ext cx="6964685" cy="5402463"/>
+            <a:off x="477012" y="480060"/>
+            <a:ext cx="11237976" cy="5897880"/>
           </a:xfrm>
           <a:prstGeom prst="rect">
             <a:avLst/>
@@ -4122,11 +5145,16 @@
           <a:solidFill>
             <a:srgbClr val="FFFFFF"/>
           </a:solidFill>
-          <a:ln w="28575">
-            <a:solidFill>
-              <a:srgbClr val="FFFFFF"/>
-            </a:solidFill>
+          <a:ln w="9525">
+            <a:noFill/>
           </a:ln>
+          <a:effectLst>
+            <a:outerShdw blurRad="63500" dist="17780" dir="5400000" algn="t" rotWithShape="0">
+              <a:prstClr val="black">
+                <a:alpha val="43000"/>
+              </a:prstClr>
+            </a:outerShdw>
+          </a:effectLst>
         </p:spPr>
         <p:style>
           <a:lnRef idx="2">
@@ -4149,2427 +5177,10 @@
           <a:lstStyle/>
           <a:p>
             <a:pPr algn="ctr"/>
-            <a:endParaRPr lang="en-US" dirty="0"/>
-          </a:p>
-        </p:txBody>
-      </p:sp>
-      <p:sp>
-        <p:nvSpPr>
-          <p:cNvPr id="20" name="Rectangle 19">
-            <a:extLst>
-              <a:ext uri="{FF2B5EF4-FFF2-40B4-BE49-F238E27FC236}">
-                <a16:creationId xmlns:a16="http://schemas.microsoft.com/office/drawing/2014/main" id="{2C1D3151-5F97-4860-B56C-C98BD62CC255}"/>
-              </a:ext>
-              <a:ext uri="{C183D7F6-B498-43B3-948B-1728B52AA6E4}">
-                <adec:decorative xmlns:adec="http://schemas.microsoft.com/office/drawing/2017/decorative" val="1"/>
-              </a:ext>
-            </a:extLst>
-          </p:cNvPr>
-          <p:cNvSpPr>
-            <a:spLocks noGrp="1" noRot="1" noChangeAspect="1" noMove="1" noResize="1" noEditPoints="1" noAdjustHandles="1" noChangeArrowheads="1" noChangeShapeType="1" noTextEdit="1"/>
-          </p:cNvSpPr>
-          <p:nvPr>
-            <p:extLst>
-              <p:ext uri="{386F3935-93C4-4BCD-93E2-E3B085C9AB24}">
-                <p16:designElem xmlns:p16="http://schemas.microsoft.com/office/powerpoint/2015/main" val="1"/>
-              </p:ext>
-            </p:extLst>
-          </p:nvPr>
-        </p:nvSpPr>
-        <p:spPr>
-          <a:xfrm>
-            <a:off x="2721053" y="819446"/>
-            <a:ext cx="6964685" cy="5402463"/>
-          </a:xfrm>
-          <a:prstGeom prst="rect">
-            <a:avLst/>
-          </a:prstGeom>
-          <a:solidFill>
-            <a:schemeClr val="accent6">
-              <a:alpha val="30000"/>
-            </a:schemeClr>
-          </a:solidFill>
-          <a:ln w="28575">
-            <a:solidFill>
-              <a:schemeClr val="bg1"/>
-            </a:solidFill>
-          </a:ln>
-        </p:spPr>
-        <p:style>
-          <a:lnRef idx="2">
-            <a:schemeClr val="accent1">
-              <a:shade val="50000"/>
-            </a:schemeClr>
-          </a:lnRef>
-          <a:fillRef idx="1">
-            <a:schemeClr val="accent1"/>
-          </a:fillRef>
-          <a:effectRef idx="0">
-            <a:schemeClr val="accent1"/>
-          </a:effectRef>
-          <a:fontRef idx="minor">
-            <a:schemeClr val="lt1"/>
-          </a:fontRef>
-        </p:style>
-        <p:txBody>
-          <a:bodyPr rtlCol="0" anchor="ctr"/>
-          <a:lstStyle/>
-          <a:p>
-            <a:pPr algn="ctr"/>
-            <a:endParaRPr lang="en-US" dirty="0"/>
-          </a:p>
-        </p:txBody>
-      </p:sp>
-      <p:sp>
-        <p:nvSpPr>
-          <p:cNvPr id="22" name="Rectangle 21">
-            <a:extLst>
-              <a:ext uri="{FF2B5EF4-FFF2-40B4-BE49-F238E27FC236}">
-                <a16:creationId xmlns:a16="http://schemas.microsoft.com/office/drawing/2014/main" id="{8DE96824-E506-4448-8704-5EC7BF7BC51B}"/>
-              </a:ext>
-              <a:ext uri="{C183D7F6-B498-43B3-948B-1728B52AA6E4}">
-                <adec:decorative xmlns:adec="http://schemas.microsoft.com/office/drawing/2017/decorative" val="1"/>
-              </a:ext>
-            </a:extLst>
-          </p:cNvPr>
-          <p:cNvSpPr>
-            <a:spLocks noGrp="1" noRot="1" noChangeAspect="1" noMove="1" noResize="1" noEditPoints="1" noAdjustHandles="1" noChangeArrowheads="1" noChangeShapeType="1" noTextEdit="1"/>
-          </p:cNvSpPr>
-          <p:nvPr>
-            <p:extLst>
-              <p:ext uri="{386F3935-93C4-4BCD-93E2-E3B085C9AB24}">
-                <p16:designElem xmlns:p16="http://schemas.microsoft.com/office/powerpoint/2015/main" val="1"/>
-              </p:ext>
-            </p:extLst>
-          </p:nvPr>
-        </p:nvSpPr>
-        <p:spPr>
-          <a:xfrm>
-            <a:off x="2613658" y="727769"/>
-            <a:ext cx="6964685" cy="5402463"/>
-          </a:xfrm>
-          <a:prstGeom prst="rect">
-            <a:avLst/>
-          </a:prstGeom>
-          <a:solidFill>
-            <a:schemeClr val="tx1"/>
-          </a:solidFill>
-          <a:ln w="28575">
-            <a:solidFill>
-              <a:schemeClr val="bg1"/>
-            </a:solidFill>
-          </a:ln>
-        </p:spPr>
-        <p:style>
-          <a:lnRef idx="2">
-            <a:schemeClr val="accent1">
-              <a:shade val="50000"/>
-            </a:schemeClr>
-          </a:lnRef>
-          <a:fillRef idx="1">
-            <a:schemeClr val="accent1"/>
-          </a:fillRef>
-          <a:effectRef idx="0">
-            <a:schemeClr val="accent1"/>
-          </a:effectRef>
-          <a:fontRef idx="minor">
-            <a:schemeClr val="lt1"/>
-          </a:fontRef>
-        </p:style>
-        <p:txBody>
-          <a:bodyPr rtlCol="0" anchor="ctr"/>
-          <a:lstStyle/>
-          <a:p>
-            <a:pPr algn="ctr"/>
-            <a:endParaRPr lang="en-US" dirty="0"/>
-          </a:p>
-        </p:txBody>
-      </p:sp>
-      <p:sp>
-        <p:nvSpPr>
-          <p:cNvPr id="2" name="Titel 1">
-            <a:extLst>
-              <a:ext uri="{FF2B5EF4-FFF2-40B4-BE49-F238E27FC236}">
-                <a16:creationId xmlns:a16="http://schemas.microsoft.com/office/drawing/2014/main" id="{B69C3475-05B5-47F6-B00B-7ECD6A3BA152}"/>
-              </a:ext>
-            </a:extLst>
-          </p:cNvPr>
-          <p:cNvSpPr>
-            <a:spLocks noGrp="1"/>
-          </p:cNvSpPr>
-          <p:nvPr>
-            <p:ph type="ctrTitle"/>
-          </p:nvPr>
-        </p:nvSpPr>
-        <p:spPr>
-          <a:xfrm>
-            <a:off x="2886765" y="1495956"/>
-            <a:ext cx="6418471" cy="2692050"/>
-          </a:xfrm>
-        </p:spPr>
-        <p:txBody>
-          <a:bodyPr>
-            <a:normAutofit/>
-          </a:bodyPr>
-          <a:lstStyle/>
-          <a:p>
-            <a:r>
-              <a:rPr lang="da-DK" sz="5400">
-                <a:solidFill>
-                  <a:schemeClr val="bg1"/>
-                </a:solidFill>
-              </a:rPr>
-              <a:t>Delfinen</a:t>
-            </a:r>
-          </a:p>
-        </p:txBody>
-      </p:sp>
-      <p:sp>
-        <p:nvSpPr>
-          <p:cNvPr id="3" name="Undertitel 2">
-            <a:extLst>
-              <a:ext uri="{FF2B5EF4-FFF2-40B4-BE49-F238E27FC236}">
-                <a16:creationId xmlns:a16="http://schemas.microsoft.com/office/drawing/2014/main" id="{BAFF9876-34A8-4DED-877D-B05C2ED53353}"/>
-              </a:ext>
-            </a:extLst>
-          </p:cNvPr>
-          <p:cNvSpPr>
-            <a:spLocks noGrp="1"/>
-          </p:cNvSpPr>
-          <p:nvPr>
-            <p:ph type="subTitle" idx="1"/>
-          </p:nvPr>
-        </p:nvSpPr>
-        <p:spPr>
-          <a:xfrm>
-            <a:off x="2886765" y="4414123"/>
-            <a:ext cx="6418471" cy="1017915"/>
-          </a:xfrm>
-        </p:spPr>
-        <p:txBody>
-          <a:bodyPr>
-            <a:normAutofit/>
-          </a:bodyPr>
-          <a:lstStyle/>
-          <a:p>
-            <a:r>
-              <a:rPr lang="da-DK" sz="2000">
-                <a:solidFill>
-                  <a:schemeClr val="bg1"/>
-                </a:solidFill>
-              </a:rPr>
-              <a:t>Gruppe 3</a:t>
-            </a:r>
-          </a:p>
-          <a:p>
-            <a:r>
-              <a:rPr lang="da-DK" sz="2000">
-                <a:solidFill>
-                  <a:schemeClr val="bg1"/>
-                </a:solidFill>
-              </a:rPr>
-              <a:t>Jakob, Alexander Kaare, Martin og Silke</a:t>
-            </a:r>
-          </a:p>
-        </p:txBody>
-      </p:sp>
-      <p:sp>
-        <p:nvSpPr>
-          <p:cNvPr id="24" name="Freeform: Shape 23">
-            <a:extLst>
-              <a:ext uri="{FF2B5EF4-FFF2-40B4-BE49-F238E27FC236}">
-                <a16:creationId xmlns:a16="http://schemas.microsoft.com/office/drawing/2014/main" id="{E16C8D8F-10E9-4498-ABDB-0F923F8B6837}"/>
-              </a:ext>
-              <a:ext uri="{C183D7F6-B498-43B3-948B-1728B52AA6E4}">
-                <adec:decorative xmlns:adec="http://schemas.microsoft.com/office/drawing/2017/decorative" val="1"/>
-              </a:ext>
-            </a:extLst>
-          </p:cNvPr>
-          <p:cNvSpPr>
-            <a:spLocks noGrp="1" noRot="1" noChangeAspect="1" noMove="1" noResize="1" noEditPoints="1" noAdjustHandles="1" noChangeArrowheads="1" noChangeShapeType="1" noTextEdit="1"/>
-          </p:cNvSpPr>
-          <p:nvPr>
-            <p:extLst>
-              <p:ext uri="{386F3935-93C4-4BCD-93E2-E3B085C9AB24}">
-                <p16:designElem xmlns:p16="http://schemas.microsoft.com/office/powerpoint/2015/main" val="1"/>
-              </p:ext>
-            </p:extLst>
-          </p:nvPr>
-        </p:nvSpPr>
-        <p:spPr>
-          <a:xfrm>
-            <a:off x="0" y="727769"/>
-            <a:ext cx="1861854" cy="277779"/>
-          </a:xfrm>
-          <a:custGeom>
-            <a:avLst/>
-            <a:gdLst>
-              <a:gd name="connsiteX0" fmla="*/ 180458 w 1861854"/>
-              <a:gd name="connsiteY0" fmla="*/ 0 h 277779"/>
-              <a:gd name="connsiteX1" fmla="*/ 419222 w 1861854"/>
-              <a:gd name="connsiteY1" fmla="*/ 238761 h 277779"/>
-              <a:gd name="connsiteX2" fmla="*/ 657984 w 1861854"/>
-              <a:gd name="connsiteY2" fmla="*/ 0 h 277779"/>
-              <a:gd name="connsiteX3" fmla="*/ 896745 w 1861854"/>
-              <a:gd name="connsiteY3" fmla="*/ 238761 h 277779"/>
-              <a:gd name="connsiteX4" fmla="*/ 1135754 w 1861854"/>
-              <a:gd name="connsiteY4" fmla="*/ 0 h 277779"/>
-              <a:gd name="connsiteX5" fmla="*/ 1374516 w 1861854"/>
-              <a:gd name="connsiteY5" fmla="*/ 238761 h 277779"/>
-              <a:gd name="connsiteX6" fmla="*/ 1613277 w 1861854"/>
-              <a:gd name="connsiteY6" fmla="*/ 0 h 277779"/>
-              <a:gd name="connsiteX7" fmla="*/ 1861854 w 1861854"/>
-              <a:gd name="connsiteY7" fmla="*/ 248577 h 277779"/>
-              <a:gd name="connsiteX8" fmla="*/ 1842470 w 1861854"/>
-              <a:gd name="connsiteY8" fmla="*/ 267963 h 277779"/>
-              <a:gd name="connsiteX9" fmla="*/ 1613277 w 1861854"/>
-              <a:gd name="connsiteY9" fmla="*/ 39017 h 277779"/>
-              <a:gd name="connsiteX10" fmla="*/ 1374516 w 1861854"/>
-              <a:gd name="connsiteY10" fmla="*/ 277779 h 277779"/>
-              <a:gd name="connsiteX11" fmla="*/ 1135754 w 1861854"/>
-              <a:gd name="connsiteY11" fmla="*/ 39017 h 277779"/>
-              <a:gd name="connsiteX12" fmla="*/ 896745 w 1861854"/>
-              <a:gd name="connsiteY12" fmla="*/ 277779 h 277779"/>
-              <a:gd name="connsiteX13" fmla="*/ 657984 w 1861854"/>
-              <a:gd name="connsiteY13" fmla="*/ 39017 h 277779"/>
-              <a:gd name="connsiteX14" fmla="*/ 419222 w 1861854"/>
-              <a:gd name="connsiteY14" fmla="*/ 277779 h 277779"/>
-              <a:gd name="connsiteX15" fmla="*/ 180458 w 1861854"/>
-              <a:gd name="connsiteY15" fmla="*/ 39017 h 277779"/>
-              <a:gd name="connsiteX16" fmla="*/ 0 w 1861854"/>
-              <a:gd name="connsiteY16" fmla="*/ 219283 h 277779"/>
-              <a:gd name="connsiteX17" fmla="*/ 0 w 1861854"/>
-              <a:gd name="connsiteY17" fmla="*/ 180458 h 277779"/>
-            </a:gdLst>
-            <a:ahLst/>
-            <a:cxnLst>
-              <a:cxn ang="0">
-                <a:pos x="connsiteX0" y="connsiteY0"/>
-              </a:cxn>
-              <a:cxn ang="0">
-                <a:pos x="connsiteX1" y="connsiteY1"/>
-              </a:cxn>
-              <a:cxn ang="0">
-                <a:pos x="connsiteX2" y="connsiteY2"/>
-              </a:cxn>
-              <a:cxn ang="0">
-                <a:pos x="connsiteX3" y="connsiteY3"/>
-              </a:cxn>
-              <a:cxn ang="0">
-                <a:pos x="connsiteX4" y="connsiteY4"/>
-              </a:cxn>
-              <a:cxn ang="0">
-                <a:pos x="connsiteX5" y="connsiteY5"/>
-              </a:cxn>
-              <a:cxn ang="0">
-                <a:pos x="connsiteX6" y="connsiteY6"/>
-              </a:cxn>
-              <a:cxn ang="0">
-                <a:pos x="connsiteX7" y="connsiteY7"/>
-              </a:cxn>
-              <a:cxn ang="0">
-                <a:pos x="connsiteX8" y="connsiteY8"/>
-              </a:cxn>
-              <a:cxn ang="0">
-                <a:pos x="connsiteX9" y="connsiteY9"/>
-              </a:cxn>
-              <a:cxn ang="0">
-                <a:pos x="connsiteX10" y="connsiteY10"/>
-              </a:cxn>
-              <a:cxn ang="0">
-                <a:pos x="connsiteX11" y="connsiteY11"/>
-              </a:cxn>
-              <a:cxn ang="0">
-                <a:pos x="connsiteX12" y="connsiteY12"/>
-              </a:cxn>
-              <a:cxn ang="0">
-                <a:pos x="connsiteX13" y="connsiteY13"/>
-              </a:cxn>
-              <a:cxn ang="0">
-                <a:pos x="connsiteX14" y="connsiteY14"/>
-              </a:cxn>
-              <a:cxn ang="0">
-                <a:pos x="connsiteX15" y="connsiteY15"/>
-              </a:cxn>
-              <a:cxn ang="0">
-                <a:pos x="connsiteX16" y="connsiteY16"/>
-              </a:cxn>
-              <a:cxn ang="0">
-                <a:pos x="connsiteX17" y="connsiteY17"/>
-              </a:cxn>
-            </a:cxnLst>
-            <a:rect l="l" t="t" r="r" b="b"/>
-            <a:pathLst>
-              <a:path w="1861854" h="277779">
-                <a:moveTo>
-                  <a:pt x="180458" y="0"/>
-                </a:moveTo>
-                <a:lnTo>
-                  <a:pt x="419222" y="238761"/>
-                </a:lnTo>
-                <a:lnTo>
-                  <a:pt x="657984" y="0"/>
-                </a:lnTo>
-                <a:lnTo>
-                  <a:pt x="896745" y="238761"/>
-                </a:lnTo>
-                <a:lnTo>
-                  <a:pt x="1135754" y="0"/>
-                </a:lnTo>
-                <a:lnTo>
-                  <a:pt x="1374516" y="238761"/>
-                </a:lnTo>
-                <a:lnTo>
-                  <a:pt x="1613277" y="0"/>
-                </a:lnTo>
-                <a:lnTo>
-                  <a:pt x="1861854" y="248577"/>
-                </a:lnTo>
-                <a:lnTo>
-                  <a:pt x="1842470" y="267963"/>
-                </a:lnTo>
-                <a:lnTo>
-                  <a:pt x="1613277" y="39017"/>
-                </a:lnTo>
-                <a:lnTo>
-                  <a:pt x="1374516" y="277779"/>
-                </a:lnTo>
-                <a:lnTo>
-                  <a:pt x="1135754" y="39017"/>
-                </a:lnTo>
-                <a:lnTo>
-                  <a:pt x="896745" y="277779"/>
-                </a:lnTo>
-                <a:lnTo>
-                  <a:pt x="657984" y="39017"/>
-                </a:lnTo>
-                <a:lnTo>
-                  <a:pt x="419222" y="277779"/>
-                </a:lnTo>
-                <a:lnTo>
-                  <a:pt x="180458" y="39017"/>
-                </a:lnTo>
-                <a:lnTo>
-                  <a:pt x="0" y="219283"/>
-                </a:lnTo>
-                <a:lnTo>
-                  <a:pt x="0" y="180458"/>
-                </a:lnTo>
-                <a:close/>
-              </a:path>
-            </a:pathLst>
-          </a:custGeom>
-          <a:solidFill>
-            <a:schemeClr val="bg1"/>
-          </a:solidFill>
-          <a:ln w="9525" cap="flat">
-            <a:noFill/>
-            <a:prstDash val="solid"/>
-            <a:miter/>
-          </a:ln>
-        </p:spPr>
-        <p:txBody>
-          <a:bodyPr wrap="square" rtlCol="0" anchor="ctr">
-            <a:noAutofit/>
-          </a:bodyPr>
-          <a:lstStyle/>
-          <a:p>
-            <a:endParaRPr lang="en-US" dirty="0"/>
-          </a:p>
-        </p:txBody>
-      </p:sp>
-      <p:sp>
-        <p:nvSpPr>
-          <p:cNvPr id="26" name="Graphic 212">
-            <a:extLst>
-              <a:ext uri="{FF2B5EF4-FFF2-40B4-BE49-F238E27FC236}">
-                <a16:creationId xmlns:a16="http://schemas.microsoft.com/office/drawing/2014/main" id="{4FB204DF-284E-45F6-A017-79A4DF57BCCB}"/>
-              </a:ext>
-              <a:ext uri="{C183D7F6-B498-43B3-948B-1728B52AA6E4}">
-                <adec:decorative xmlns:adec="http://schemas.microsoft.com/office/drawing/2017/decorative" val="1"/>
-              </a:ext>
-            </a:extLst>
-          </p:cNvPr>
-          <p:cNvSpPr>
-            <a:spLocks noGrp="1" noRot="1" noChangeAspect="1" noMove="1" noResize="1" noEditPoints="1" noAdjustHandles="1" noChangeArrowheads="1" noChangeShapeType="1" noTextEdit="1"/>
-          </p:cNvSpPr>
-          <p:nvPr>
-            <p:extLst>
-              <p:ext uri="{386F3935-93C4-4BCD-93E2-E3B085C9AB24}">
-                <p16:designElem xmlns:p16="http://schemas.microsoft.com/office/powerpoint/2015/main" val="1"/>
-              </p:ext>
-            </p:extLst>
-          </p:nvPr>
-        </p:nvSpPr>
-        <p:spPr>
-          <a:xfrm>
-            <a:off x="8375326" y="343675"/>
-            <a:ext cx="768186" cy="768186"/>
-          </a:xfrm>
-          <a:custGeom>
-            <a:avLst/>
-            <a:gdLst>
-              <a:gd name="connsiteX0" fmla="*/ 403574 w 807148"/>
-              <a:gd name="connsiteY0" fmla="*/ 0 h 807148"/>
-              <a:gd name="connsiteX1" fmla="*/ 0 w 807148"/>
-              <a:gd name="connsiteY1" fmla="*/ 403574 h 807148"/>
-              <a:gd name="connsiteX2" fmla="*/ 403574 w 807148"/>
-              <a:gd name="connsiteY2" fmla="*/ 807149 h 807148"/>
-              <a:gd name="connsiteX3" fmla="*/ 807149 w 807148"/>
-              <a:gd name="connsiteY3" fmla="*/ 403574 h 807148"/>
-              <a:gd name="connsiteX4" fmla="*/ 403574 w 807148"/>
-              <a:gd name="connsiteY4" fmla="*/ 0 h 807148"/>
-              <a:gd name="connsiteX5" fmla="*/ 403574 w 807148"/>
-              <a:gd name="connsiteY5" fmla="*/ 667988 h 807148"/>
-              <a:gd name="connsiteX6" fmla="*/ 139160 w 807148"/>
-              <a:gd name="connsiteY6" fmla="*/ 403574 h 807148"/>
-              <a:gd name="connsiteX7" fmla="*/ 403574 w 807148"/>
-              <a:gd name="connsiteY7" fmla="*/ 139160 h 807148"/>
-              <a:gd name="connsiteX8" fmla="*/ 667988 w 807148"/>
-              <a:gd name="connsiteY8" fmla="*/ 403574 h 807148"/>
-              <a:gd name="connsiteX9" fmla="*/ 403574 w 807148"/>
-              <a:gd name="connsiteY9" fmla="*/ 667988 h 807148"/>
-            </a:gdLst>
-            <a:ahLst/>
-            <a:cxnLst>
-              <a:cxn ang="0">
-                <a:pos x="connsiteX0" y="connsiteY0"/>
-              </a:cxn>
-              <a:cxn ang="0">
-                <a:pos x="connsiteX1" y="connsiteY1"/>
-              </a:cxn>
-              <a:cxn ang="0">
-                <a:pos x="connsiteX2" y="connsiteY2"/>
-              </a:cxn>
-              <a:cxn ang="0">
-                <a:pos x="connsiteX3" y="connsiteY3"/>
-              </a:cxn>
-              <a:cxn ang="0">
-                <a:pos x="connsiteX4" y="connsiteY4"/>
-              </a:cxn>
-              <a:cxn ang="0">
-                <a:pos x="connsiteX5" y="connsiteY5"/>
-              </a:cxn>
-              <a:cxn ang="0">
-                <a:pos x="connsiteX6" y="connsiteY6"/>
-              </a:cxn>
-              <a:cxn ang="0">
-                <a:pos x="connsiteX7" y="connsiteY7"/>
-              </a:cxn>
-              <a:cxn ang="0">
-                <a:pos x="connsiteX8" y="connsiteY8"/>
-              </a:cxn>
-              <a:cxn ang="0">
-                <a:pos x="connsiteX9" y="connsiteY9"/>
-              </a:cxn>
-            </a:cxnLst>
-            <a:rect l="l" t="t" r="r" b="b"/>
-            <a:pathLst>
-              <a:path w="807148" h="807148">
-                <a:moveTo>
-                  <a:pt x="403574" y="0"/>
-                </a:moveTo>
-                <a:cubicBezTo>
-                  <a:pt x="180689" y="0"/>
-                  <a:pt x="0" y="180689"/>
-                  <a:pt x="0" y="403574"/>
-                </a:cubicBezTo>
-                <a:cubicBezTo>
-                  <a:pt x="0" y="626459"/>
-                  <a:pt x="180689" y="807149"/>
-                  <a:pt x="403574" y="807149"/>
-                </a:cubicBezTo>
-                <a:cubicBezTo>
-                  <a:pt x="626459" y="807149"/>
-                  <a:pt x="807149" y="626459"/>
-                  <a:pt x="807149" y="403574"/>
-                </a:cubicBezTo>
-                <a:cubicBezTo>
-                  <a:pt x="807149" y="180689"/>
-                  <a:pt x="626459" y="0"/>
-                  <a:pt x="403574" y="0"/>
-                </a:cubicBezTo>
-                <a:close/>
-                <a:moveTo>
-                  <a:pt x="403574" y="667988"/>
-                </a:moveTo>
-                <a:cubicBezTo>
-                  <a:pt x="257556" y="667988"/>
-                  <a:pt x="139160" y="549593"/>
-                  <a:pt x="139160" y="403574"/>
-                </a:cubicBezTo>
-                <a:cubicBezTo>
-                  <a:pt x="139160" y="257556"/>
-                  <a:pt x="257556" y="139160"/>
-                  <a:pt x="403574" y="139160"/>
-                </a:cubicBezTo>
-                <a:cubicBezTo>
-                  <a:pt x="549593" y="139160"/>
-                  <a:pt x="667988" y="257556"/>
-                  <a:pt x="667988" y="403574"/>
-                </a:cubicBezTo>
-                <a:cubicBezTo>
-                  <a:pt x="667988" y="549593"/>
-                  <a:pt x="549593" y="667988"/>
-                  <a:pt x="403574" y="667988"/>
-                </a:cubicBezTo>
-                <a:close/>
-              </a:path>
-            </a:pathLst>
-          </a:custGeom>
-          <a:solidFill>
-            <a:srgbClr val="FFFFFF"/>
-          </a:solidFill>
-          <a:ln w="28575">
-            <a:solidFill>
-              <a:srgbClr val="FFFFFF"/>
-            </a:solidFill>
-          </a:ln>
-        </p:spPr>
-        <p:style>
-          <a:lnRef idx="2">
-            <a:schemeClr val="accent1">
-              <a:shade val="50000"/>
-            </a:schemeClr>
-          </a:lnRef>
-          <a:fillRef idx="1">
-            <a:schemeClr val="accent1"/>
-          </a:fillRef>
-          <a:effectRef idx="0">
-            <a:schemeClr val="accent1"/>
-          </a:effectRef>
-          <a:fontRef idx="minor">
-            <a:schemeClr val="lt1"/>
-          </a:fontRef>
-        </p:style>
-        <p:txBody>
-          <a:bodyPr rot="0" spcFirstLastPara="0" vertOverflow="overflow" horzOverflow="overflow" vert="horz" wrap="square" lIns="91440" tIns="45720" rIns="91440" bIns="45720" numCol="1" spcCol="0" rtlCol="0" fromWordArt="0" anchor="ctr" anchorCtr="0" forceAA="0" compatLnSpc="1">
-            <a:prstTxWarp prst="textNoShape">
-              <a:avLst/>
-            </a:prstTxWarp>
-            <a:noAutofit/>
-          </a:bodyPr>
-          <a:lstStyle/>
-          <a:p>
-            <a:pPr algn="ctr"/>
-            <a:endParaRPr lang="en-US" dirty="0">
-              <a:solidFill>
-                <a:schemeClr val="lt1"/>
-              </a:solidFill>
-            </a:endParaRPr>
-          </a:p>
-        </p:txBody>
-      </p:sp>
-      <p:sp>
-        <p:nvSpPr>
-          <p:cNvPr id="28" name="Graphic 212">
-            <a:extLst>
-              <a:ext uri="{FF2B5EF4-FFF2-40B4-BE49-F238E27FC236}">
-                <a16:creationId xmlns:a16="http://schemas.microsoft.com/office/drawing/2014/main" id="{5EC6B544-8C84-47A6-885D-A4F09EF5C0F7}"/>
-              </a:ext>
-              <a:ext uri="{C183D7F6-B498-43B3-948B-1728B52AA6E4}">
-                <adec:decorative xmlns:adec="http://schemas.microsoft.com/office/drawing/2017/decorative" val="1"/>
-              </a:ext>
-            </a:extLst>
-          </p:cNvPr>
-          <p:cNvSpPr>
-            <a:spLocks noGrp="1" noRot="1" noChangeAspect="1" noMove="1" noResize="1" noEditPoints="1" noAdjustHandles="1" noChangeArrowheads="1" noChangeShapeType="1" noTextEdit="1"/>
-          </p:cNvSpPr>
-          <p:nvPr>
-            <p:extLst>
-              <p:ext uri="{386F3935-93C4-4BCD-93E2-E3B085C9AB24}">
-                <p16:designElem xmlns:p16="http://schemas.microsoft.com/office/powerpoint/2015/main" val="1"/>
-              </p:ext>
-            </p:extLst>
-          </p:nvPr>
-        </p:nvSpPr>
-        <p:spPr>
-          <a:xfrm>
-            <a:off x="8375326" y="343675"/>
-            <a:ext cx="768186" cy="768186"/>
-          </a:xfrm>
-          <a:custGeom>
-            <a:avLst/>
-            <a:gdLst>
-              <a:gd name="connsiteX0" fmla="*/ 403574 w 807148"/>
-              <a:gd name="connsiteY0" fmla="*/ 0 h 807148"/>
-              <a:gd name="connsiteX1" fmla="*/ 0 w 807148"/>
-              <a:gd name="connsiteY1" fmla="*/ 403574 h 807148"/>
-              <a:gd name="connsiteX2" fmla="*/ 403574 w 807148"/>
-              <a:gd name="connsiteY2" fmla="*/ 807149 h 807148"/>
-              <a:gd name="connsiteX3" fmla="*/ 807149 w 807148"/>
-              <a:gd name="connsiteY3" fmla="*/ 403574 h 807148"/>
-              <a:gd name="connsiteX4" fmla="*/ 403574 w 807148"/>
-              <a:gd name="connsiteY4" fmla="*/ 0 h 807148"/>
-              <a:gd name="connsiteX5" fmla="*/ 403574 w 807148"/>
-              <a:gd name="connsiteY5" fmla="*/ 667988 h 807148"/>
-              <a:gd name="connsiteX6" fmla="*/ 139160 w 807148"/>
-              <a:gd name="connsiteY6" fmla="*/ 403574 h 807148"/>
-              <a:gd name="connsiteX7" fmla="*/ 403574 w 807148"/>
-              <a:gd name="connsiteY7" fmla="*/ 139160 h 807148"/>
-              <a:gd name="connsiteX8" fmla="*/ 667988 w 807148"/>
-              <a:gd name="connsiteY8" fmla="*/ 403574 h 807148"/>
-              <a:gd name="connsiteX9" fmla="*/ 403574 w 807148"/>
-              <a:gd name="connsiteY9" fmla="*/ 667988 h 807148"/>
-            </a:gdLst>
-            <a:ahLst/>
-            <a:cxnLst>
-              <a:cxn ang="0">
-                <a:pos x="connsiteX0" y="connsiteY0"/>
-              </a:cxn>
-              <a:cxn ang="0">
-                <a:pos x="connsiteX1" y="connsiteY1"/>
-              </a:cxn>
-              <a:cxn ang="0">
-                <a:pos x="connsiteX2" y="connsiteY2"/>
-              </a:cxn>
-              <a:cxn ang="0">
-                <a:pos x="connsiteX3" y="connsiteY3"/>
-              </a:cxn>
-              <a:cxn ang="0">
-                <a:pos x="connsiteX4" y="connsiteY4"/>
-              </a:cxn>
-              <a:cxn ang="0">
-                <a:pos x="connsiteX5" y="connsiteY5"/>
-              </a:cxn>
-              <a:cxn ang="0">
-                <a:pos x="connsiteX6" y="connsiteY6"/>
-              </a:cxn>
-              <a:cxn ang="0">
-                <a:pos x="connsiteX7" y="connsiteY7"/>
-              </a:cxn>
-              <a:cxn ang="0">
-                <a:pos x="connsiteX8" y="connsiteY8"/>
-              </a:cxn>
-              <a:cxn ang="0">
-                <a:pos x="connsiteX9" y="connsiteY9"/>
-              </a:cxn>
-            </a:cxnLst>
-            <a:rect l="l" t="t" r="r" b="b"/>
-            <a:pathLst>
-              <a:path w="807148" h="807148">
-                <a:moveTo>
-                  <a:pt x="403574" y="0"/>
-                </a:moveTo>
-                <a:cubicBezTo>
-                  <a:pt x="180689" y="0"/>
-                  <a:pt x="0" y="180689"/>
-                  <a:pt x="0" y="403574"/>
-                </a:cubicBezTo>
-                <a:cubicBezTo>
-                  <a:pt x="0" y="626459"/>
-                  <a:pt x="180689" y="807149"/>
-                  <a:pt x="403574" y="807149"/>
-                </a:cubicBezTo>
-                <a:cubicBezTo>
-                  <a:pt x="626459" y="807149"/>
-                  <a:pt x="807149" y="626459"/>
-                  <a:pt x="807149" y="403574"/>
-                </a:cubicBezTo>
-                <a:cubicBezTo>
-                  <a:pt x="807149" y="180689"/>
-                  <a:pt x="626459" y="0"/>
-                  <a:pt x="403574" y="0"/>
-                </a:cubicBezTo>
-                <a:close/>
-                <a:moveTo>
-                  <a:pt x="403574" y="667988"/>
-                </a:moveTo>
-                <a:cubicBezTo>
-                  <a:pt x="257556" y="667988"/>
-                  <a:pt x="139160" y="549593"/>
-                  <a:pt x="139160" y="403574"/>
-                </a:cubicBezTo>
-                <a:cubicBezTo>
-                  <a:pt x="139160" y="257556"/>
-                  <a:pt x="257556" y="139160"/>
-                  <a:pt x="403574" y="139160"/>
-                </a:cubicBezTo>
-                <a:cubicBezTo>
-                  <a:pt x="549593" y="139160"/>
-                  <a:pt x="667988" y="257556"/>
-                  <a:pt x="667988" y="403574"/>
-                </a:cubicBezTo>
-                <a:cubicBezTo>
-                  <a:pt x="667988" y="549593"/>
-                  <a:pt x="549593" y="667988"/>
-                  <a:pt x="403574" y="667988"/>
-                </a:cubicBezTo>
-                <a:close/>
-              </a:path>
-            </a:pathLst>
-          </a:custGeom>
-          <a:solidFill>
-            <a:schemeClr val="accent2">
-              <a:alpha val="30000"/>
-            </a:schemeClr>
-          </a:solidFill>
-          <a:ln w="28575">
-            <a:solidFill>
-              <a:schemeClr val="bg1"/>
-            </a:solidFill>
-          </a:ln>
-        </p:spPr>
-        <p:style>
-          <a:lnRef idx="2">
-            <a:schemeClr val="accent1">
-              <a:shade val="50000"/>
-            </a:schemeClr>
-          </a:lnRef>
-          <a:fillRef idx="1">
-            <a:schemeClr val="accent1"/>
-          </a:fillRef>
-          <a:effectRef idx="0">
-            <a:schemeClr val="accent1"/>
-          </a:effectRef>
-          <a:fontRef idx="minor">
-            <a:schemeClr val="lt1"/>
-          </a:fontRef>
-        </p:style>
-        <p:txBody>
-          <a:bodyPr rot="0" spcFirstLastPara="0" vertOverflow="overflow" horzOverflow="overflow" vert="horz" wrap="square" lIns="91440" tIns="45720" rIns="91440" bIns="45720" numCol="1" spcCol="0" rtlCol="0" fromWordArt="0" anchor="ctr" anchorCtr="0" forceAA="0" compatLnSpc="1">
-            <a:prstTxWarp prst="textNoShape">
-              <a:avLst/>
-            </a:prstTxWarp>
-            <a:noAutofit/>
-          </a:bodyPr>
-          <a:lstStyle/>
-          <a:p>
-            <a:pPr algn="ctr"/>
-            <a:endParaRPr lang="en-US" dirty="0">
-              <a:solidFill>
-                <a:schemeClr val="lt1"/>
-              </a:solidFill>
-            </a:endParaRPr>
-          </a:p>
-        </p:txBody>
-      </p:sp>
-      <p:sp>
-        <p:nvSpPr>
-          <p:cNvPr id="30" name="Freeform: Shape 29">
-            <a:extLst>
-              <a:ext uri="{FF2B5EF4-FFF2-40B4-BE49-F238E27FC236}">
-                <a16:creationId xmlns:a16="http://schemas.microsoft.com/office/drawing/2014/main" id="{1E5A83E3-8A11-4492-BB6E-F5F2240316FB}"/>
-              </a:ext>
-              <a:ext uri="{C183D7F6-B498-43B3-948B-1728B52AA6E4}">
-                <adec:decorative xmlns:adec="http://schemas.microsoft.com/office/drawing/2017/decorative" val="1"/>
-              </a:ext>
-            </a:extLst>
-          </p:cNvPr>
-          <p:cNvSpPr>
-            <a:spLocks noGrp="1" noRot="1" noChangeAspect="1" noMove="1" noResize="1" noEditPoints="1" noAdjustHandles="1" noChangeArrowheads="1" noChangeShapeType="1" noTextEdit="1"/>
-          </p:cNvSpPr>
-          <p:nvPr>
-            <p:extLst>
-              <p:ext uri="{386F3935-93C4-4BCD-93E2-E3B085C9AB24}">
-                <p16:designElem xmlns:p16="http://schemas.microsoft.com/office/powerpoint/2015/main" val="1"/>
-              </p:ext>
-            </p:extLst>
-          </p:nvPr>
-        </p:nvSpPr>
-        <p:spPr>
-          <a:xfrm>
-            <a:off x="0" y="1167504"/>
-            <a:ext cx="1861854" cy="277779"/>
-          </a:xfrm>
-          <a:custGeom>
-            <a:avLst/>
-            <a:gdLst>
-              <a:gd name="connsiteX0" fmla="*/ 180458 w 1861854"/>
-              <a:gd name="connsiteY0" fmla="*/ 0 h 277779"/>
-              <a:gd name="connsiteX1" fmla="*/ 419222 w 1861854"/>
-              <a:gd name="connsiteY1" fmla="*/ 238761 h 277779"/>
-              <a:gd name="connsiteX2" fmla="*/ 657984 w 1861854"/>
-              <a:gd name="connsiteY2" fmla="*/ 0 h 277779"/>
-              <a:gd name="connsiteX3" fmla="*/ 896745 w 1861854"/>
-              <a:gd name="connsiteY3" fmla="*/ 238761 h 277779"/>
-              <a:gd name="connsiteX4" fmla="*/ 1135754 w 1861854"/>
-              <a:gd name="connsiteY4" fmla="*/ 0 h 277779"/>
-              <a:gd name="connsiteX5" fmla="*/ 1374516 w 1861854"/>
-              <a:gd name="connsiteY5" fmla="*/ 238761 h 277779"/>
-              <a:gd name="connsiteX6" fmla="*/ 1613277 w 1861854"/>
-              <a:gd name="connsiteY6" fmla="*/ 0 h 277779"/>
-              <a:gd name="connsiteX7" fmla="*/ 1861854 w 1861854"/>
-              <a:gd name="connsiteY7" fmla="*/ 248577 h 277779"/>
-              <a:gd name="connsiteX8" fmla="*/ 1842470 w 1861854"/>
-              <a:gd name="connsiteY8" fmla="*/ 268208 h 277779"/>
-              <a:gd name="connsiteX9" fmla="*/ 1613277 w 1861854"/>
-              <a:gd name="connsiteY9" fmla="*/ 39017 h 277779"/>
-              <a:gd name="connsiteX10" fmla="*/ 1374516 w 1861854"/>
-              <a:gd name="connsiteY10" fmla="*/ 277779 h 277779"/>
-              <a:gd name="connsiteX11" fmla="*/ 1135754 w 1861854"/>
-              <a:gd name="connsiteY11" fmla="*/ 39017 h 277779"/>
-              <a:gd name="connsiteX12" fmla="*/ 896745 w 1861854"/>
-              <a:gd name="connsiteY12" fmla="*/ 277779 h 277779"/>
-              <a:gd name="connsiteX13" fmla="*/ 657984 w 1861854"/>
-              <a:gd name="connsiteY13" fmla="*/ 39017 h 277779"/>
-              <a:gd name="connsiteX14" fmla="*/ 419222 w 1861854"/>
-              <a:gd name="connsiteY14" fmla="*/ 277779 h 277779"/>
-              <a:gd name="connsiteX15" fmla="*/ 180458 w 1861854"/>
-              <a:gd name="connsiteY15" fmla="*/ 39017 h 277779"/>
-              <a:gd name="connsiteX16" fmla="*/ 0 w 1861854"/>
-              <a:gd name="connsiteY16" fmla="*/ 219475 h 277779"/>
-              <a:gd name="connsiteX17" fmla="*/ 0 w 1861854"/>
-              <a:gd name="connsiteY17" fmla="*/ 180458 h 277779"/>
-            </a:gdLst>
-            <a:ahLst/>
-            <a:cxnLst>
-              <a:cxn ang="0">
-                <a:pos x="connsiteX0" y="connsiteY0"/>
-              </a:cxn>
-              <a:cxn ang="0">
-                <a:pos x="connsiteX1" y="connsiteY1"/>
-              </a:cxn>
-              <a:cxn ang="0">
-                <a:pos x="connsiteX2" y="connsiteY2"/>
-              </a:cxn>
-              <a:cxn ang="0">
-                <a:pos x="connsiteX3" y="connsiteY3"/>
-              </a:cxn>
-              <a:cxn ang="0">
-                <a:pos x="connsiteX4" y="connsiteY4"/>
-              </a:cxn>
-              <a:cxn ang="0">
-                <a:pos x="connsiteX5" y="connsiteY5"/>
-              </a:cxn>
-              <a:cxn ang="0">
-                <a:pos x="connsiteX6" y="connsiteY6"/>
-              </a:cxn>
-              <a:cxn ang="0">
-                <a:pos x="connsiteX7" y="connsiteY7"/>
-              </a:cxn>
-              <a:cxn ang="0">
-                <a:pos x="connsiteX8" y="connsiteY8"/>
-              </a:cxn>
-              <a:cxn ang="0">
-                <a:pos x="connsiteX9" y="connsiteY9"/>
-              </a:cxn>
-              <a:cxn ang="0">
-                <a:pos x="connsiteX10" y="connsiteY10"/>
-              </a:cxn>
-              <a:cxn ang="0">
-                <a:pos x="connsiteX11" y="connsiteY11"/>
-              </a:cxn>
-              <a:cxn ang="0">
-                <a:pos x="connsiteX12" y="connsiteY12"/>
-              </a:cxn>
-              <a:cxn ang="0">
-                <a:pos x="connsiteX13" y="connsiteY13"/>
-              </a:cxn>
-              <a:cxn ang="0">
-                <a:pos x="connsiteX14" y="connsiteY14"/>
-              </a:cxn>
-              <a:cxn ang="0">
-                <a:pos x="connsiteX15" y="connsiteY15"/>
-              </a:cxn>
-              <a:cxn ang="0">
-                <a:pos x="connsiteX16" y="connsiteY16"/>
-              </a:cxn>
-              <a:cxn ang="0">
-                <a:pos x="connsiteX17" y="connsiteY17"/>
-              </a:cxn>
-            </a:cxnLst>
-            <a:rect l="l" t="t" r="r" b="b"/>
-            <a:pathLst>
-              <a:path w="1861854" h="277779">
-                <a:moveTo>
-                  <a:pt x="180458" y="0"/>
-                </a:moveTo>
-                <a:lnTo>
-                  <a:pt x="419222" y="238761"/>
-                </a:lnTo>
-                <a:lnTo>
-                  <a:pt x="657984" y="0"/>
-                </a:lnTo>
-                <a:lnTo>
-                  <a:pt x="896745" y="238761"/>
-                </a:lnTo>
-                <a:lnTo>
-                  <a:pt x="1135754" y="0"/>
-                </a:lnTo>
-                <a:lnTo>
-                  <a:pt x="1374516" y="238761"/>
-                </a:lnTo>
-                <a:lnTo>
-                  <a:pt x="1613277" y="0"/>
-                </a:lnTo>
-                <a:lnTo>
-                  <a:pt x="1861854" y="248577"/>
-                </a:lnTo>
-                <a:lnTo>
-                  <a:pt x="1842470" y="268208"/>
-                </a:lnTo>
-                <a:lnTo>
-                  <a:pt x="1613277" y="39017"/>
-                </a:lnTo>
-                <a:lnTo>
-                  <a:pt x="1374516" y="277779"/>
-                </a:lnTo>
-                <a:lnTo>
-                  <a:pt x="1135754" y="39017"/>
-                </a:lnTo>
-                <a:lnTo>
-                  <a:pt x="896745" y="277779"/>
-                </a:lnTo>
-                <a:lnTo>
-                  <a:pt x="657984" y="39017"/>
-                </a:lnTo>
-                <a:lnTo>
-                  <a:pt x="419222" y="277779"/>
-                </a:lnTo>
-                <a:lnTo>
-                  <a:pt x="180458" y="39017"/>
-                </a:lnTo>
-                <a:lnTo>
-                  <a:pt x="0" y="219475"/>
-                </a:lnTo>
-                <a:lnTo>
-                  <a:pt x="0" y="180458"/>
-                </a:lnTo>
-                <a:close/>
-              </a:path>
-            </a:pathLst>
-          </a:custGeom>
-          <a:solidFill>
-            <a:schemeClr val="bg1"/>
-          </a:solidFill>
-          <a:ln w="9525" cap="flat">
-            <a:noFill/>
-            <a:prstDash val="solid"/>
-            <a:miter/>
-          </a:ln>
-        </p:spPr>
-        <p:txBody>
-          <a:bodyPr wrap="square" rtlCol="0" anchor="ctr">
-            <a:noAutofit/>
-          </a:bodyPr>
-          <a:lstStyle/>
-          <a:p>
-            <a:endParaRPr lang="en-US" dirty="0"/>
-          </a:p>
-        </p:txBody>
-      </p:sp>
-      <p:sp>
-        <p:nvSpPr>
-          <p:cNvPr id="32" name="Oval 31">
-            <a:extLst>
-              <a:ext uri="{FF2B5EF4-FFF2-40B4-BE49-F238E27FC236}">
-                <a16:creationId xmlns:a16="http://schemas.microsoft.com/office/drawing/2014/main" id="{32C95C5C-6FBD-47FF-9CA6-066193539A10}"/>
-              </a:ext>
-              <a:ext uri="{C183D7F6-B498-43B3-948B-1728B52AA6E4}">
-                <adec:decorative xmlns:adec="http://schemas.microsoft.com/office/drawing/2017/decorative" val="1"/>
-              </a:ext>
-            </a:extLst>
-          </p:cNvPr>
-          <p:cNvSpPr>
-            <a:spLocks noGrp="1" noRot="1" noChangeAspect="1" noMove="1" noResize="1" noEditPoints="1" noAdjustHandles="1" noChangeArrowheads="1" noChangeShapeType="1" noTextEdit="1"/>
-          </p:cNvSpPr>
-          <p:nvPr>
-            <p:extLst>
-              <p:ext uri="{386F3935-93C4-4BCD-93E2-E3B085C9AB24}">
-                <p16:designElem xmlns:p16="http://schemas.microsoft.com/office/powerpoint/2015/main" val="1"/>
-              </p:ext>
-            </p:extLst>
-          </p:nvPr>
-        </p:nvSpPr>
-        <p:spPr>
-          <a:xfrm>
-            <a:off x="2317140" y="5100276"/>
-            <a:ext cx="515928" cy="515928"/>
-          </a:xfrm>
-          <a:prstGeom prst="ellipse">
-            <a:avLst/>
-          </a:prstGeom>
-          <a:solidFill>
-            <a:srgbClr val="FFFFFF"/>
-          </a:solidFill>
-          <a:ln w="28575">
-            <a:solidFill>
-              <a:srgbClr val="FFFFFF"/>
-            </a:solidFill>
-          </a:ln>
-        </p:spPr>
-        <p:style>
-          <a:lnRef idx="2">
-            <a:schemeClr val="accent1">
-              <a:shade val="50000"/>
-            </a:schemeClr>
-          </a:lnRef>
-          <a:fillRef idx="1">
-            <a:schemeClr val="accent1"/>
-          </a:fillRef>
-          <a:effectRef idx="0">
-            <a:schemeClr val="accent1"/>
-          </a:effectRef>
-          <a:fontRef idx="minor">
-            <a:schemeClr val="lt1"/>
-          </a:fontRef>
-        </p:style>
-        <p:txBody>
-          <a:bodyPr rot="0" spcFirstLastPara="0" vertOverflow="overflow" horzOverflow="overflow" vert="horz" wrap="square" lIns="91440" tIns="45720" rIns="91440" bIns="45720" numCol="1" spcCol="0" rtlCol="0" fromWordArt="0" anchor="ctr" anchorCtr="0" forceAA="0" compatLnSpc="1">
-            <a:prstTxWarp prst="textNoShape">
-              <a:avLst/>
-            </a:prstTxWarp>
-            <a:noAutofit/>
-          </a:bodyPr>
-          <a:lstStyle/>
-          <a:p>
-            <a:pPr algn="ctr"/>
-            <a:endParaRPr lang="en-US" dirty="0"/>
-          </a:p>
-        </p:txBody>
-      </p:sp>
-      <p:sp>
-        <p:nvSpPr>
-          <p:cNvPr id="34" name="Oval 33">
-            <a:extLst>
-              <a:ext uri="{FF2B5EF4-FFF2-40B4-BE49-F238E27FC236}">
-                <a16:creationId xmlns:a16="http://schemas.microsoft.com/office/drawing/2014/main" id="{4D1A5E71-B6B6-486A-8CDC-C7ABD9B903F6}"/>
-              </a:ext>
-              <a:ext uri="{C183D7F6-B498-43B3-948B-1728B52AA6E4}">
-                <adec:decorative xmlns:adec="http://schemas.microsoft.com/office/drawing/2017/decorative" val="1"/>
-              </a:ext>
-            </a:extLst>
-          </p:cNvPr>
-          <p:cNvSpPr>
-            <a:spLocks noGrp="1" noRot="1" noChangeAspect="1" noMove="1" noResize="1" noEditPoints="1" noAdjustHandles="1" noChangeArrowheads="1" noChangeShapeType="1" noTextEdit="1"/>
-          </p:cNvSpPr>
-          <p:nvPr>
-            <p:extLst>
-              <p:ext uri="{386F3935-93C4-4BCD-93E2-E3B085C9AB24}">
-                <p16:designElem xmlns:p16="http://schemas.microsoft.com/office/powerpoint/2015/main" val="1"/>
-              </p:ext>
-            </p:extLst>
-          </p:nvPr>
-        </p:nvSpPr>
-        <p:spPr>
-          <a:xfrm>
-            <a:off x="2317140" y="5100276"/>
-            <a:ext cx="515928" cy="515928"/>
-          </a:xfrm>
-          <a:prstGeom prst="ellipse">
-            <a:avLst/>
-          </a:prstGeom>
-          <a:solidFill>
-            <a:schemeClr val="accent6">
-              <a:alpha val="30000"/>
-            </a:schemeClr>
-          </a:solidFill>
-          <a:ln w="28575">
-            <a:solidFill>
-              <a:schemeClr val="bg1"/>
-            </a:solidFill>
-          </a:ln>
-        </p:spPr>
-        <p:style>
-          <a:lnRef idx="2">
-            <a:schemeClr val="accent1">
-              <a:shade val="50000"/>
-            </a:schemeClr>
-          </a:lnRef>
-          <a:fillRef idx="1">
-            <a:schemeClr val="accent1"/>
-          </a:fillRef>
-          <a:effectRef idx="0">
-            <a:schemeClr val="accent1"/>
-          </a:effectRef>
-          <a:fontRef idx="minor">
-            <a:schemeClr val="lt1"/>
-          </a:fontRef>
-        </p:style>
-        <p:txBody>
-          <a:bodyPr rot="0" spcFirstLastPara="0" vertOverflow="overflow" horzOverflow="overflow" vert="horz" wrap="square" lIns="91440" tIns="45720" rIns="91440" bIns="45720" numCol="1" spcCol="0" rtlCol="0" fromWordArt="0" anchor="ctr" anchorCtr="0" forceAA="0" compatLnSpc="1">
-            <a:prstTxWarp prst="textNoShape">
-              <a:avLst/>
-            </a:prstTxWarp>
-            <a:noAutofit/>
-          </a:bodyPr>
-          <a:lstStyle/>
-          <a:p>
-            <a:pPr algn="ctr"/>
-            <a:endParaRPr lang="en-US" dirty="0"/>
-          </a:p>
-        </p:txBody>
-      </p:sp>
-      <p:grpSp>
-        <p:nvGrpSpPr>
-          <p:cNvPr id="36" name="Graphic 185">
-            <a:extLst>
-              <a:ext uri="{FF2B5EF4-FFF2-40B4-BE49-F238E27FC236}">
-                <a16:creationId xmlns:a16="http://schemas.microsoft.com/office/drawing/2014/main" id="{FB9739EB-7F66-433D-841F-AB3CD18700B7}"/>
-              </a:ext>
-              <a:ext uri="{C183D7F6-B498-43B3-948B-1728B52AA6E4}">
-                <adec:decorative xmlns:adec="http://schemas.microsoft.com/office/drawing/2017/decorative" val="1"/>
-              </a:ext>
-            </a:extLst>
-          </p:cNvPr>
-          <p:cNvGrpSpPr>
-            <a:grpSpLocks noGrp="1" noUngrp="1" noRot="1" noChangeAspect="1" noMove="1" noResize="1"/>
-          </p:cNvGrpSpPr>
-          <p:nvPr>
-            <p:extLst>
-              <p:ext uri="{386F3935-93C4-4BCD-93E2-E3B085C9AB24}">
-                <p16:designElem xmlns:p16="http://schemas.microsoft.com/office/powerpoint/2015/main" val="1"/>
-              </p:ext>
-            </p:extLst>
-          </p:nvPr>
-        </p:nvGrpSpPr>
-        <p:grpSpPr>
-          <a:xfrm>
-            <a:off x="10428634" y="5987064"/>
-            <a:ext cx="1054466" cy="469689"/>
-            <a:chOff x="9841624" y="4115729"/>
-            <a:chExt cx="602169" cy="268223"/>
-          </a:xfrm>
-          <a:solidFill>
-            <a:schemeClr val="bg1"/>
-          </a:solidFill>
-        </p:grpSpPr>
-        <p:sp>
-          <p:nvSpPr>
-            <p:cNvPr id="37" name="Freeform: Shape 36">
-              <a:extLst>
-                <a:ext uri="{FF2B5EF4-FFF2-40B4-BE49-F238E27FC236}">
-                  <a16:creationId xmlns:a16="http://schemas.microsoft.com/office/drawing/2014/main" id="{104F2BBD-A005-4DCB-9566-F2351050BEE6}"/>
-                </a:ext>
-                <a:ext uri="{C183D7F6-B498-43B3-948B-1728B52AA6E4}">
-                  <adec:decorative xmlns:adec="http://schemas.microsoft.com/office/drawing/2017/decorative" val="1"/>
-                </a:ext>
-              </a:extLst>
-            </p:cNvPr>
-            <p:cNvSpPr/>
-            <p:nvPr>
-              <p:extLst>
-                <p:ext uri="{386F3935-93C4-4BCD-93E2-E3B085C9AB24}">
-                  <p16:designElem xmlns:p16="http://schemas.microsoft.com/office/powerpoint/2015/main" val="1"/>
-                </p:ext>
-              </p:extLst>
-            </p:nvPr>
-          </p:nvSpPr>
-          <p:spPr>
-            <a:xfrm>
-              <a:off x="9841624" y="4115729"/>
-              <a:ext cx="202882" cy="268223"/>
-            </a:xfrm>
-            <a:custGeom>
-              <a:avLst/>
-              <a:gdLst>
-                <a:gd name="connsiteX0" fmla="*/ 20765 w 202882"/>
-                <a:gd name="connsiteY0" fmla="*/ 268224 h 268223"/>
-                <a:gd name="connsiteX1" fmla="*/ 0 w 202882"/>
-                <a:gd name="connsiteY1" fmla="*/ 268224 h 268223"/>
-                <a:gd name="connsiteX2" fmla="*/ 182118 w 202882"/>
-                <a:gd name="connsiteY2" fmla="*/ 0 h 268223"/>
-                <a:gd name="connsiteX3" fmla="*/ 202883 w 202882"/>
-                <a:gd name="connsiteY3" fmla="*/ 0 h 268223"/>
-              </a:gdLst>
-              <a:ahLst/>
-              <a:cxnLst>
-                <a:cxn ang="0">
-                  <a:pos x="connsiteX0" y="connsiteY0"/>
-                </a:cxn>
-                <a:cxn ang="0">
-                  <a:pos x="connsiteX1" y="connsiteY1"/>
-                </a:cxn>
-                <a:cxn ang="0">
-                  <a:pos x="connsiteX2" y="connsiteY2"/>
-                </a:cxn>
-                <a:cxn ang="0">
-                  <a:pos x="connsiteX3" y="connsiteY3"/>
-                </a:cxn>
-              </a:cxnLst>
-              <a:rect l="l" t="t" r="r" b="b"/>
-              <a:pathLst>
-                <a:path w="202882" h="268223">
-                  <a:moveTo>
-                    <a:pt x="20765" y="268224"/>
-                  </a:moveTo>
-                  <a:lnTo>
-                    <a:pt x="0" y="268224"/>
-                  </a:lnTo>
-                  <a:lnTo>
-                    <a:pt x="182118" y="0"/>
-                  </a:lnTo>
-                  <a:lnTo>
-                    <a:pt x="202883" y="0"/>
-                  </a:lnTo>
-                  <a:close/>
-                </a:path>
-              </a:pathLst>
-            </a:custGeom>
-            <a:grpFill/>
-            <a:ln w="9525" cap="flat">
-              <a:noFill/>
-              <a:prstDash val="solid"/>
-              <a:miter/>
-            </a:ln>
-          </p:spPr>
-          <p:txBody>
-            <a:bodyPr rtlCol="0" anchor="ctr"/>
-            <a:lstStyle/>
-            <a:p>
-              <a:endParaRPr lang="en-US" dirty="0"/>
-            </a:p>
-          </p:txBody>
-        </p:sp>
-        <p:sp>
-          <p:nvSpPr>
-            <p:cNvPr id="38" name="Freeform: Shape 37">
-              <a:extLst>
-                <a:ext uri="{FF2B5EF4-FFF2-40B4-BE49-F238E27FC236}">
-                  <a16:creationId xmlns:a16="http://schemas.microsoft.com/office/drawing/2014/main" id="{8B00DEC7-198B-49D1-98FD-018F3ECFCF4C}"/>
-                </a:ext>
-                <a:ext uri="{C183D7F6-B498-43B3-948B-1728B52AA6E4}">
-                  <adec:decorative xmlns:adec="http://schemas.microsoft.com/office/drawing/2017/decorative" val="1"/>
-                </a:ext>
-              </a:extLst>
-            </p:cNvPr>
-            <p:cNvSpPr/>
-            <p:nvPr>
-              <p:extLst>
-                <p:ext uri="{386F3935-93C4-4BCD-93E2-E3B085C9AB24}">
-                  <p16:designElem xmlns:p16="http://schemas.microsoft.com/office/powerpoint/2015/main" val="1"/>
-                </p:ext>
-              </p:extLst>
-            </p:nvPr>
-          </p:nvSpPr>
-          <p:spPr>
-            <a:xfrm>
-              <a:off x="9941445" y="4115729"/>
-              <a:ext cx="202882" cy="268223"/>
-            </a:xfrm>
-            <a:custGeom>
-              <a:avLst/>
-              <a:gdLst>
-                <a:gd name="connsiteX0" fmla="*/ 20765 w 202882"/>
-                <a:gd name="connsiteY0" fmla="*/ 268224 h 268223"/>
-                <a:gd name="connsiteX1" fmla="*/ 0 w 202882"/>
-                <a:gd name="connsiteY1" fmla="*/ 268224 h 268223"/>
-                <a:gd name="connsiteX2" fmla="*/ 182118 w 202882"/>
-                <a:gd name="connsiteY2" fmla="*/ 0 h 268223"/>
-                <a:gd name="connsiteX3" fmla="*/ 202883 w 202882"/>
-                <a:gd name="connsiteY3" fmla="*/ 0 h 268223"/>
-              </a:gdLst>
-              <a:ahLst/>
-              <a:cxnLst>
-                <a:cxn ang="0">
-                  <a:pos x="connsiteX0" y="connsiteY0"/>
-                </a:cxn>
-                <a:cxn ang="0">
-                  <a:pos x="connsiteX1" y="connsiteY1"/>
-                </a:cxn>
-                <a:cxn ang="0">
-                  <a:pos x="connsiteX2" y="connsiteY2"/>
-                </a:cxn>
-                <a:cxn ang="0">
-                  <a:pos x="connsiteX3" y="connsiteY3"/>
-                </a:cxn>
-              </a:cxnLst>
-              <a:rect l="l" t="t" r="r" b="b"/>
-              <a:pathLst>
-                <a:path w="202882" h="268223">
-                  <a:moveTo>
-                    <a:pt x="20765" y="268224"/>
-                  </a:moveTo>
-                  <a:lnTo>
-                    <a:pt x="0" y="268224"/>
-                  </a:lnTo>
-                  <a:lnTo>
-                    <a:pt x="182118" y="0"/>
-                  </a:lnTo>
-                  <a:lnTo>
-                    <a:pt x="202883" y="0"/>
-                  </a:lnTo>
-                  <a:close/>
-                </a:path>
-              </a:pathLst>
-            </a:custGeom>
-            <a:grpFill/>
-            <a:ln w="9525" cap="flat">
-              <a:noFill/>
-              <a:prstDash val="solid"/>
-              <a:miter/>
-            </a:ln>
-          </p:spPr>
-          <p:txBody>
-            <a:bodyPr rtlCol="0" anchor="ctr"/>
-            <a:lstStyle/>
-            <a:p>
-              <a:endParaRPr lang="en-US" dirty="0"/>
-            </a:p>
-          </p:txBody>
-        </p:sp>
-        <p:sp>
-          <p:nvSpPr>
-            <p:cNvPr id="39" name="Freeform: Shape 38">
-              <a:extLst>
-                <a:ext uri="{FF2B5EF4-FFF2-40B4-BE49-F238E27FC236}">
-                  <a16:creationId xmlns:a16="http://schemas.microsoft.com/office/drawing/2014/main" id="{F14DFC82-B3B3-468E-91B3-1302CFC68468}"/>
-                </a:ext>
-                <a:ext uri="{C183D7F6-B498-43B3-948B-1728B52AA6E4}">
-                  <adec:decorative xmlns:adec="http://schemas.microsoft.com/office/drawing/2017/decorative" val="1"/>
-                </a:ext>
-              </a:extLst>
-            </p:cNvPr>
-            <p:cNvSpPr/>
-            <p:nvPr>
-              <p:extLst>
-                <p:ext uri="{386F3935-93C4-4BCD-93E2-E3B085C9AB24}">
-                  <p16:designElem xmlns:p16="http://schemas.microsoft.com/office/powerpoint/2015/main" val="1"/>
-                </p:ext>
-              </p:extLst>
-            </p:nvPr>
-          </p:nvSpPr>
-          <p:spPr>
-            <a:xfrm>
-              <a:off x="10041267" y="4115729"/>
-              <a:ext cx="202882" cy="268223"/>
-            </a:xfrm>
-            <a:custGeom>
-              <a:avLst/>
-              <a:gdLst>
-                <a:gd name="connsiteX0" fmla="*/ 20669 w 202882"/>
-                <a:gd name="connsiteY0" fmla="*/ 268224 h 268223"/>
-                <a:gd name="connsiteX1" fmla="*/ 0 w 202882"/>
-                <a:gd name="connsiteY1" fmla="*/ 268224 h 268223"/>
-                <a:gd name="connsiteX2" fmla="*/ 182118 w 202882"/>
-                <a:gd name="connsiteY2" fmla="*/ 0 h 268223"/>
-                <a:gd name="connsiteX3" fmla="*/ 202883 w 202882"/>
-                <a:gd name="connsiteY3" fmla="*/ 0 h 268223"/>
-              </a:gdLst>
-              <a:ahLst/>
-              <a:cxnLst>
-                <a:cxn ang="0">
-                  <a:pos x="connsiteX0" y="connsiteY0"/>
-                </a:cxn>
-                <a:cxn ang="0">
-                  <a:pos x="connsiteX1" y="connsiteY1"/>
-                </a:cxn>
-                <a:cxn ang="0">
-                  <a:pos x="connsiteX2" y="connsiteY2"/>
-                </a:cxn>
-                <a:cxn ang="0">
-                  <a:pos x="connsiteX3" y="connsiteY3"/>
-                </a:cxn>
-              </a:cxnLst>
-              <a:rect l="l" t="t" r="r" b="b"/>
-              <a:pathLst>
-                <a:path w="202882" h="268223">
-                  <a:moveTo>
-                    <a:pt x="20669" y="268224"/>
-                  </a:moveTo>
-                  <a:lnTo>
-                    <a:pt x="0" y="268224"/>
-                  </a:lnTo>
-                  <a:lnTo>
-                    <a:pt x="182118" y="0"/>
-                  </a:lnTo>
-                  <a:lnTo>
-                    <a:pt x="202883" y="0"/>
-                  </a:lnTo>
-                  <a:close/>
-                </a:path>
-              </a:pathLst>
-            </a:custGeom>
-            <a:grpFill/>
-            <a:ln w="9525" cap="flat">
-              <a:noFill/>
-              <a:prstDash val="solid"/>
-              <a:miter/>
-            </a:ln>
-          </p:spPr>
-          <p:txBody>
-            <a:bodyPr rtlCol="0" anchor="ctr"/>
-            <a:lstStyle/>
-            <a:p>
-              <a:endParaRPr lang="en-US" dirty="0"/>
-            </a:p>
-          </p:txBody>
-        </p:sp>
-        <p:sp>
-          <p:nvSpPr>
-            <p:cNvPr id="40" name="Freeform: Shape 39">
-              <a:extLst>
-                <a:ext uri="{FF2B5EF4-FFF2-40B4-BE49-F238E27FC236}">
-                  <a16:creationId xmlns:a16="http://schemas.microsoft.com/office/drawing/2014/main" id="{D3250EFE-214E-4B8E-AF96-036A514FFB2D}"/>
-                </a:ext>
-                <a:ext uri="{C183D7F6-B498-43B3-948B-1728B52AA6E4}">
-                  <adec:decorative xmlns:adec="http://schemas.microsoft.com/office/drawing/2017/decorative" val="1"/>
-                </a:ext>
-              </a:extLst>
-            </p:cNvPr>
-            <p:cNvSpPr/>
-            <p:nvPr>
-              <p:extLst>
-                <p:ext uri="{386F3935-93C4-4BCD-93E2-E3B085C9AB24}">
-                  <p16:designElem xmlns:p16="http://schemas.microsoft.com/office/powerpoint/2015/main" val="1"/>
-                </p:ext>
-              </p:extLst>
-            </p:nvPr>
-          </p:nvSpPr>
-          <p:spPr>
-            <a:xfrm>
-              <a:off x="10141090" y="4115729"/>
-              <a:ext cx="202882" cy="268223"/>
-            </a:xfrm>
-            <a:custGeom>
-              <a:avLst/>
-              <a:gdLst>
-                <a:gd name="connsiteX0" fmla="*/ 20669 w 202882"/>
-                <a:gd name="connsiteY0" fmla="*/ 268224 h 268223"/>
-                <a:gd name="connsiteX1" fmla="*/ 0 w 202882"/>
-                <a:gd name="connsiteY1" fmla="*/ 268224 h 268223"/>
-                <a:gd name="connsiteX2" fmla="*/ 182118 w 202882"/>
-                <a:gd name="connsiteY2" fmla="*/ 0 h 268223"/>
-                <a:gd name="connsiteX3" fmla="*/ 202883 w 202882"/>
-                <a:gd name="connsiteY3" fmla="*/ 0 h 268223"/>
-              </a:gdLst>
-              <a:ahLst/>
-              <a:cxnLst>
-                <a:cxn ang="0">
-                  <a:pos x="connsiteX0" y="connsiteY0"/>
-                </a:cxn>
-                <a:cxn ang="0">
-                  <a:pos x="connsiteX1" y="connsiteY1"/>
-                </a:cxn>
-                <a:cxn ang="0">
-                  <a:pos x="connsiteX2" y="connsiteY2"/>
-                </a:cxn>
-                <a:cxn ang="0">
-                  <a:pos x="connsiteX3" y="connsiteY3"/>
-                </a:cxn>
-              </a:cxnLst>
-              <a:rect l="l" t="t" r="r" b="b"/>
-              <a:pathLst>
-                <a:path w="202882" h="268223">
-                  <a:moveTo>
-                    <a:pt x="20669" y="268224"/>
-                  </a:moveTo>
-                  <a:lnTo>
-                    <a:pt x="0" y="268224"/>
-                  </a:lnTo>
-                  <a:lnTo>
-                    <a:pt x="182118" y="0"/>
-                  </a:lnTo>
-                  <a:lnTo>
-                    <a:pt x="202883" y="0"/>
-                  </a:lnTo>
-                  <a:close/>
-                </a:path>
-              </a:pathLst>
-            </a:custGeom>
-            <a:grpFill/>
-            <a:ln w="9525" cap="flat">
-              <a:noFill/>
-              <a:prstDash val="solid"/>
-              <a:miter/>
-            </a:ln>
-          </p:spPr>
-          <p:txBody>
-            <a:bodyPr rtlCol="0" anchor="ctr"/>
-            <a:lstStyle/>
-            <a:p>
-              <a:endParaRPr lang="en-US" dirty="0"/>
-            </a:p>
-          </p:txBody>
-        </p:sp>
-        <p:sp>
-          <p:nvSpPr>
-            <p:cNvPr id="41" name="Freeform: Shape 40">
-              <a:extLst>
-                <a:ext uri="{FF2B5EF4-FFF2-40B4-BE49-F238E27FC236}">
-                  <a16:creationId xmlns:a16="http://schemas.microsoft.com/office/drawing/2014/main" id="{AD058EBE-D4A5-4C43-B170-6A451F87A7B2}"/>
-                </a:ext>
-                <a:ext uri="{C183D7F6-B498-43B3-948B-1728B52AA6E4}">
-                  <adec:decorative xmlns:adec="http://schemas.microsoft.com/office/drawing/2017/decorative" val="1"/>
-                </a:ext>
-              </a:extLst>
-            </p:cNvPr>
-            <p:cNvSpPr/>
-            <p:nvPr>
-              <p:extLst>
-                <p:ext uri="{386F3935-93C4-4BCD-93E2-E3B085C9AB24}">
-                  <p16:designElem xmlns:p16="http://schemas.microsoft.com/office/powerpoint/2015/main" val="1"/>
-                </p:ext>
-              </p:extLst>
-            </p:nvPr>
-          </p:nvSpPr>
-          <p:spPr>
-            <a:xfrm>
-              <a:off x="10240911" y="4115729"/>
-              <a:ext cx="202882" cy="268223"/>
-            </a:xfrm>
-            <a:custGeom>
-              <a:avLst/>
-              <a:gdLst>
-                <a:gd name="connsiteX0" fmla="*/ 20669 w 202882"/>
-                <a:gd name="connsiteY0" fmla="*/ 268224 h 268223"/>
-                <a:gd name="connsiteX1" fmla="*/ 0 w 202882"/>
-                <a:gd name="connsiteY1" fmla="*/ 268224 h 268223"/>
-                <a:gd name="connsiteX2" fmla="*/ 182118 w 202882"/>
-                <a:gd name="connsiteY2" fmla="*/ 0 h 268223"/>
-                <a:gd name="connsiteX3" fmla="*/ 202883 w 202882"/>
-                <a:gd name="connsiteY3" fmla="*/ 0 h 268223"/>
-              </a:gdLst>
-              <a:ahLst/>
-              <a:cxnLst>
-                <a:cxn ang="0">
-                  <a:pos x="connsiteX0" y="connsiteY0"/>
-                </a:cxn>
-                <a:cxn ang="0">
-                  <a:pos x="connsiteX1" y="connsiteY1"/>
-                </a:cxn>
-                <a:cxn ang="0">
-                  <a:pos x="connsiteX2" y="connsiteY2"/>
-                </a:cxn>
-                <a:cxn ang="0">
-                  <a:pos x="connsiteX3" y="connsiteY3"/>
-                </a:cxn>
-              </a:cxnLst>
-              <a:rect l="l" t="t" r="r" b="b"/>
-              <a:pathLst>
-                <a:path w="202882" h="268223">
-                  <a:moveTo>
-                    <a:pt x="20669" y="268224"/>
-                  </a:moveTo>
-                  <a:lnTo>
-                    <a:pt x="0" y="268224"/>
-                  </a:lnTo>
-                  <a:lnTo>
-                    <a:pt x="182118" y="0"/>
-                  </a:lnTo>
-                  <a:lnTo>
-                    <a:pt x="202883" y="0"/>
-                  </a:lnTo>
-                  <a:close/>
-                </a:path>
-              </a:pathLst>
-            </a:custGeom>
-            <a:grpFill/>
-            <a:ln w="9525" cap="flat">
-              <a:noFill/>
-              <a:prstDash val="solid"/>
-              <a:miter/>
-            </a:ln>
-          </p:spPr>
-          <p:txBody>
-            <a:bodyPr rtlCol="0" anchor="ctr"/>
-            <a:lstStyle/>
-            <a:p>
-              <a:endParaRPr lang="en-US" dirty="0"/>
-            </a:p>
-          </p:txBody>
-        </p:sp>
-      </p:grpSp>
-    </p:spTree>
-    <p:extLst>
-      <p:ext uri="{BB962C8B-B14F-4D97-AF65-F5344CB8AC3E}">
-        <p14:creationId xmlns:p14="http://schemas.microsoft.com/office/powerpoint/2010/main" val="172283335"/>
-      </p:ext>
-    </p:extLst>
-  </p:cSld>
-  <p:clrMapOvr>
-    <a:masterClrMapping/>
-  </p:clrMapOvr>
-</p:sld>
-</file>
-
-<file path=ppt/slides/slide2.xml><?xml version="1.0" encoding="utf-8"?>
-<p:sld xmlns:a="http://schemas.openxmlformats.org/drawingml/2006/main" xmlns:r="http://schemas.openxmlformats.org/officeDocument/2006/relationships" xmlns:p="http://schemas.openxmlformats.org/presentationml/2006/main">
-  <p:cSld>
-    <p:spTree>
-      <p:nvGrpSpPr>
-        <p:cNvPr id="1" name=""/>
-        <p:cNvGrpSpPr/>
-        <p:nvPr/>
-      </p:nvGrpSpPr>
-      <p:grpSpPr>
-        <a:xfrm>
-          <a:off x="0" y="0"/>
-          <a:ext cx="0" cy="0"/>
-          <a:chOff x="0" y="0"/>
-          <a:chExt cx="0" cy="0"/>
-        </a:xfrm>
-      </p:grpSpPr>
-      <p:sp>
-        <p:nvSpPr>
-          <p:cNvPr id="2" name="Titel 1">
-            <a:extLst>
-              <a:ext uri="{FF2B5EF4-FFF2-40B4-BE49-F238E27FC236}">
-                <a16:creationId xmlns:a16="http://schemas.microsoft.com/office/drawing/2014/main" id="{1908FCA5-CC67-4EE9-8469-66DE46B6E855}"/>
-              </a:ext>
-            </a:extLst>
-          </p:cNvPr>
-          <p:cNvSpPr>
-            <a:spLocks noGrp="1"/>
-          </p:cNvSpPr>
-          <p:nvPr>
-            <p:ph type="title"/>
-          </p:nvPr>
-        </p:nvSpPr>
-        <p:spPr/>
-        <p:txBody>
-          <a:bodyPr/>
-          <a:lstStyle/>
-          <a:p>
-            <a:r>
-              <a:rPr lang="da-DK" dirty="0"/>
-              <a:t>Interessentanalyse</a:t>
-            </a:r>
-          </a:p>
-        </p:txBody>
-      </p:sp>
-      <p:sp>
-        <p:nvSpPr>
-          <p:cNvPr id="3" name="Pladsholder til indhold 2">
-            <a:extLst>
-              <a:ext uri="{FF2B5EF4-FFF2-40B4-BE49-F238E27FC236}">
-                <a16:creationId xmlns:a16="http://schemas.microsoft.com/office/drawing/2014/main" id="{CE66176D-71F1-4DCB-90EE-BFFC9969D0B7}"/>
-              </a:ext>
-            </a:extLst>
-          </p:cNvPr>
-          <p:cNvSpPr>
-            <a:spLocks noGrp="1"/>
-          </p:cNvSpPr>
-          <p:nvPr>
-            <p:ph sz="half" idx="1"/>
-          </p:nvPr>
-        </p:nvSpPr>
-        <p:spPr/>
-        <p:txBody>
-          <a:bodyPr>
-            <a:normAutofit lnSpcReduction="10000"/>
-          </a:bodyPr>
-          <a:lstStyle/>
-          <a:p>
-            <a:r>
-              <a:rPr lang="da-DK" dirty="0"/>
-              <a:t>Hvem er interessenterne?</a:t>
-            </a:r>
-          </a:p>
-          <a:p>
-            <a:pPr>
-              <a:lnSpc>
-                <a:spcPct val="107000"/>
-              </a:lnSpc>
-              <a:spcAft>
-                <a:spcPts val="800"/>
-              </a:spcAft>
-            </a:pPr>
-            <a:r>
-              <a:rPr lang="da-DK" sz="1800" dirty="0">
-                <a:effectLst/>
-                <a:latin typeface="Calibri" panose="020F0502020204030204" pitchFamily="34" charset="0"/>
-                <a:ea typeface="Yu Mincho" panose="02020400000000000000" pitchFamily="18" charset="-128"/>
-                <a:cs typeface="Times New Roman" panose="02020603050405020304" pitchFamily="18" charset="0"/>
-              </a:rPr>
-              <a:t>Hvem har fordel af projektet? Svømmeklubben, inkl. medlemmer</a:t>
-            </a:r>
-          </a:p>
-          <a:p>
-            <a:pPr>
-              <a:lnSpc>
-                <a:spcPct val="107000"/>
-              </a:lnSpc>
-              <a:spcAft>
-                <a:spcPts val="800"/>
-              </a:spcAft>
-            </a:pPr>
-            <a:r>
-              <a:rPr lang="da-DK" sz="1800" dirty="0">
-                <a:effectLst/>
-                <a:latin typeface="Calibri" panose="020F0502020204030204" pitchFamily="34" charset="0"/>
-                <a:ea typeface="Yu Mincho" panose="02020400000000000000" pitchFamily="18" charset="-128"/>
-                <a:cs typeface="Times New Roman" panose="02020603050405020304" pitchFamily="18" charset="0"/>
-              </a:rPr>
-              <a:t>Hvem kan anvende resultatet? Formand, træner, kasser</a:t>
-            </a:r>
-          </a:p>
-          <a:p>
-            <a:pPr>
-              <a:lnSpc>
-                <a:spcPct val="107000"/>
-              </a:lnSpc>
-              <a:spcAft>
-                <a:spcPts val="800"/>
-              </a:spcAft>
-            </a:pPr>
-            <a:r>
-              <a:rPr lang="da-DK" sz="1800" dirty="0">
-                <a:effectLst/>
-                <a:latin typeface="Calibri" panose="020F0502020204030204" pitchFamily="34" charset="0"/>
-                <a:ea typeface="Yu Mincho" panose="02020400000000000000" pitchFamily="18" charset="-128"/>
-                <a:cs typeface="Times New Roman" panose="02020603050405020304" pitchFamily="18" charset="0"/>
-              </a:rPr>
-              <a:t>Hvem betaler? Svømmeklubben</a:t>
-            </a:r>
-          </a:p>
-          <a:p>
-            <a:pPr>
-              <a:lnSpc>
-                <a:spcPct val="107000"/>
-              </a:lnSpc>
-              <a:spcAft>
-                <a:spcPts val="800"/>
-              </a:spcAft>
-            </a:pPr>
-            <a:r>
-              <a:rPr lang="da-DK" sz="1800" dirty="0">
-                <a:effectLst/>
-                <a:latin typeface="Calibri" panose="020F0502020204030204" pitchFamily="34" charset="0"/>
-                <a:ea typeface="Yu Mincho" panose="02020400000000000000" pitchFamily="18" charset="-128"/>
-                <a:cs typeface="Times New Roman" panose="02020603050405020304" pitchFamily="18" charset="0"/>
-              </a:rPr>
-              <a:t>Hvem skal give accept? Bestyrelsen</a:t>
-            </a:r>
-          </a:p>
-          <a:p>
-            <a:pPr>
-              <a:lnSpc>
-                <a:spcPct val="107000"/>
-              </a:lnSpc>
-              <a:spcAft>
-                <a:spcPts val="800"/>
-              </a:spcAft>
-            </a:pPr>
-            <a:r>
-              <a:rPr lang="da-DK" sz="1800" dirty="0">
-                <a:effectLst/>
-                <a:latin typeface="Calibri" panose="020F0502020204030204" pitchFamily="34" charset="0"/>
-                <a:ea typeface="Yu Mincho" panose="02020400000000000000" pitchFamily="18" charset="-128"/>
-                <a:cs typeface="Times New Roman" panose="02020603050405020304" pitchFamily="18" charset="0"/>
-              </a:rPr>
-              <a:t>Hvem skal levere en indsats? Os + bestyrelsen/brugerne</a:t>
-            </a:r>
-          </a:p>
-          <a:p>
-            <a:pPr lvl="1"/>
-            <a:endParaRPr lang="da-DK" dirty="0"/>
-          </a:p>
-          <a:p>
-            <a:endParaRPr lang="da-DK" dirty="0"/>
-          </a:p>
-        </p:txBody>
-      </p:sp>
-      <p:sp>
-        <p:nvSpPr>
-          <p:cNvPr id="4" name="Pladsholder til indhold 3">
-            <a:extLst>
-              <a:ext uri="{FF2B5EF4-FFF2-40B4-BE49-F238E27FC236}">
-                <a16:creationId xmlns:a16="http://schemas.microsoft.com/office/drawing/2014/main" id="{5EE1B886-C90A-4C46-A321-099EC5A84B67}"/>
-              </a:ext>
-            </a:extLst>
-          </p:cNvPr>
-          <p:cNvSpPr>
-            <a:spLocks noGrp="1"/>
-          </p:cNvSpPr>
-          <p:nvPr>
-            <p:ph sz="half" idx="2"/>
-          </p:nvPr>
-        </p:nvSpPr>
-        <p:spPr/>
-        <p:txBody>
-          <a:bodyPr>
-            <a:normAutofit lnSpcReduction="10000"/>
-          </a:bodyPr>
-          <a:lstStyle/>
-          <a:p>
-            <a:r>
-              <a:rPr lang="da-DK" sz="1800" b="1" dirty="0">
-                <a:effectLst/>
-                <a:latin typeface="Calibri" panose="020F0502020204030204" pitchFamily="34" charset="0"/>
-                <a:ea typeface="Yu Mincho" panose="02020400000000000000" pitchFamily="18" charset="-128"/>
-                <a:cs typeface="Times New Roman" panose="02020603050405020304" pitchFamily="18" charset="0"/>
-              </a:rPr>
-              <a:t>Hvilken indstilling har de?</a:t>
-            </a:r>
-            <a:endParaRPr lang="da-DK" sz="1800" dirty="0">
-              <a:effectLst/>
-              <a:latin typeface="Calibri" panose="020F0502020204030204" pitchFamily="34" charset="0"/>
-              <a:ea typeface="Yu Mincho" panose="02020400000000000000" pitchFamily="18" charset="-128"/>
-              <a:cs typeface="Times New Roman" panose="02020603050405020304" pitchFamily="18" charset="0"/>
-            </a:endParaRPr>
-          </a:p>
-          <a:p>
-            <a:pPr>
-              <a:lnSpc>
-                <a:spcPct val="107000"/>
-              </a:lnSpc>
-              <a:spcAft>
-                <a:spcPts val="800"/>
-              </a:spcAft>
-            </a:pPr>
-            <a:r>
-              <a:rPr lang="da-DK" sz="1800" dirty="0">
-                <a:effectLst/>
-                <a:latin typeface="Calibri" panose="020F0502020204030204" pitchFamily="34" charset="0"/>
-                <a:ea typeface="Yu Mincho" panose="02020400000000000000" pitchFamily="18" charset="-128"/>
-                <a:cs typeface="Times New Roman" panose="02020603050405020304" pitchFamily="18" charset="0"/>
-              </a:rPr>
-              <a:t>Interesseområder: Beskrevet i opgaveformuleringen</a:t>
-            </a:r>
-          </a:p>
-          <a:p>
-            <a:pPr>
-              <a:lnSpc>
-                <a:spcPct val="107000"/>
-              </a:lnSpc>
-              <a:spcAft>
-                <a:spcPts val="800"/>
-              </a:spcAft>
-            </a:pPr>
-            <a:r>
-              <a:rPr lang="da-DK" sz="1800" dirty="0">
-                <a:effectLst/>
-                <a:latin typeface="Calibri" panose="020F0502020204030204" pitchFamily="34" charset="0"/>
-                <a:ea typeface="Yu Mincho" panose="02020400000000000000" pitchFamily="18" charset="-128"/>
-                <a:cs typeface="Times New Roman" panose="02020603050405020304" pitchFamily="18" charset="0"/>
-              </a:rPr>
-              <a:t>Mulige bidrag: Kommunen</a:t>
-            </a:r>
-          </a:p>
-          <a:p>
-            <a:pPr>
-              <a:lnSpc>
-                <a:spcPct val="107000"/>
-              </a:lnSpc>
-              <a:spcAft>
-                <a:spcPts val="800"/>
-              </a:spcAft>
-            </a:pPr>
-            <a:r>
-              <a:rPr lang="da-DK" sz="1800" dirty="0">
-                <a:effectLst/>
-                <a:latin typeface="Calibri" panose="020F0502020204030204" pitchFamily="34" charset="0"/>
-                <a:ea typeface="Yu Mincho" panose="02020400000000000000" pitchFamily="18" charset="-128"/>
-                <a:cs typeface="Times New Roman" panose="02020603050405020304" pitchFamily="18" charset="0"/>
-              </a:rPr>
-              <a:t>Motiver: effektivisering af deres infrastruktur, nemmere at have et større antal af medlemmer </a:t>
-            </a:r>
-          </a:p>
-          <a:p>
-            <a:pPr>
-              <a:lnSpc>
-                <a:spcPct val="107000"/>
-              </a:lnSpc>
-              <a:spcAft>
-                <a:spcPts val="800"/>
-              </a:spcAft>
-            </a:pPr>
-            <a:r>
-              <a:rPr lang="da-DK" sz="1800" dirty="0">
-                <a:effectLst/>
-                <a:latin typeface="Calibri" panose="020F0502020204030204" pitchFamily="34" charset="0"/>
-                <a:ea typeface="Yu Mincho" panose="02020400000000000000" pitchFamily="18" charset="-128"/>
-                <a:cs typeface="Times New Roman" panose="02020603050405020304" pitchFamily="18" charset="0"/>
-              </a:rPr>
-              <a:t>Magt: Bestyrelsen</a:t>
-            </a:r>
-          </a:p>
-          <a:p>
-            <a:pPr>
-              <a:lnSpc>
-                <a:spcPct val="107000"/>
-              </a:lnSpc>
-              <a:spcAft>
-                <a:spcPts val="800"/>
-              </a:spcAft>
-            </a:pPr>
-            <a:r>
-              <a:rPr lang="da-DK" sz="1800" dirty="0">
-                <a:effectLst/>
-                <a:latin typeface="Calibri" panose="020F0502020204030204" pitchFamily="34" charset="0"/>
-                <a:ea typeface="Yu Mincho" panose="02020400000000000000" pitchFamily="18" charset="-128"/>
-                <a:cs typeface="Times New Roman" panose="02020603050405020304" pitchFamily="18" charset="0"/>
-              </a:rPr>
-              <a:t>Forhold til andre interessenter: Kommunen, lokalsamfundet, kunden, medlemmerne </a:t>
-            </a:r>
-          </a:p>
-          <a:p>
-            <a:pPr>
-              <a:lnSpc>
-                <a:spcPct val="107000"/>
-              </a:lnSpc>
-              <a:spcAft>
-                <a:spcPts val="800"/>
-              </a:spcAft>
-            </a:pPr>
-            <a:r>
-              <a:rPr lang="da-DK" sz="1800" dirty="0">
-                <a:effectLst/>
-                <a:latin typeface="Calibri" panose="020F0502020204030204" pitchFamily="34" charset="0"/>
-                <a:ea typeface="Yu Mincho" panose="02020400000000000000" pitchFamily="18" charset="-128"/>
-                <a:cs typeface="Times New Roman" panose="02020603050405020304" pitchFamily="18" charset="0"/>
-              </a:rPr>
-              <a:t>Aktivitetsniveau: 1-5 gange om ugen</a:t>
-            </a:r>
-          </a:p>
-          <a:p>
-            <a:pPr lvl="1"/>
-            <a:endParaRPr lang="da-DK" dirty="0"/>
-          </a:p>
-        </p:txBody>
-      </p:sp>
-    </p:spTree>
-    <p:extLst>
-      <p:ext uri="{BB962C8B-B14F-4D97-AF65-F5344CB8AC3E}">
-        <p14:creationId xmlns:p14="http://schemas.microsoft.com/office/powerpoint/2010/main" val="2201665429"/>
-      </p:ext>
-    </p:extLst>
-  </p:cSld>
-  <p:clrMapOvr>
-    <a:masterClrMapping/>
-  </p:clrMapOvr>
-</p:sld>
-</file>
-
-<file path=ppt/slides/slide3.xml><?xml version="1.0" encoding="utf-8"?>
-<p:sld xmlns:a="http://schemas.openxmlformats.org/drawingml/2006/main" xmlns:r="http://schemas.openxmlformats.org/officeDocument/2006/relationships" xmlns:p="http://schemas.openxmlformats.org/presentationml/2006/main">
-  <p:cSld>
-    <p:spTree>
-      <p:nvGrpSpPr>
-        <p:cNvPr id="1" name=""/>
-        <p:cNvGrpSpPr/>
-        <p:nvPr/>
-      </p:nvGrpSpPr>
-      <p:grpSpPr>
-        <a:xfrm>
-          <a:off x="0" y="0"/>
-          <a:ext cx="0" cy="0"/>
-          <a:chOff x="0" y="0"/>
-          <a:chExt cx="0" cy="0"/>
-        </a:xfrm>
-      </p:grpSpPr>
-      <p:sp>
-        <p:nvSpPr>
-          <p:cNvPr id="2" name="Titel 1">
-            <a:extLst>
-              <a:ext uri="{FF2B5EF4-FFF2-40B4-BE49-F238E27FC236}">
-                <a16:creationId xmlns:a16="http://schemas.microsoft.com/office/drawing/2014/main" id="{F03FD7BD-9C37-461D-B6BF-4FCF6D80E5B0}"/>
-              </a:ext>
-            </a:extLst>
-          </p:cNvPr>
-          <p:cNvSpPr>
-            <a:spLocks noGrp="1"/>
-          </p:cNvSpPr>
-          <p:nvPr>
-            <p:ph type="title"/>
-          </p:nvPr>
-        </p:nvSpPr>
-        <p:spPr/>
-        <p:txBody>
-          <a:bodyPr/>
-          <a:lstStyle/>
-          <a:p>
-            <a:r>
-              <a:rPr lang="da-DK" dirty="0"/>
-              <a:t>Interessentanalyse</a:t>
-            </a:r>
-          </a:p>
-        </p:txBody>
-      </p:sp>
-      <p:sp>
-        <p:nvSpPr>
-          <p:cNvPr id="3" name="Pladsholder til indhold 2">
-            <a:extLst>
-              <a:ext uri="{FF2B5EF4-FFF2-40B4-BE49-F238E27FC236}">
-                <a16:creationId xmlns:a16="http://schemas.microsoft.com/office/drawing/2014/main" id="{29BC11A9-B662-4FE5-84B4-956371C491FE}"/>
-              </a:ext>
-            </a:extLst>
-          </p:cNvPr>
-          <p:cNvSpPr>
-            <a:spLocks noGrp="1"/>
-          </p:cNvSpPr>
-          <p:nvPr>
-            <p:ph sz="half" idx="1"/>
-          </p:nvPr>
-        </p:nvSpPr>
-        <p:spPr/>
-        <p:txBody>
-          <a:bodyPr/>
-          <a:lstStyle/>
-          <a:p>
-            <a:r>
-              <a:rPr lang="da-DK" sz="1800" b="1" dirty="0">
-                <a:effectLst/>
-                <a:latin typeface="Calibri" panose="020F0502020204030204" pitchFamily="34" charset="0"/>
-                <a:ea typeface="Yu Mincho" panose="02020400000000000000" pitchFamily="18" charset="-128"/>
-                <a:cs typeface="Times New Roman" panose="02020603050405020304" pitchFamily="18" charset="0"/>
-              </a:rPr>
-              <a:t>Målkonflikter hos de forskellige grupper:</a:t>
-            </a:r>
-            <a:endParaRPr lang="da-DK" sz="1800" dirty="0">
-              <a:effectLst/>
-              <a:latin typeface="Calibri" panose="020F0502020204030204" pitchFamily="34" charset="0"/>
-              <a:ea typeface="Yu Mincho" panose="02020400000000000000" pitchFamily="18" charset="-128"/>
-              <a:cs typeface="Times New Roman" panose="02020603050405020304" pitchFamily="18" charset="0"/>
-            </a:endParaRPr>
-          </a:p>
-          <a:p>
-            <a:pPr>
-              <a:lnSpc>
-                <a:spcPct val="107000"/>
-              </a:lnSpc>
-              <a:spcAft>
-                <a:spcPts val="800"/>
-              </a:spcAft>
-            </a:pPr>
-            <a:r>
-              <a:rPr lang="da-DK" sz="1800" dirty="0">
-                <a:effectLst/>
-                <a:latin typeface="Calibri" panose="020F0502020204030204" pitchFamily="34" charset="0"/>
-                <a:ea typeface="Yu Mincho" panose="02020400000000000000" pitchFamily="18" charset="-128"/>
-                <a:cs typeface="Times New Roman" panose="02020603050405020304" pitchFamily="18" charset="0"/>
-              </a:rPr>
-              <a:t>Konfliktområder: De tre medlemmer af bestyrelsen, som vil have hver deres funktioner. Konflikt mellem kunde og udvikler (hvis kunden kommer med noget i 11. time eller </a:t>
-            </a:r>
-            <a:r>
-              <a:rPr lang="da-DK" sz="1800" dirty="0">
-                <a:latin typeface="Calibri" panose="020F0502020204030204" pitchFamily="34" charset="0"/>
-                <a:ea typeface="Yu Mincho" panose="02020400000000000000" pitchFamily="18" charset="-128"/>
-                <a:cs typeface="Times New Roman" panose="02020603050405020304" pitchFamily="18" charset="0"/>
-              </a:rPr>
-              <a:t>der er </a:t>
-            </a:r>
-            <a:r>
-              <a:rPr lang="da-DK" sz="1800" dirty="0">
-                <a:effectLst/>
-                <a:latin typeface="Calibri" panose="020F0502020204030204" pitchFamily="34" charset="0"/>
-                <a:ea typeface="Yu Mincho" panose="02020400000000000000" pitchFamily="18" charset="-128"/>
-                <a:cs typeface="Times New Roman" panose="02020603050405020304" pitchFamily="18" charset="0"/>
-              </a:rPr>
-              <a:t>dårlig kommunikation)</a:t>
-            </a:r>
-          </a:p>
-          <a:p>
-            <a:pPr>
-              <a:lnSpc>
-                <a:spcPct val="107000"/>
-              </a:lnSpc>
-              <a:spcAft>
-                <a:spcPts val="800"/>
-              </a:spcAft>
-            </a:pPr>
-            <a:r>
-              <a:rPr lang="da-DK" sz="1800" dirty="0">
-                <a:effectLst/>
-                <a:latin typeface="Calibri" panose="020F0502020204030204" pitchFamily="34" charset="0"/>
-                <a:ea typeface="Yu Mincho" panose="02020400000000000000" pitchFamily="18" charset="-128"/>
-                <a:cs typeface="Times New Roman" panose="02020603050405020304" pitchFamily="18" charset="0"/>
-              </a:rPr>
-              <a:t>Muligheder for konflikthåndtering: Kommunikation og aftaler på skrift, sidste mulighed er advokat </a:t>
-            </a:r>
-          </a:p>
-          <a:p>
-            <a:pPr>
-              <a:lnSpc>
-                <a:spcPct val="107000"/>
-              </a:lnSpc>
-              <a:spcAft>
-                <a:spcPts val="800"/>
-              </a:spcAft>
-            </a:pPr>
-            <a:r>
-              <a:rPr lang="da-DK" sz="1800" dirty="0">
-                <a:effectLst/>
-                <a:latin typeface="Calibri" panose="020F0502020204030204" pitchFamily="34" charset="0"/>
-                <a:ea typeface="Yu Mincho" panose="02020400000000000000" pitchFamily="18" charset="-128"/>
-                <a:cs typeface="Times New Roman" panose="02020603050405020304" pitchFamily="18" charset="0"/>
-              </a:rPr>
-              <a:t>Konfliktforebyggelse: Kommunikation, bl.a. via UML og ved at præsentere projektet undervejs, for at sikre os at der bliver lavet det kunden ønsker </a:t>
-            </a:r>
-          </a:p>
-          <a:p>
-            <a:pPr lvl="1"/>
-            <a:endParaRPr lang="da-DK" dirty="0"/>
-          </a:p>
-        </p:txBody>
-      </p:sp>
-      <p:sp>
-        <p:nvSpPr>
-          <p:cNvPr id="4" name="Pladsholder til indhold 3">
-            <a:extLst>
-              <a:ext uri="{FF2B5EF4-FFF2-40B4-BE49-F238E27FC236}">
-                <a16:creationId xmlns:a16="http://schemas.microsoft.com/office/drawing/2014/main" id="{1896C2F1-5D74-4640-83DC-6BAC43793D4F}"/>
-              </a:ext>
-            </a:extLst>
-          </p:cNvPr>
-          <p:cNvSpPr>
-            <a:spLocks noGrp="1"/>
-          </p:cNvSpPr>
-          <p:nvPr>
-            <p:ph sz="half" idx="2"/>
-          </p:nvPr>
-        </p:nvSpPr>
-        <p:spPr/>
-        <p:txBody>
-          <a:bodyPr/>
-          <a:lstStyle/>
-          <a:p>
-            <a:r>
-              <a:rPr lang="da-DK" sz="1800" b="1" dirty="0">
-                <a:latin typeface="Calibri" panose="020F0502020204030204" pitchFamily="34" charset="0"/>
-                <a:ea typeface="Yu Mincho" panose="02020400000000000000" pitchFamily="18" charset="-128"/>
-                <a:cs typeface="Times New Roman" panose="02020603050405020304" pitchFamily="18" charset="0"/>
-              </a:rPr>
-              <a:t>R</a:t>
-            </a:r>
-            <a:r>
-              <a:rPr lang="da-DK" sz="1800" b="1" dirty="0">
-                <a:effectLst/>
-                <a:latin typeface="Calibri" panose="020F0502020204030204" pitchFamily="34" charset="0"/>
-                <a:ea typeface="Yu Mincho" panose="02020400000000000000" pitchFamily="18" charset="-128"/>
-                <a:cs typeface="Times New Roman" panose="02020603050405020304" pitchFamily="18" charset="0"/>
-              </a:rPr>
-              <a:t>essourcer</a:t>
-            </a:r>
-          </a:p>
-          <a:p>
-            <a:pPr>
-              <a:lnSpc>
-                <a:spcPct val="107000"/>
-              </a:lnSpc>
-              <a:spcAft>
-                <a:spcPts val="800"/>
-              </a:spcAft>
-            </a:pPr>
-            <a:r>
-              <a:rPr lang="da-DK" sz="1800" dirty="0">
-                <a:latin typeface="Calibri" panose="020F0502020204030204" pitchFamily="34" charset="0"/>
-                <a:ea typeface="Yu Mincho" panose="02020400000000000000" pitchFamily="18" charset="-128"/>
-                <a:cs typeface="Times New Roman" panose="02020603050405020304" pitchFamily="18" charset="0"/>
-              </a:rPr>
-              <a:t>B</a:t>
-            </a:r>
-            <a:r>
-              <a:rPr lang="da-DK" sz="1800" dirty="0">
-                <a:effectLst/>
-                <a:latin typeface="Calibri" panose="020F0502020204030204" pitchFamily="34" charset="0"/>
-                <a:ea typeface="Yu Mincho" panose="02020400000000000000" pitchFamily="18" charset="-128"/>
-                <a:cs typeface="Times New Roman" panose="02020603050405020304" pitchFamily="18" charset="0"/>
-              </a:rPr>
-              <a:t>idrag til finansiering: tilskud fra kommunen</a:t>
-            </a:r>
-          </a:p>
-          <a:p>
-            <a:pPr>
-              <a:lnSpc>
-                <a:spcPct val="107000"/>
-              </a:lnSpc>
-              <a:spcAft>
-                <a:spcPts val="800"/>
-              </a:spcAft>
-            </a:pPr>
-            <a:r>
-              <a:rPr lang="da-DK" sz="1800" dirty="0">
-                <a:latin typeface="Calibri" panose="020F0502020204030204" pitchFamily="34" charset="0"/>
-                <a:ea typeface="Yu Mincho" panose="02020400000000000000" pitchFamily="18" charset="-128"/>
-                <a:cs typeface="Times New Roman" panose="02020603050405020304" pitchFamily="18" charset="0"/>
-              </a:rPr>
-              <a:t>A</a:t>
-            </a:r>
-            <a:r>
-              <a:rPr lang="da-DK" sz="1800" dirty="0">
-                <a:effectLst/>
-                <a:latin typeface="Calibri" panose="020F0502020204030204" pitchFamily="34" charset="0"/>
-                <a:ea typeface="Yu Mincho" panose="02020400000000000000" pitchFamily="18" charset="-128"/>
-                <a:cs typeface="Times New Roman" panose="02020603050405020304" pitchFamily="18" charset="0"/>
-              </a:rPr>
-              <a:t>fsætning</a:t>
-            </a:r>
-          </a:p>
-          <a:p>
-            <a:pPr>
-              <a:lnSpc>
-                <a:spcPct val="107000"/>
-              </a:lnSpc>
-              <a:spcAft>
-                <a:spcPts val="800"/>
-              </a:spcAft>
-            </a:pPr>
-            <a:r>
-              <a:rPr lang="da-DK" sz="1800" dirty="0">
-                <a:latin typeface="Calibri" panose="020F0502020204030204" pitchFamily="34" charset="0"/>
-                <a:ea typeface="Yu Mincho" panose="02020400000000000000" pitchFamily="18" charset="-128"/>
-                <a:cs typeface="Times New Roman" panose="02020603050405020304" pitchFamily="18" charset="0"/>
-              </a:rPr>
-              <a:t>U</a:t>
-            </a:r>
-            <a:r>
-              <a:rPr lang="da-DK" sz="1800" dirty="0">
-                <a:effectLst/>
-                <a:latin typeface="Calibri" panose="020F0502020204030204" pitchFamily="34" charset="0"/>
-                <a:ea typeface="Yu Mincho" panose="02020400000000000000" pitchFamily="18" charset="-128"/>
-                <a:cs typeface="Times New Roman" panose="02020603050405020304" pitchFamily="18" charset="0"/>
-              </a:rPr>
-              <a:t>dvikling: Fremtidig mulighed for at lave statistik, brugerne kan have hver deres profil, log-in fase</a:t>
-            </a:r>
-          </a:p>
-        </p:txBody>
-      </p:sp>
-    </p:spTree>
-    <p:extLst>
-      <p:ext uri="{BB962C8B-B14F-4D97-AF65-F5344CB8AC3E}">
-        <p14:creationId xmlns:p14="http://schemas.microsoft.com/office/powerpoint/2010/main" val="3621914154"/>
-      </p:ext>
-    </p:extLst>
-  </p:cSld>
-  <p:clrMapOvr>
-    <a:masterClrMapping/>
-  </p:clrMapOvr>
-</p:sld>
-</file>
-
-<file path=ppt/slides/slide4.xml><?xml version="1.0" encoding="utf-8"?>
-<p:sld xmlns:a="http://schemas.openxmlformats.org/drawingml/2006/main" xmlns:r="http://schemas.openxmlformats.org/officeDocument/2006/relationships" xmlns:p="http://schemas.openxmlformats.org/presentationml/2006/main">
-  <p:cSld>
-    <p:spTree>
-      <p:nvGrpSpPr>
-        <p:cNvPr id="1" name=""/>
-        <p:cNvGrpSpPr/>
-        <p:nvPr/>
-      </p:nvGrpSpPr>
-      <p:grpSpPr>
-        <a:xfrm>
-          <a:off x="0" y="0"/>
-          <a:ext cx="0" cy="0"/>
-          <a:chOff x="0" y="0"/>
-          <a:chExt cx="0" cy="0"/>
-        </a:xfrm>
-      </p:grpSpPr>
-      <p:sp>
-        <p:nvSpPr>
-          <p:cNvPr id="2" name="Titel 1">
-            <a:extLst>
-              <a:ext uri="{FF2B5EF4-FFF2-40B4-BE49-F238E27FC236}">
-                <a16:creationId xmlns:a16="http://schemas.microsoft.com/office/drawing/2014/main" id="{A55AFBAC-0D77-4022-A6B5-B6EE64D56EE5}"/>
-              </a:ext>
-            </a:extLst>
-          </p:cNvPr>
-          <p:cNvSpPr>
-            <a:spLocks noGrp="1"/>
-          </p:cNvSpPr>
-          <p:nvPr>
-            <p:ph type="title"/>
-          </p:nvPr>
-        </p:nvSpPr>
-        <p:spPr/>
-        <p:txBody>
-          <a:bodyPr/>
-          <a:lstStyle/>
-          <a:p>
-            <a:r>
-              <a:rPr lang="da-DK" dirty="0"/>
-              <a:t>Risikoanalyse</a:t>
-            </a:r>
-          </a:p>
-        </p:txBody>
-      </p:sp>
-      <p:sp>
-        <p:nvSpPr>
-          <p:cNvPr id="3" name="Pladsholder til indhold 2">
-            <a:extLst>
-              <a:ext uri="{FF2B5EF4-FFF2-40B4-BE49-F238E27FC236}">
-                <a16:creationId xmlns:a16="http://schemas.microsoft.com/office/drawing/2014/main" id="{1712F29A-1D3F-46D6-B552-35883A51C36E}"/>
-              </a:ext>
-            </a:extLst>
-          </p:cNvPr>
-          <p:cNvSpPr>
-            <a:spLocks noGrp="1"/>
-          </p:cNvSpPr>
-          <p:nvPr>
-            <p:ph idx="1"/>
-          </p:nvPr>
-        </p:nvSpPr>
-        <p:spPr/>
-        <p:txBody>
-          <a:bodyPr>
-            <a:normAutofit/>
-          </a:bodyPr>
-          <a:lstStyle/>
-          <a:p>
-            <a:r>
-              <a:rPr lang="da-DK" dirty="0"/>
-              <a:t>Længerevarende- og kortvarende sygdom</a:t>
-            </a:r>
-          </a:p>
-          <a:p>
-            <a:r>
-              <a:rPr lang="da-DK" dirty="0"/>
-              <a:t>Samarbejdsproblemer i gruppen</a:t>
-            </a:r>
-          </a:p>
-          <a:p>
-            <a:r>
-              <a:rPr lang="da-DK" dirty="0"/>
-              <a:t>Laver et for indviklet program, der er halvfærdigt i stedet for ét der virker</a:t>
-            </a:r>
-          </a:p>
-          <a:p>
-            <a:r>
-              <a:rPr lang="da-DK" dirty="0"/>
-              <a:t>Mangelfuld </a:t>
-            </a:r>
-            <a:r>
-              <a:rPr lang="da-DK" dirty="0" err="1"/>
-              <a:t>testing</a:t>
-            </a:r>
-            <a:endParaRPr lang="da-DK" dirty="0"/>
-          </a:p>
-          <a:p>
-            <a:r>
-              <a:rPr lang="da-DK" dirty="0"/>
-              <a:t>Ændringer i kravene til projektet</a:t>
-            </a:r>
-          </a:p>
-          <a:p>
-            <a:r>
-              <a:rPr lang="da-DK" dirty="0"/>
-              <a:t>Fritidsjob</a:t>
-            </a:r>
-          </a:p>
-          <a:p>
-            <a:r>
-              <a:rPr lang="da-DK" dirty="0" err="1"/>
-              <a:t>Github</a:t>
-            </a:r>
-            <a:r>
-              <a:rPr lang="da-DK" dirty="0"/>
-              <a:t> problemer</a:t>
-            </a:r>
-          </a:p>
-        </p:txBody>
-      </p:sp>
-    </p:spTree>
-    <p:extLst>
-      <p:ext uri="{BB962C8B-B14F-4D97-AF65-F5344CB8AC3E}">
-        <p14:creationId xmlns:p14="http://schemas.microsoft.com/office/powerpoint/2010/main" val="1891951225"/>
-      </p:ext>
-    </p:extLst>
-  </p:cSld>
-  <p:clrMapOvr>
-    <a:masterClrMapping/>
-  </p:clrMapOvr>
-</p:sld>
-</file>
-
-<file path=ppt/slides/slide5.xml><?xml version="1.0" encoding="utf-8"?>
-<p:sld xmlns:a="http://schemas.openxmlformats.org/drawingml/2006/main" xmlns:r="http://schemas.openxmlformats.org/officeDocument/2006/relationships" xmlns:p="http://schemas.openxmlformats.org/presentationml/2006/main">
-  <p:cSld>
-    <p:spTree>
-      <p:nvGrpSpPr>
-        <p:cNvPr id="1" name=""/>
-        <p:cNvGrpSpPr/>
-        <p:nvPr/>
-      </p:nvGrpSpPr>
-      <p:grpSpPr>
-        <a:xfrm>
-          <a:off x="0" y="0"/>
-          <a:ext cx="0" cy="0"/>
-          <a:chOff x="0" y="0"/>
-          <a:chExt cx="0" cy="0"/>
-        </a:xfrm>
-      </p:grpSpPr>
+            <a:endParaRPr lang="en-US"/>
+          </a:p>
+        </p:txBody>
+      </p:sp>
       <p:pic>
         <p:nvPicPr>
           <p:cNvPr id="1026" name="Picture 2">
@@ -6592,15 +5203,14 @@
               </a:ext>
             </a:extLst>
           </a:blip>
-          <a:srcRect/>
           <a:stretch>
             <a:fillRect/>
           </a:stretch>
         </p:blipFill>
         <p:spPr bwMode="auto">
           <a:xfrm>
-            <a:off x="2838450" y="966788"/>
-            <a:ext cx="6515100" cy="4924425"/>
+            <a:off x="2406551" y="643467"/>
+            <a:ext cx="7378897" cy="5571066"/>
           </a:xfrm>
           <a:prstGeom prst="rect">
             <a:avLst/>
@@ -6633,6 +5243,14 @@
 <file path=ppt/slides/slide6.xml><?xml version="1.0" encoding="utf-8"?>
 <p:sld xmlns:a="http://schemas.openxmlformats.org/drawingml/2006/main" xmlns:r="http://schemas.openxmlformats.org/officeDocument/2006/relationships" xmlns:p="http://schemas.openxmlformats.org/presentationml/2006/main">
   <p:cSld>
+    <p:bg>
+      <p:bgPr>
+        <a:solidFill>
+          <a:schemeClr val="bg2"/>
+        </a:solidFill>
+        <a:effectLst/>
+      </p:bgPr>
+    </p:bg>
     <p:spTree>
       <p:nvGrpSpPr>
         <p:cNvPr id="1" name=""/>
@@ -6649,6 +5267,69 @@
       </p:grpSpPr>
       <p:sp>
         <p:nvSpPr>
+          <p:cNvPr id="14" name="Rectangle 13">
+            <a:extLst>
+              <a:ext uri="{FF2B5EF4-FFF2-40B4-BE49-F238E27FC236}">
+                <a16:creationId xmlns:a16="http://schemas.microsoft.com/office/drawing/2014/main" id="{16C5FA50-8D52-4617-AF91-5C7B1C8352F1}"/>
+              </a:ext>
+              <a:ext uri="{C183D7F6-B498-43B3-948B-1728B52AA6E4}">
+                <adec:decorative xmlns:adec="http://schemas.microsoft.com/office/drawing/2017/decorative" val="1"/>
+              </a:ext>
+            </a:extLst>
+          </p:cNvPr>
+          <p:cNvSpPr>
+            <a:spLocks noGrp="1" noRot="1" noChangeAspect="1" noMove="1" noResize="1" noEditPoints="1" noAdjustHandles="1" noChangeArrowheads="1" noChangeShapeType="1" noTextEdit="1"/>
+          </p:cNvSpPr>
+          <p:nvPr>
+            <p:extLst>
+              <p:ext uri="{386F3935-93C4-4BCD-93E2-E3B085C9AB24}">
+                <p16:designElem xmlns:p16="http://schemas.microsoft.com/office/powerpoint/2015/main" val="1"/>
+              </p:ext>
+            </p:extLst>
+          </p:nvPr>
+        </p:nvSpPr>
+        <p:spPr>
+          <a:xfrm>
+            <a:off x="0" y="0"/>
+            <a:ext cx="12192000" cy="6858000"/>
+          </a:xfrm>
+          <a:prstGeom prst="rect">
+            <a:avLst/>
+          </a:prstGeom>
+          <a:solidFill>
+            <a:srgbClr val="767171"/>
+          </a:solidFill>
+          <a:ln>
+            <a:noFill/>
+          </a:ln>
+        </p:spPr>
+        <p:style>
+          <a:lnRef idx="2">
+            <a:schemeClr val="accent1">
+              <a:shade val="50000"/>
+            </a:schemeClr>
+          </a:lnRef>
+          <a:fillRef idx="1">
+            <a:schemeClr val="accent1"/>
+          </a:fillRef>
+          <a:effectRef idx="0">
+            <a:schemeClr val="accent1"/>
+          </a:effectRef>
+          <a:fontRef idx="minor">
+            <a:schemeClr val="lt1"/>
+          </a:fontRef>
+        </p:style>
+        <p:txBody>
+          <a:bodyPr rtlCol="0" anchor="ctr"/>
+          <a:lstStyle/>
+          <a:p>
+            <a:pPr algn="ctr"/>
+            <a:endParaRPr lang="en-US"/>
+          </a:p>
+        </p:txBody>
+      </p:sp>
+      <p:sp>
+        <p:nvSpPr>
           <p:cNvPr id="2" name="Titel 1">
             <a:extLst>
               <a:ext uri="{FF2B5EF4-FFF2-40B4-BE49-F238E27FC236}">
@@ -6663,15 +5344,100 @@
             <p:ph type="title"/>
           </p:nvPr>
         </p:nvSpPr>
-        <p:spPr/>
-        <p:txBody>
-          <a:bodyPr/>
-          <a:lstStyle/>
-          <a:p>
-            <a:r>
-              <a:rPr lang="da-DK" dirty="0"/>
+        <p:spPr>
+          <a:xfrm>
+            <a:off x="9093496" y="618681"/>
+            <a:ext cx="2613872" cy="4794567"/>
+          </a:xfrm>
+        </p:spPr>
+        <p:txBody>
+          <a:bodyPr vert="horz" lIns="91440" tIns="45720" rIns="91440" bIns="45720" rtlCol="0" anchor="ctr">
+            <a:normAutofit/>
+          </a:bodyPr>
+          <a:lstStyle/>
+          <a:p>
+            <a:r>
+              <a:rPr lang="en-US" sz="3600">
+                <a:solidFill>
+                  <a:srgbClr val="FFFFFF"/>
+                </a:solidFill>
+              </a:rPr>
               <a:t>Udvidet risikotabel</a:t>
             </a:r>
+          </a:p>
+        </p:txBody>
+      </p:sp>
+      <p:sp>
+        <p:nvSpPr>
+          <p:cNvPr id="16" name="Rounded Rectangle 9">
+            <a:extLst>
+              <a:ext uri="{FF2B5EF4-FFF2-40B4-BE49-F238E27FC236}">
+                <a16:creationId xmlns:a16="http://schemas.microsoft.com/office/drawing/2014/main" id="{E223798C-12AD-4B0C-A50C-D676347D67CF}"/>
+              </a:ext>
+              <a:ext uri="{C183D7F6-B498-43B3-948B-1728B52AA6E4}">
+                <adec:decorative xmlns:adec="http://schemas.microsoft.com/office/drawing/2017/decorative" val="1"/>
+              </a:ext>
+            </a:extLst>
+          </p:cNvPr>
+          <p:cNvSpPr>
+            <a:spLocks noGrp="1" noRot="1" noChangeAspect="1" noMove="1" noResize="1" noEditPoints="1" noAdjustHandles="1" noChangeArrowheads="1" noChangeShapeType="1" noTextEdit="1"/>
+          </p:cNvSpPr>
+          <p:nvPr>
+            <p:extLst>
+              <p:ext uri="{386F3935-93C4-4BCD-93E2-E3B085C9AB24}">
+                <p16:designElem xmlns:p16="http://schemas.microsoft.com/office/powerpoint/2015/main" val="1"/>
+              </p:ext>
+            </p:extLst>
+          </p:nvPr>
+        </p:nvSpPr>
+        <p:spPr>
+          <a:xfrm>
+            <a:off x="493354" y="484632"/>
+            <a:ext cx="8129016" cy="5724144"/>
+          </a:xfrm>
+          <a:prstGeom prst="roundRect">
+            <a:avLst>
+              <a:gd name="adj" fmla="val 0"/>
+            </a:avLst>
+          </a:prstGeom>
+          <a:solidFill>
+            <a:srgbClr val="FFFFFF"/>
+          </a:solidFill>
+          <a:ln w="9525">
+            <a:solidFill>
+              <a:srgbClr val="C8CACA"/>
+            </a:solidFill>
+          </a:ln>
+          <a:effectLst>
+            <a:outerShdw blurRad="57150" dist="19050" dir="5400000" algn="t" rotWithShape="0">
+              <a:prstClr val="black">
+                <a:alpha val="63000"/>
+              </a:prstClr>
+            </a:outerShdw>
+          </a:effectLst>
+        </p:spPr>
+        <p:style>
+          <a:lnRef idx="2">
+            <a:schemeClr val="accent1">
+              <a:shade val="50000"/>
+            </a:schemeClr>
+          </a:lnRef>
+          <a:fillRef idx="1">
+            <a:schemeClr val="accent1"/>
+          </a:fillRef>
+          <a:effectRef idx="0">
+            <a:schemeClr val="accent1"/>
+          </a:effectRef>
+          <a:fontRef idx="minor">
+            <a:schemeClr val="lt1"/>
+          </a:fontRef>
+        </p:style>
+        <p:txBody>
+          <a:bodyPr rtlCol="0" anchor="ctr"/>
+          <a:lstStyle/>
+          <a:p>
+            <a:pPr algn="ctr"/>
+            <a:endParaRPr lang="en-US"/>
           </a:p>
         </p:txBody>
       </p:sp>
@@ -6691,17 +5457,20 @@
             <p:ph idx="1"/>
           </p:nvPr>
         </p:nvPicPr>
-        <p:blipFill>
+        <p:blipFill rotWithShape="1">
           <a:blip r:embed="rId2"/>
-          <a:stretch>
-            <a:fillRect/>
-          </a:stretch>
+          <a:srcRect l="15962" r="3219" b="-1"/>
+          <a:stretch/>
         </p:blipFill>
         <p:spPr>
           <a:xfrm>
-            <a:off x="1070517" y="1255055"/>
-            <a:ext cx="8642195" cy="4694101"/>
+            <a:off x="976251" y="942538"/>
+            <a:ext cx="7163222" cy="4808332"/>
           </a:xfrm>
+          <a:prstGeom prst="rect">
+            <a:avLst/>
+          </a:prstGeom>
+          <a:effectLst/>
         </p:spPr>
       </p:pic>
     </p:spTree>
@@ -6720,6 +5489,14 @@
 <file path=ppt/slides/slide7.xml><?xml version="1.0" encoding="utf-8"?>
 <p:sld xmlns:a="http://schemas.openxmlformats.org/drawingml/2006/main" xmlns:r="http://schemas.openxmlformats.org/officeDocument/2006/relationships" xmlns:p="http://schemas.openxmlformats.org/presentationml/2006/main">
   <p:cSld>
+    <p:bg>
+      <p:bgPr>
+        <a:solidFill>
+          <a:schemeClr val="bg1"/>
+        </a:solidFill>
+        <a:effectLst/>
+      </p:bgPr>
+    </p:bg>
     <p:spTree>
       <p:nvGrpSpPr>
         <p:cNvPr id="1" name=""/>
@@ -6734,6 +5511,139 @@
           <a:chExt cx="0" cy="0"/>
         </a:xfrm>
       </p:grpSpPr>
+      <p:sp>
+        <p:nvSpPr>
+          <p:cNvPr id="8" name="Rectangle 7">
+            <a:extLst>
+              <a:ext uri="{FF2B5EF4-FFF2-40B4-BE49-F238E27FC236}">
+                <a16:creationId xmlns:a16="http://schemas.microsoft.com/office/drawing/2014/main" id="{01D0AF59-99C3-4251-AB9A-C966C6AD4400}"/>
+              </a:ext>
+              <a:ext uri="{C183D7F6-B498-43B3-948B-1728B52AA6E4}">
+                <adec:decorative xmlns:adec="http://schemas.microsoft.com/office/drawing/2017/decorative" val="1"/>
+              </a:ext>
+            </a:extLst>
+          </p:cNvPr>
+          <p:cNvSpPr>
+            <a:spLocks noGrp="1" noRot="1" noChangeAspect="1" noMove="1" noResize="1" noEditPoints="1" noAdjustHandles="1" noChangeArrowheads="1" noChangeShapeType="1" noTextEdit="1"/>
+          </p:cNvSpPr>
+          <p:nvPr>
+            <p:extLst>
+              <p:ext uri="{386F3935-93C4-4BCD-93E2-E3B085C9AB24}">
+                <p16:designElem xmlns:p16="http://schemas.microsoft.com/office/powerpoint/2015/main" val="1"/>
+              </p:ext>
+            </p:extLst>
+          </p:nvPr>
+        </p:nvSpPr>
+        <p:spPr>
+          <a:xfrm>
+            <a:off x="0" y="0"/>
+            <a:ext cx="12192000" cy="6858000"/>
+          </a:xfrm>
+          <a:prstGeom prst="rect">
+            <a:avLst/>
+          </a:prstGeom>
+          <a:solidFill>
+            <a:schemeClr val="bg2"/>
+          </a:solidFill>
+          <a:ln>
+            <a:noFill/>
+          </a:ln>
+        </p:spPr>
+        <p:style>
+          <a:lnRef idx="2">
+            <a:schemeClr val="accent1">
+              <a:shade val="50000"/>
+            </a:schemeClr>
+          </a:lnRef>
+          <a:fillRef idx="1">
+            <a:schemeClr val="accent1"/>
+          </a:fillRef>
+          <a:effectRef idx="0">
+            <a:schemeClr val="accent1"/>
+          </a:effectRef>
+          <a:fontRef idx="minor">
+            <a:schemeClr val="lt1"/>
+          </a:fontRef>
+        </p:style>
+        <p:txBody>
+          <a:bodyPr rtlCol="0" anchor="ctr"/>
+          <a:lstStyle/>
+          <a:p>
+            <a:pPr algn="ctr"/>
+            <a:endParaRPr lang="en-US"/>
+          </a:p>
+        </p:txBody>
+      </p:sp>
+      <p:sp>
+        <p:nvSpPr>
+          <p:cNvPr id="10" name="Rectangle 9">
+            <a:extLst>
+              <a:ext uri="{FF2B5EF4-FFF2-40B4-BE49-F238E27FC236}">
+                <a16:creationId xmlns:a16="http://schemas.microsoft.com/office/drawing/2014/main" id="{1855405F-37A2-4869-9154-F8BE3BECE6C3}"/>
+              </a:ext>
+              <a:ext uri="{C183D7F6-B498-43B3-948B-1728B52AA6E4}">
+                <adec:decorative xmlns:adec="http://schemas.microsoft.com/office/drawing/2017/decorative" val="1"/>
+              </a:ext>
+            </a:extLst>
+          </p:cNvPr>
+          <p:cNvSpPr>
+            <a:spLocks noGrp="1" noRot="1" noChangeAspect="1" noMove="1" noResize="1" noEditPoints="1" noAdjustHandles="1" noChangeArrowheads="1" noChangeShapeType="1" noTextEdit="1"/>
+          </p:cNvSpPr>
+          <p:nvPr>
+            <p:extLst>
+              <p:ext uri="{386F3935-93C4-4BCD-93E2-E3B085C9AB24}">
+                <p16:designElem xmlns:p16="http://schemas.microsoft.com/office/powerpoint/2015/main" val="1"/>
+              </p:ext>
+            </p:extLst>
+          </p:nvPr>
+        </p:nvSpPr>
+        <p:spPr>
+          <a:xfrm>
+            <a:off x="477012" y="480060"/>
+            <a:ext cx="11237976" cy="5897880"/>
+          </a:xfrm>
+          <a:prstGeom prst="rect">
+            <a:avLst/>
+          </a:prstGeom>
+          <a:solidFill>
+            <a:srgbClr val="FFFFFF"/>
+          </a:solidFill>
+          <a:ln w="9525">
+            <a:noFill/>
+          </a:ln>
+          <a:effectLst>
+            <a:outerShdw blurRad="63500" dist="17780" dir="5400000" algn="t" rotWithShape="0">
+              <a:prstClr val="black">
+                <a:alpha val="43000"/>
+              </a:prstClr>
+            </a:outerShdw>
+          </a:effectLst>
+        </p:spPr>
+        <p:style>
+          <a:lnRef idx="2">
+            <a:schemeClr val="accent1">
+              <a:shade val="50000"/>
+            </a:schemeClr>
+          </a:lnRef>
+          <a:fillRef idx="1">
+            <a:schemeClr val="accent1"/>
+          </a:fillRef>
+          <a:effectRef idx="0">
+            <a:schemeClr val="accent1"/>
+          </a:effectRef>
+          <a:fontRef idx="minor">
+            <a:schemeClr val="lt1"/>
+          </a:fontRef>
+        </p:style>
+        <p:txBody>
+          <a:bodyPr rtlCol="0" anchor="ctr"/>
+          <a:lstStyle/>
+          <a:p>
+            <a:pPr algn="ctr"/>
+            <a:endParaRPr lang="en-US"/>
+          </a:p>
+        </p:txBody>
+      </p:sp>
       <p:pic>
         <p:nvPicPr>
           <p:cNvPr id="3" name="Billede 2">
@@ -6756,8 +5666,8 @@
         </p:blipFill>
         <p:spPr>
           <a:xfrm>
-            <a:off x="2018371" y="442166"/>
-            <a:ext cx="7478054" cy="5477622"/>
+            <a:off x="2293225" y="643467"/>
+            <a:ext cx="7605550" cy="5571066"/>
           </a:xfrm>
           <a:prstGeom prst="rect">
             <a:avLst/>
@@ -6780,6 +5690,14 @@
 <file path=ppt/slides/slide8.xml><?xml version="1.0" encoding="utf-8"?>
 <p:sld xmlns:a="http://schemas.openxmlformats.org/drawingml/2006/main" xmlns:r="http://schemas.openxmlformats.org/officeDocument/2006/relationships" xmlns:p="http://schemas.openxmlformats.org/presentationml/2006/main">
   <p:cSld>
+    <p:bg>
+      <p:bgPr>
+        <a:solidFill>
+          <a:schemeClr val="bg1"/>
+        </a:solidFill>
+        <a:effectLst/>
+      </p:bgPr>
+    </p:bg>
     <p:spTree>
       <p:nvGrpSpPr>
         <p:cNvPr id="1" name=""/>
@@ -6794,6 +5712,139 @@
           <a:chExt cx="0" cy="0"/>
         </a:xfrm>
       </p:grpSpPr>
+      <p:sp>
+        <p:nvSpPr>
+          <p:cNvPr id="8" name="Rectangle 7">
+            <a:extLst>
+              <a:ext uri="{FF2B5EF4-FFF2-40B4-BE49-F238E27FC236}">
+                <a16:creationId xmlns:a16="http://schemas.microsoft.com/office/drawing/2014/main" id="{01D0AF59-99C3-4251-AB9A-C966C6AD4400}"/>
+              </a:ext>
+              <a:ext uri="{C183D7F6-B498-43B3-948B-1728B52AA6E4}">
+                <adec:decorative xmlns:adec="http://schemas.microsoft.com/office/drawing/2017/decorative" val="1"/>
+              </a:ext>
+            </a:extLst>
+          </p:cNvPr>
+          <p:cNvSpPr>
+            <a:spLocks noGrp="1" noRot="1" noChangeAspect="1" noMove="1" noResize="1" noEditPoints="1" noAdjustHandles="1" noChangeArrowheads="1" noChangeShapeType="1" noTextEdit="1"/>
+          </p:cNvSpPr>
+          <p:nvPr>
+            <p:extLst>
+              <p:ext uri="{386F3935-93C4-4BCD-93E2-E3B085C9AB24}">
+                <p16:designElem xmlns:p16="http://schemas.microsoft.com/office/powerpoint/2015/main" val="1"/>
+              </p:ext>
+            </p:extLst>
+          </p:nvPr>
+        </p:nvSpPr>
+        <p:spPr>
+          <a:xfrm>
+            <a:off x="0" y="0"/>
+            <a:ext cx="12192000" cy="6858000"/>
+          </a:xfrm>
+          <a:prstGeom prst="rect">
+            <a:avLst/>
+          </a:prstGeom>
+          <a:solidFill>
+            <a:schemeClr val="bg2"/>
+          </a:solidFill>
+          <a:ln>
+            <a:noFill/>
+          </a:ln>
+        </p:spPr>
+        <p:style>
+          <a:lnRef idx="2">
+            <a:schemeClr val="accent1">
+              <a:shade val="50000"/>
+            </a:schemeClr>
+          </a:lnRef>
+          <a:fillRef idx="1">
+            <a:schemeClr val="accent1"/>
+          </a:fillRef>
+          <a:effectRef idx="0">
+            <a:schemeClr val="accent1"/>
+          </a:effectRef>
+          <a:fontRef idx="minor">
+            <a:schemeClr val="lt1"/>
+          </a:fontRef>
+        </p:style>
+        <p:txBody>
+          <a:bodyPr rtlCol="0" anchor="ctr"/>
+          <a:lstStyle/>
+          <a:p>
+            <a:pPr algn="ctr"/>
+            <a:endParaRPr lang="en-US"/>
+          </a:p>
+        </p:txBody>
+      </p:sp>
+      <p:sp>
+        <p:nvSpPr>
+          <p:cNvPr id="10" name="Rectangle 9">
+            <a:extLst>
+              <a:ext uri="{FF2B5EF4-FFF2-40B4-BE49-F238E27FC236}">
+                <a16:creationId xmlns:a16="http://schemas.microsoft.com/office/drawing/2014/main" id="{1855405F-37A2-4869-9154-F8BE3BECE6C3}"/>
+              </a:ext>
+              <a:ext uri="{C183D7F6-B498-43B3-948B-1728B52AA6E4}">
+                <adec:decorative xmlns:adec="http://schemas.microsoft.com/office/drawing/2017/decorative" val="1"/>
+              </a:ext>
+            </a:extLst>
+          </p:cNvPr>
+          <p:cNvSpPr>
+            <a:spLocks noGrp="1" noRot="1" noChangeAspect="1" noMove="1" noResize="1" noEditPoints="1" noAdjustHandles="1" noChangeArrowheads="1" noChangeShapeType="1" noTextEdit="1"/>
+          </p:cNvSpPr>
+          <p:nvPr>
+            <p:extLst>
+              <p:ext uri="{386F3935-93C4-4BCD-93E2-E3B085C9AB24}">
+                <p16:designElem xmlns:p16="http://schemas.microsoft.com/office/powerpoint/2015/main" val="1"/>
+              </p:ext>
+            </p:extLst>
+          </p:nvPr>
+        </p:nvSpPr>
+        <p:spPr>
+          <a:xfrm>
+            <a:off x="477012" y="480060"/>
+            <a:ext cx="11237976" cy="5897880"/>
+          </a:xfrm>
+          <a:prstGeom prst="rect">
+            <a:avLst/>
+          </a:prstGeom>
+          <a:solidFill>
+            <a:srgbClr val="FFFFFF"/>
+          </a:solidFill>
+          <a:ln w="9525">
+            <a:noFill/>
+          </a:ln>
+          <a:effectLst>
+            <a:outerShdw blurRad="63500" dist="17780" dir="5400000" algn="t" rotWithShape="0">
+              <a:prstClr val="black">
+                <a:alpha val="43000"/>
+              </a:prstClr>
+            </a:outerShdw>
+          </a:effectLst>
+        </p:spPr>
+        <p:style>
+          <a:lnRef idx="2">
+            <a:schemeClr val="accent1">
+              <a:shade val="50000"/>
+            </a:schemeClr>
+          </a:lnRef>
+          <a:fillRef idx="1">
+            <a:schemeClr val="accent1"/>
+          </a:fillRef>
+          <a:effectRef idx="0">
+            <a:schemeClr val="accent1"/>
+          </a:effectRef>
+          <a:fontRef idx="minor">
+            <a:schemeClr val="lt1"/>
+          </a:fontRef>
+        </p:style>
+        <p:txBody>
+          <a:bodyPr rtlCol="0" anchor="ctr"/>
+          <a:lstStyle/>
+          <a:p>
+            <a:pPr algn="ctr"/>
+            <a:endParaRPr lang="en-US"/>
+          </a:p>
+        </p:txBody>
+      </p:sp>
       <p:pic>
         <p:nvPicPr>
           <p:cNvPr id="3" name="Billede 2">
@@ -6816,8 +5867,8 @@
         </p:blipFill>
         <p:spPr>
           <a:xfrm>
-            <a:off x="306995" y="1616926"/>
-            <a:ext cx="9650464" cy="2979002"/>
+            <a:off x="643467" y="1752346"/>
+            <a:ext cx="10905066" cy="3353308"/>
           </a:xfrm>
           <a:prstGeom prst="rect">
             <a:avLst/>
